--- a/PaperWork/Presentation.pptx
+++ b/PaperWork/Presentation.pptx
@@ -5,7 +5,7 @@
     <p:sldMasterId id="2147483672" r:id="rId1"/>
   </p:sldMasterIdLst>
   <p:notesMasterIdLst>
-    <p:notesMasterId r:id="rId17"/>
+    <p:notesMasterId r:id="rId18"/>
   </p:notesMasterIdLst>
   <p:sldIdLst>
     <p:sldId id="256" r:id="rId2"/>
@@ -18,11 +18,12 @@
     <p:sldId id="267" r:id="rId9"/>
     <p:sldId id="266" r:id="rId10"/>
     <p:sldId id="268" r:id="rId11"/>
-    <p:sldId id="259" r:id="rId12"/>
-    <p:sldId id="269" r:id="rId13"/>
-    <p:sldId id="270" r:id="rId14"/>
+    <p:sldId id="273" r:id="rId12"/>
+    <p:sldId id="259" r:id="rId13"/>
+    <p:sldId id="269" r:id="rId14"/>
     <p:sldId id="271" r:id="rId15"/>
-    <p:sldId id="264" r:id="rId16"/>
+    <p:sldId id="272" r:id="rId16"/>
+    <p:sldId id="264" r:id="rId17"/>
   </p:sldIdLst>
   <p:sldSz cx="9144000" cy="6858000" type="screen4x3"/>
   <p:notesSz cx="6858000" cy="9144000"/>
@@ -206,7 +207,7 @@
           <a:p>
             <a:fld id="{F05F14F9-A9BB-4544-A6F6-2CF3DCC96380}" type="datetimeFigureOut">
               <a:rPr lang="en-US" smtClean="0"/>
-              <a:t>5/7/2012</a:t>
+              <a:t>5/8/2012</a:t>
             </a:fld>
             <a:endParaRPr lang="en-US"/>
           </a:p>
@@ -751,7 +752,7 @@
             <a:fld id="{1D8BD707-D9CF-40AE-B4C6-C98DA3205C09}" type="datetimeFigureOut">
               <a:rPr lang="en-US" smtClean="0"/>
               <a:pPr/>
-              <a:t>5/7/2012</a:t>
+              <a:t>5/8/2012</a:t>
             </a:fld>
             <a:endParaRPr lang="en-US"/>
           </a:p>
@@ -918,7 +919,7 @@
             <a:fld id="{1D8BD707-D9CF-40AE-B4C6-C98DA3205C09}" type="datetimeFigureOut">
               <a:rPr lang="en-US" smtClean="0"/>
               <a:pPr/>
-              <a:t>5/7/2012</a:t>
+              <a:t>5/8/2012</a:t>
             </a:fld>
             <a:endParaRPr lang="en-US"/>
           </a:p>
@@ -1095,7 +1096,7 @@
             <a:fld id="{1D8BD707-D9CF-40AE-B4C6-C98DA3205C09}" type="datetimeFigureOut">
               <a:rPr lang="en-US" smtClean="0"/>
               <a:pPr/>
-              <a:t>5/7/2012</a:t>
+              <a:t>5/8/2012</a:t>
             </a:fld>
             <a:endParaRPr lang="en-US"/>
           </a:p>
@@ -1280,7 +1281,7 @@
             <a:fld id="{1D8BD707-D9CF-40AE-B4C6-C98DA3205C09}" type="datetimeFigureOut">
               <a:rPr lang="en-US" smtClean="0"/>
               <a:pPr/>
-              <a:t>5/7/2012</a:t>
+              <a:t>5/8/2012</a:t>
             </a:fld>
             <a:endParaRPr lang="en-US"/>
           </a:p>
@@ -1544,7 +1545,7 @@
             <a:fld id="{1D8BD707-D9CF-40AE-B4C6-C98DA3205C09}" type="datetimeFigureOut">
               <a:rPr lang="en-US" smtClean="0"/>
               <a:pPr/>
-              <a:t>5/7/2012</a:t>
+              <a:t>5/8/2012</a:t>
             </a:fld>
             <a:endParaRPr lang="en-US"/>
           </a:p>
@@ -1894,7 +1895,7 @@
             <a:fld id="{1D8BD707-D9CF-40AE-B4C6-C98DA3205C09}" type="datetimeFigureOut">
               <a:rPr lang="en-US" smtClean="0"/>
               <a:pPr/>
-              <a:t>5/7/2012</a:t>
+              <a:t>5/8/2012</a:t>
             </a:fld>
             <a:endParaRPr lang="en-US"/>
           </a:p>
@@ -2204,7 +2205,7 @@
             <a:fld id="{1D8BD707-D9CF-40AE-B4C6-C98DA3205C09}" type="datetimeFigureOut">
               <a:rPr lang="en-US" smtClean="0"/>
               <a:pPr/>
-              <a:t>5/7/2012</a:t>
+              <a:t>5/8/2012</a:t>
             </a:fld>
             <a:endParaRPr lang="en-US"/>
           </a:p>
@@ -2433,7 +2434,7 @@
             <a:fld id="{1D8BD707-D9CF-40AE-B4C6-C98DA3205C09}" type="datetimeFigureOut">
               <a:rPr lang="en-US" smtClean="0"/>
               <a:pPr/>
-              <a:t>5/7/2012</a:t>
+              <a:t>5/8/2012</a:t>
             </a:fld>
             <a:endParaRPr lang="en-US"/>
           </a:p>
@@ -2525,7 +2526,7 @@
             <a:fld id="{1D8BD707-D9CF-40AE-B4C6-C98DA3205C09}" type="datetimeFigureOut">
               <a:rPr lang="en-US" smtClean="0"/>
               <a:pPr/>
-              <a:t>5/7/2012</a:t>
+              <a:t>5/8/2012</a:t>
             </a:fld>
             <a:endParaRPr lang="en-US"/>
           </a:p>
@@ -2815,7 +2816,7 @@
             <a:fld id="{1D8BD707-D9CF-40AE-B4C6-C98DA3205C09}" type="datetimeFigureOut">
               <a:rPr lang="en-US" smtClean="0"/>
               <a:pPr/>
-              <a:t>5/7/2012</a:t>
+              <a:t>5/8/2012</a:t>
             </a:fld>
             <a:endParaRPr lang="en-US"/>
           </a:p>
@@ -3086,7 +3087,7 @@
             <a:fld id="{1D8BD707-D9CF-40AE-B4C6-C98DA3205C09}" type="datetimeFigureOut">
               <a:rPr lang="en-US" smtClean="0"/>
               <a:pPr/>
-              <a:t>5/7/2012</a:t>
+              <a:t>5/8/2012</a:t>
             </a:fld>
             <a:endParaRPr lang="en-US"/>
           </a:p>
@@ -3298,7 +3299,7 @@
             <a:fld id="{1D8BD707-D9CF-40AE-B4C6-C98DA3205C09}" type="datetimeFigureOut">
               <a:rPr lang="en-US" smtClean="0"/>
               <a:pPr/>
-              <a:t>5/7/2012</a:t>
+              <a:t>5/8/2012</a:t>
             </a:fld>
             <a:endParaRPr lang="en-US"/>
           </a:p>
@@ -4265,6 +4266,116 @@
           <a:p>
             <a:r>
               <a:rPr lang="uk-UA" b="1" dirty="0" smtClean="0"/>
+              <a:t>Оптимальна гра</a:t>
+            </a:r>
+            <a:endParaRPr lang="en-US" b="1" dirty="0"/>
+          </a:p>
+        </p:txBody>
+      </p:sp>
+      <p:sp>
+        <p:nvSpPr>
+          <p:cNvPr id="4" name="Title 1"/>
+          <p:cNvSpPr txBox="1">
+            <a:spLocks/>
+          </p:cNvSpPr>
+          <p:nvPr/>
+        </p:nvSpPr>
+        <p:spPr>
+          <a:xfrm>
+            <a:off x="0" y="2819400"/>
+            <a:ext cx="9144000" cy="2438400"/>
+          </a:xfrm>
+          <a:prstGeom prst="rect">
+            <a:avLst/>
+          </a:prstGeom>
+        </p:spPr>
+        <p:txBody>
+          <a:bodyPr vert="horz" lIns="91440" tIns="45720" rIns="91440" bIns="45720" rtlCol="0" anchor="b">
+            <a:noAutofit/>
+          </a:bodyPr>
+          <a:lstStyle>
+            <a:lvl1pPr algn="ctr" defTabSz="914400" rtl="0" eaLnBrk="1" latinLnBrk="0" hangingPunct="1">
+              <a:lnSpc>
+                <a:spcPts val="5800"/>
+              </a:lnSpc>
+              <a:spcBef>
+                <a:spcPct val="0"/>
+              </a:spcBef>
+              <a:buNone/>
+              <a:defRPr sz="5400" kern="1200">
+                <a:solidFill>
+                  <a:schemeClr val="tx2"/>
+                </a:solidFill>
+                <a:effectLst>
+                  <a:outerShdw blurRad="63500" dist="38100" dir="5400000" algn="t" rotWithShape="0">
+                    <a:prstClr val="black">
+                      <a:alpha val="25000"/>
+                    </a:prstClr>
+                  </a:outerShdw>
+                </a:effectLst>
+                <a:latin typeface="+mn-lt"/>
+                <a:ea typeface="+mj-ea"/>
+                <a:cs typeface="+mj-cs"/>
+              </a:defRPr>
+            </a:lvl1pPr>
+          </a:lstStyle>
+          <a:p>
+            <a:pPr lvl="0"/>
+            <a:r>
+              <a:rPr lang="uk-UA" dirty="0" smtClean="0"/>
+              <a:t>Оптимальній хід можна знайти розв’язавши відповідне нім-рівняння</a:t>
+            </a:r>
+            <a:endParaRPr lang="en-US" dirty="0"/>
+          </a:p>
+        </p:txBody>
+      </p:sp>
+    </p:spTree>
+    <p:extLst>
+      <p:ext uri="{BB962C8B-B14F-4D97-AF65-F5344CB8AC3E}">
+        <p14:creationId xmlns:p14="http://schemas.microsoft.com/office/powerpoint/2010/main" val="1476201824"/>
+      </p:ext>
+    </p:extLst>
+  </p:cSld>
+  <p:clrMapOvr>
+    <a:masterClrMapping/>
+  </p:clrMapOvr>
+</p:sld>
+</file>
+
+<file path=ppt/slides/slide12.xml><?xml version="1.0" encoding="utf-8"?>
+<p:sld xmlns:a="http://schemas.openxmlformats.org/drawingml/2006/main" xmlns:r="http://schemas.openxmlformats.org/officeDocument/2006/relationships" xmlns:p="http://schemas.openxmlformats.org/presentationml/2006/main">
+  <p:cSld>
+    <p:spTree>
+      <p:nvGrpSpPr>
+        <p:cNvPr id="1" name=""/>
+        <p:cNvGrpSpPr/>
+        <p:nvPr/>
+      </p:nvGrpSpPr>
+      <p:grpSpPr>
+        <a:xfrm>
+          <a:off x="0" y="0"/>
+          <a:ext cx="0" cy="0"/>
+          <a:chOff x="0" y="0"/>
+          <a:chExt cx="0" cy="0"/>
+        </a:xfrm>
+      </p:grpSpPr>
+      <p:sp>
+        <p:nvSpPr>
+          <p:cNvPr id="2" name="Title 1"/>
+          <p:cNvSpPr>
+            <a:spLocks noGrp="1"/>
+          </p:cNvSpPr>
+          <p:nvPr>
+            <p:ph type="title"/>
+          </p:nvPr>
+        </p:nvSpPr>
+        <p:spPr/>
+        <p:txBody>
+          <a:bodyPr/>
+          <a:lstStyle/>
+          <a:p>
+            <a:r>
+              <a:rPr lang="uk-UA" b="1" dirty="0" smtClean="0"/>
               <a:t>Приклад</a:t>
             </a:r>
             <a:endParaRPr lang="en-US" b="1" dirty="0"/>
@@ -4608,7 +4719,7 @@
 </p:sld>
 </file>
 
-<file path=ppt/slides/slide12.xml><?xml version="1.0" encoding="utf-8"?>
+<file path=ppt/slides/slide13.xml><?xml version="1.0" encoding="utf-8"?>
 <p:sld xmlns:a="http://schemas.openxmlformats.org/drawingml/2006/main" xmlns:r="http://schemas.openxmlformats.org/officeDocument/2006/relationships" xmlns:p="http://schemas.openxmlformats.org/presentationml/2006/main">
   <p:cSld>
     <p:spTree>
@@ -5178,7 +5289,7 @@
 </p:sld>
 </file>
 
-<file path=ppt/slides/slide13.xml><?xml version="1.0" encoding="utf-8"?>
+<file path=ppt/slides/slide14.xml><?xml version="1.0" encoding="utf-8"?>
 <p:sld xmlns:a="http://schemas.openxmlformats.org/drawingml/2006/main" xmlns:r="http://schemas.openxmlformats.org/officeDocument/2006/relationships" xmlns:p="http://schemas.openxmlformats.org/presentationml/2006/main">
   <p:cSld>
     <p:spTree>
@@ -5268,7 +5379,19 @@
           <a:p>
             <a:r>
               <a:rPr lang="uk-UA" sz="4400" dirty="0" smtClean="0"/>
-              <a:t>Гра «Кеглі»</a:t>
+              <a:t>Гра «Гризун» («</a:t>
+            </a:r>
+            <a:r>
+              <a:rPr lang="en-US" sz="4400" dirty="0" smtClean="0"/>
+              <a:t>Chomp</a:t>
+            </a:r>
+            <a:r>
+              <a:rPr lang="uk-UA" sz="4400" dirty="0" smtClean="0"/>
+              <a:t>»</a:t>
+            </a:r>
+            <a:r>
+              <a:rPr lang="en-US" sz="4400" dirty="0" smtClean="0"/>
+              <a:t>)</a:t>
             </a:r>
             <a:endParaRPr lang="en-US" sz="4400" dirty="0"/>
           </a:p>
@@ -5276,485 +5399,6 @@
       </p:sp>
       <mc:AlternateContent xmlns:mc="http://schemas.openxmlformats.org/markup-compatibility/2006" xmlns:a14="http://schemas.microsoft.com/office/drawing/2010/main">
         <mc:Choice Requires="a14">
-          <p:sp>
-            <p:nvSpPr>
-              <p:cNvPr id="7" name="Content Placeholder 2"/>
-              <p:cNvSpPr>
-                <a:spLocks noGrp="1"/>
-              </p:cNvSpPr>
-              <p:nvPr>
-                <p:ph idx="1"/>
-              </p:nvPr>
-            </p:nvSpPr>
-            <p:spPr>
-              <a:xfrm>
-                <a:off x="152400" y="3733800"/>
-                <a:ext cx="8991600" cy="762000"/>
-              </a:xfrm>
-            </p:spPr>
-            <p:txBody>
-              <a:bodyPr>
-                <a:noAutofit/>
-              </a:bodyPr>
-              <a:lstStyle/>
-              <a:p>
-                <a14:m>
-                  <m:oMath xmlns:m="http://schemas.openxmlformats.org/officeDocument/2006/math">
-                    <m:r>
-                      <a:rPr lang="en-US" sz="2200" i="1">
-                        <a:latin typeface="Cambria Math"/>
-                      </a:rPr>
-                      <m:t>𝑔</m:t>
-                    </m:r>
-                    <m:d>
-                      <m:dPr>
-                        <m:ctrlPr>
-                          <a:rPr lang="en-US" sz="2200" i="1">
-                            <a:latin typeface="Cambria Math"/>
-                          </a:rPr>
-                        </m:ctrlPr>
-                      </m:dPr>
-                      <m:e>
-                        <m:r>
-                          <a:rPr lang="en-US" sz="2200" i="1">
-                            <a:latin typeface="Cambria Math"/>
-                          </a:rPr>
-                          <m:t>𝑛</m:t>
-                        </m:r>
-                      </m:e>
-                    </m:d>
-                    <m:r>
-                      <a:rPr lang="en-US" sz="2200" i="1">
-                        <a:latin typeface="Cambria Math"/>
-                      </a:rPr>
-                      <m:t>=</m:t>
-                    </m:r>
-                    <m:r>
-                      <a:rPr lang="en-US" sz="2200" i="1">
-                        <a:latin typeface="Cambria Math"/>
-                      </a:rPr>
-                      <m:t>𝑚𝑒𝑥</m:t>
-                    </m:r>
-                    <m:d>
-                      <m:dPr>
-                        <m:begChr m:val="{"/>
-                        <m:endChr m:val="}"/>
-                        <m:ctrlPr>
-                          <a:rPr lang="en-US" sz="2200" i="1">
-                            <a:latin typeface="Cambria Math"/>
-                          </a:rPr>
-                        </m:ctrlPr>
-                      </m:dPr>
-                      <m:e>
-                        <m:nary>
-                          <m:naryPr>
-                            <m:chr m:val="⋃"/>
-                            <m:limLoc m:val="undOvr"/>
-                            <m:ctrlPr>
-                              <a:rPr lang="en-US" sz="2200" i="1">
-                                <a:latin typeface="Cambria Math"/>
-                              </a:rPr>
-                            </m:ctrlPr>
-                          </m:naryPr>
-                          <m:sub>
-                            <m:r>
-                              <a:rPr lang="en-US" sz="2200" i="1">
-                                <a:latin typeface="Cambria Math"/>
-                              </a:rPr>
-                              <m:t>𝑖</m:t>
-                            </m:r>
-                            <m:r>
-                              <a:rPr lang="en-US" sz="2200" i="1">
-                                <a:latin typeface="Cambria Math"/>
-                              </a:rPr>
-                              <m:t>=0</m:t>
-                            </m:r>
-                          </m:sub>
-                          <m:sup>
-                            <m:r>
-                              <a:rPr lang="en-US" sz="2200" i="1">
-                                <a:latin typeface="Cambria Math"/>
-                              </a:rPr>
-                              <m:t>𝑛</m:t>
-                            </m:r>
-                            <m:r>
-                              <a:rPr lang="en-US" sz="2200" i="1">
-                                <a:latin typeface="Cambria Math"/>
-                              </a:rPr>
-                              <m:t>−1</m:t>
-                            </m:r>
-                          </m:sup>
-                          <m:e>
-                            <m:r>
-                              <a:rPr lang="en-US" sz="2200" i="1">
-                                <a:latin typeface="Cambria Math"/>
-                              </a:rPr>
-                              <m:t>(</m:t>
-                            </m:r>
-                            <m:r>
-                              <a:rPr lang="en-US" sz="2200" i="1">
-                                <a:latin typeface="Cambria Math"/>
-                              </a:rPr>
-                              <m:t>𝑔</m:t>
-                            </m:r>
-                            <m:r>
-                              <a:rPr lang="en-US" sz="2200" i="1">
-                                <a:latin typeface="Cambria Math"/>
-                              </a:rPr>
-                              <m:t>(</m:t>
-                            </m:r>
-                            <m:r>
-                              <a:rPr lang="en-US" sz="2200" i="1">
-                                <a:latin typeface="Cambria Math"/>
-                              </a:rPr>
-                              <m:t>𝑖</m:t>
-                            </m:r>
-                            <m:r>
-                              <a:rPr lang="en-US" sz="2200" i="1">
-                                <a:latin typeface="Cambria Math"/>
-                              </a:rPr>
-                              <m:t>)⊕</m:t>
-                            </m:r>
-                            <m:r>
-                              <a:rPr lang="en-US" sz="2200" i="1">
-                                <a:latin typeface="Cambria Math"/>
-                              </a:rPr>
-                              <m:t>𝑔</m:t>
-                            </m:r>
-                            <m:r>
-                              <a:rPr lang="en-US" sz="2200" i="1">
-                                <a:latin typeface="Cambria Math"/>
-                              </a:rPr>
-                              <m:t>(</m:t>
-                            </m:r>
-                            <m:r>
-                              <a:rPr lang="en-US" sz="2200" i="1">
-                                <a:latin typeface="Cambria Math"/>
-                              </a:rPr>
-                              <m:t>𝑛</m:t>
-                            </m:r>
-                            <m:r>
-                              <a:rPr lang="en-US" sz="2200" i="1">
-                                <a:latin typeface="Cambria Math"/>
-                              </a:rPr>
-                              <m:t>−1−</m:t>
-                            </m:r>
-                            <m:r>
-                              <a:rPr lang="en-US" sz="2200" i="1">
-                                <a:latin typeface="Cambria Math"/>
-                              </a:rPr>
-                              <m:t>𝑖</m:t>
-                            </m:r>
-                            <m:r>
-                              <a:rPr lang="en-US" sz="2200" i="1">
-                                <a:latin typeface="Cambria Math"/>
-                              </a:rPr>
-                              <m:t>)</m:t>
-                            </m:r>
-                          </m:e>
-                        </m:nary>
-                        <m:r>
-                          <a:rPr lang="en-US" sz="2200" i="1">
-                            <a:latin typeface="Cambria Math"/>
-                          </a:rPr>
-                          <m:t>,</m:t>
-                        </m:r>
-                        <m:nary>
-                          <m:naryPr>
-                            <m:chr m:val="⋃"/>
-                            <m:limLoc m:val="undOvr"/>
-                            <m:ctrlPr>
-                              <a:rPr lang="en-US" sz="2200" i="1">
-                                <a:latin typeface="Cambria Math"/>
-                              </a:rPr>
-                            </m:ctrlPr>
-                          </m:naryPr>
-                          <m:sub>
-                            <m:r>
-                              <a:rPr lang="en-US" sz="2200" i="1">
-                                <a:latin typeface="Cambria Math"/>
-                              </a:rPr>
-                              <m:t>𝑖</m:t>
-                            </m:r>
-                            <m:r>
-                              <a:rPr lang="en-US" sz="2200" i="1">
-                                <a:latin typeface="Cambria Math"/>
-                              </a:rPr>
-                              <m:t>=0</m:t>
-                            </m:r>
-                          </m:sub>
-                          <m:sup>
-                            <m:r>
-                              <a:rPr lang="en-US" sz="2200" i="1">
-                                <a:latin typeface="Cambria Math"/>
-                              </a:rPr>
-                              <m:t>𝑛</m:t>
-                            </m:r>
-                            <m:r>
-                              <a:rPr lang="en-US" sz="2200" i="1">
-                                <a:latin typeface="Cambria Math"/>
-                              </a:rPr>
-                              <m:t>−2</m:t>
-                            </m:r>
-                          </m:sup>
-                          <m:e>
-                            <m:r>
-                              <a:rPr lang="en-US" sz="2200" i="1">
-                                <a:latin typeface="Cambria Math"/>
-                              </a:rPr>
-                              <m:t>(</m:t>
-                            </m:r>
-                            <m:r>
-                              <a:rPr lang="en-US" sz="2200" i="1">
-                                <a:latin typeface="Cambria Math"/>
-                              </a:rPr>
-                              <m:t>𝑔</m:t>
-                            </m:r>
-                            <m:r>
-                              <a:rPr lang="en-US" sz="2200" i="1">
-                                <a:latin typeface="Cambria Math"/>
-                              </a:rPr>
-                              <m:t>(</m:t>
-                            </m:r>
-                            <m:r>
-                              <a:rPr lang="en-US" sz="2200" i="1">
-                                <a:latin typeface="Cambria Math"/>
-                              </a:rPr>
-                              <m:t>𝑖</m:t>
-                            </m:r>
-                            <m:r>
-                              <a:rPr lang="en-US" sz="2200" i="1">
-                                <a:latin typeface="Cambria Math"/>
-                              </a:rPr>
-                              <m:t>)⊕</m:t>
-                            </m:r>
-                            <m:r>
-                              <a:rPr lang="en-US" sz="2200" i="1">
-                                <a:latin typeface="Cambria Math"/>
-                              </a:rPr>
-                              <m:t>𝑔</m:t>
-                            </m:r>
-                            <m:r>
-                              <a:rPr lang="en-US" sz="2200" i="1">
-                                <a:latin typeface="Cambria Math"/>
-                              </a:rPr>
-                              <m:t>(</m:t>
-                            </m:r>
-                            <m:r>
-                              <a:rPr lang="en-US" sz="2200" i="1">
-                                <a:latin typeface="Cambria Math"/>
-                              </a:rPr>
-                              <m:t>𝑛</m:t>
-                            </m:r>
-                            <m:r>
-                              <a:rPr lang="en-US" sz="2200" i="1">
-                                <a:latin typeface="Cambria Math"/>
-                              </a:rPr>
-                              <m:t>−2−</m:t>
-                            </m:r>
-                            <m:r>
-                              <a:rPr lang="en-US" sz="2200" i="1">
-                                <a:latin typeface="Cambria Math"/>
-                              </a:rPr>
-                              <m:t>𝑖</m:t>
-                            </m:r>
-                            <m:r>
-                              <a:rPr lang="en-US" sz="2200" i="1">
-                                <a:latin typeface="Cambria Math"/>
-                              </a:rPr>
-                              <m:t>)</m:t>
-                            </m:r>
-                          </m:e>
-                        </m:nary>
-                      </m:e>
-                    </m:d>
-                  </m:oMath>
-                </a14:m>
-                <a:endParaRPr lang="en-US" sz="2200" dirty="0"/>
-              </a:p>
-            </p:txBody>
-          </p:sp>
-        </mc:Choice>
-        <mc:Fallback xmlns="">
-          <p:sp>
-            <p:nvSpPr>
-              <p:cNvPr id="7" name="Content Placeholder 2"/>
-              <p:cNvSpPr>
-                <a:spLocks noGrp="1" noRot="1" noChangeAspect="1" noMove="1" noResize="1" noEditPoints="1" noAdjustHandles="1" noChangeArrowheads="1" noChangeShapeType="1" noTextEdit="1"/>
-              </p:cNvSpPr>
-              <p:nvPr>
-                <p:ph idx="1"/>
-              </p:nvPr>
-            </p:nvSpPr>
-            <p:spPr>
-              <a:xfrm>
-                <a:off x="152400" y="3733800"/>
-                <a:ext cx="8991600" cy="762000"/>
-              </a:xfrm>
-              <a:blipFill rotWithShape="1">
-                <a:blip r:embed="rId2"/>
-                <a:stretch>
-                  <a:fillRect l="-746" t="-48800" b="-41600"/>
-                </a:stretch>
-              </a:blipFill>
-            </p:spPr>
-            <p:txBody>
-              <a:bodyPr/>
-              <a:lstStyle/>
-              <a:p>
-                <a:r>
-                  <a:rPr lang="en-US">
-                    <a:noFill/>
-                  </a:rPr>
-                  <a:t> </a:t>
-                </a:r>
-              </a:p>
-            </p:txBody>
-          </p:sp>
-        </mc:Fallback>
-      </mc:AlternateContent>
-    </p:spTree>
-    <p:extLst>
-      <p:ext uri="{BB962C8B-B14F-4D97-AF65-F5344CB8AC3E}">
-        <p14:creationId xmlns:p14="http://schemas.microsoft.com/office/powerpoint/2010/main" val="733387478"/>
-      </p:ext>
-    </p:extLst>
-  </p:cSld>
-  <p:clrMapOvr>
-    <a:masterClrMapping/>
-  </p:clrMapOvr>
-  <p:timing>
-    <p:tnLst>
-      <p:par>
-        <p:cTn id="1" dur="indefinite" restart="never" nodeType="tmRoot"/>
-      </p:par>
-    </p:tnLst>
-  </p:timing>
-</p:sld>
-</file>
-
-<file path=ppt/slides/slide14.xml><?xml version="1.0" encoding="utf-8"?>
-<p:sld xmlns:a="http://schemas.openxmlformats.org/drawingml/2006/main" xmlns:r="http://schemas.openxmlformats.org/officeDocument/2006/relationships" xmlns:p="http://schemas.openxmlformats.org/presentationml/2006/main">
-  <p:cSld>
-    <p:spTree>
-      <p:nvGrpSpPr>
-        <p:cNvPr id="1" name=""/>
-        <p:cNvGrpSpPr/>
-        <p:nvPr/>
-      </p:nvGrpSpPr>
-      <p:grpSpPr>
-        <a:xfrm>
-          <a:off x="0" y="0"/>
-          <a:ext cx="0" cy="0"/>
-          <a:chOff x="0" y="0"/>
-          <a:chExt cx="0" cy="0"/>
-        </a:xfrm>
-      </p:grpSpPr>
-      <p:sp>
-        <p:nvSpPr>
-          <p:cNvPr id="2" name="Title 1"/>
-          <p:cNvSpPr>
-            <a:spLocks noGrp="1"/>
-          </p:cNvSpPr>
-          <p:nvPr>
-            <p:ph type="title"/>
-          </p:nvPr>
-        </p:nvSpPr>
-        <p:spPr/>
-        <p:txBody>
-          <a:bodyPr/>
-          <a:lstStyle/>
-          <a:p>
-            <a:r>
-              <a:rPr lang="uk-UA" b="1" dirty="0" smtClean="0"/>
-              <a:t>Приклад</a:t>
-            </a:r>
-            <a:endParaRPr lang="en-US" b="1" dirty="0"/>
-          </a:p>
-        </p:txBody>
-      </p:sp>
-      <p:sp>
-        <p:nvSpPr>
-          <p:cNvPr id="4" name="Title 1"/>
-          <p:cNvSpPr txBox="1">
-            <a:spLocks/>
-          </p:cNvSpPr>
-          <p:nvPr/>
-        </p:nvSpPr>
-        <p:spPr>
-          <a:xfrm>
-            <a:off x="609600" y="1905000"/>
-            <a:ext cx="8229600" cy="800100"/>
-          </a:xfrm>
-          <a:prstGeom prst="rect">
-            <a:avLst/>
-          </a:prstGeom>
-        </p:spPr>
-        <p:txBody>
-          <a:bodyPr vert="horz" lIns="91440" tIns="45720" rIns="91440" bIns="45720" rtlCol="0" anchor="b">
-            <a:noAutofit/>
-          </a:bodyPr>
-          <a:lstStyle>
-            <a:lvl1pPr algn="ctr" defTabSz="914400" rtl="0" eaLnBrk="1" latinLnBrk="0" hangingPunct="1">
-              <a:lnSpc>
-                <a:spcPts val="5800"/>
-              </a:lnSpc>
-              <a:spcBef>
-                <a:spcPct val="0"/>
-              </a:spcBef>
-              <a:buNone/>
-              <a:defRPr sz="5400" kern="1200">
-                <a:solidFill>
-                  <a:schemeClr val="tx2"/>
-                </a:solidFill>
-                <a:effectLst>
-                  <a:outerShdw blurRad="63500" dist="38100" dir="5400000" algn="t" rotWithShape="0">
-                    <a:prstClr val="black">
-                      <a:alpha val="25000"/>
-                    </a:prstClr>
-                  </a:outerShdw>
-                </a:effectLst>
-                <a:latin typeface="+mn-lt"/>
-                <a:ea typeface="+mj-ea"/>
-                <a:cs typeface="+mj-cs"/>
-              </a:defRPr>
-            </a:lvl1pPr>
-          </a:lstStyle>
-          <a:p>
-            <a:r>
-              <a:rPr lang="uk-UA" sz="4400" dirty="0" smtClean="0"/>
-              <a:t>Гра </a:t>
-            </a:r>
-            <a:r>
-              <a:rPr lang="uk-UA" sz="4400" dirty="0" smtClean="0"/>
-              <a:t>«</a:t>
-            </a:r>
-            <a:r>
-              <a:rPr lang="uk-UA" sz="4400" dirty="0" smtClean="0"/>
-              <a:t>Гризун</a:t>
-            </a:r>
-            <a:r>
-              <a:rPr lang="uk-UA" sz="4400" dirty="0" smtClean="0"/>
-              <a:t>» («</a:t>
-            </a:r>
-            <a:r>
-              <a:rPr lang="en-US" sz="4400" dirty="0" smtClean="0"/>
-              <a:t>Chomp</a:t>
-            </a:r>
-            <a:r>
-              <a:rPr lang="uk-UA" sz="4400" dirty="0" smtClean="0"/>
-              <a:t>»</a:t>
-            </a:r>
-            <a:r>
-              <a:rPr lang="en-US" sz="4400" dirty="0" smtClean="0"/>
-              <a:t>)</a:t>
-            </a:r>
-            <a:endParaRPr lang="en-US" sz="4400" dirty="0"/>
-          </a:p>
-        </p:txBody>
-      </p:sp>
-      <mc:AlternateContent xmlns:mc="http://schemas.openxmlformats.org/markup-compatibility/2006">
-        <mc:Choice xmlns:a14="http://schemas.microsoft.com/office/drawing/2010/main" Requires="a14">
           <p:sp>
             <p:nvSpPr>
               <p:cNvPr id="7" name="Content Placeholder 2"/>
@@ -5814,7 +5458,7 @@
             </p:txBody>
           </p:sp>
         </mc:Choice>
-        <mc:Fallback>
+        <mc:Fallback xmlns="">
           <p:sp>
             <p:nvSpPr>
               <p:cNvPr id="7" name="Content Placeholder 2"/>
@@ -5873,6 +5517,138 @@
 </file>
 
 <file path=ppt/slides/slide15.xml><?xml version="1.0" encoding="utf-8"?>
+<p:sld xmlns:a="http://schemas.openxmlformats.org/drawingml/2006/main" xmlns:r="http://schemas.openxmlformats.org/officeDocument/2006/relationships" xmlns:p="http://schemas.openxmlformats.org/presentationml/2006/main">
+  <p:cSld>
+    <p:spTree>
+      <p:nvGrpSpPr>
+        <p:cNvPr id="1" name=""/>
+        <p:cNvGrpSpPr/>
+        <p:nvPr/>
+      </p:nvGrpSpPr>
+      <p:grpSpPr>
+        <a:xfrm>
+          <a:off x="0" y="0"/>
+          <a:ext cx="0" cy="0"/>
+          <a:chOff x="0" y="0"/>
+          <a:chExt cx="0" cy="0"/>
+        </a:xfrm>
+      </p:grpSpPr>
+      <p:sp>
+        <p:nvSpPr>
+          <p:cNvPr id="2" name="Title 1"/>
+          <p:cNvSpPr>
+            <a:spLocks noGrp="1"/>
+          </p:cNvSpPr>
+          <p:nvPr>
+            <p:ph type="title"/>
+          </p:nvPr>
+        </p:nvSpPr>
+        <p:spPr/>
+        <p:txBody>
+          <a:bodyPr/>
+          <a:lstStyle/>
+          <a:p>
+            <a:r>
+              <a:rPr lang="uk-UA" b="1" dirty="0" smtClean="0"/>
+              <a:t>Висновок</a:t>
+            </a:r>
+            <a:endParaRPr lang="en-US" b="1" dirty="0"/>
+          </a:p>
+        </p:txBody>
+      </p:sp>
+      <p:sp>
+        <p:nvSpPr>
+          <p:cNvPr id="3" name="Content Placeholder 2"/>
+          <p:cNvSpPr>
+            <a:spLocks noGrp="1"/>
+          </p:cNvSpPr>
+          <p:nvPr>
+            <p:ph idx="1"/>
+          </p:nvPr>
+        </p:nvSpPr>
+        <p:spPr>
+          <a:xfrm>
+            <a:off x="457200" y="2362200"/>
+            <a:ext cx="8229600" cy="3505200"/>
+          </a:xfrm>
+        </p:spPr>
+        <p:txBody>
+          <a:bodyPr>
+            <a:normAutofit fontScale="77500" lnSpcReduction="20000"/>
+          </a:bodyPr>
+          <a:lstStyle/>
+          <a:p>
+            <a:pPr>
+              <a:lnSpc>
+                <a:spcPct val="220000"/>
+              </a:lnSpc>
+            </a:pPr>
+            <a:r>
+              <a:rPr lang="uk-UA" dirty="0" smtClean="0"/>
+              <a:t>Розглянуто рівноправні ігри</a:t>
+            </a:r>
+          </a:p>
+          <a:p>
+            <a:pPr>
+              <a:lnSpc>
+                <a:spcPct val="220000"/>
+              </a:lnSpc>
+            </a:pPr>
+            <a:r>
+              <a:rPr lang="uk-UA" dirty="0" smtClean="0"/>
+              <a:t>Викладено і реалізовано алгоритм їх розвязку</a:t>
+            </a:r>
+          </a:p>
+          <a:p>
+            <a:pPr>
+              <a:lnSpc>
+                <a:spcPct val="220000"/>
+              </a:lnSpc>
+            </a:pPr>
+            <a:r>
+              <a:rPr lang="uk-UA" dirty="0" smtClean="0"/>
+              <a:t>Проведено аналіз швидкодії, додані оптимізації</a:t>
+            </a:r>
+          </a:p>
+          <a:p>
+            <a:pPr>
+              <a:lnSpc>
+                <a:spcPct val="220000"/>
+              </a:lnSpc>
+            </a:pPr>
+            <a:r>
+              <a:rPr lang="uk-UA" dirty="0" smtClean="0"/>
+              <a:t>Знайдено спосіб пошуку оптимального ходу (для деяких ігор)</a:t>
+            </a:r>
+          </a:p>
+          <a:p>
+            <a:pPr>
+              <a:lnSpc>
+                <a:spcPct val="220000"/>
+              </a:lnSpc>
+            </a:pPr>
+            <a:r>
+              <a:rPr lang="uk-UA" dirty="0" smtClean="0"/>
+              <a:t>Проаналізовано можливі подальші дослідження</a:t>
+            </a:r>
+            <a:endParaRPr lang="en-US" dirty="0"/>
+          </a:p>
+        </p:txBody>
+      </p:sp>
+    </p:spTree>
+    <p:extLst>
+      <p:ext uri="{BB962C8B-B14F-4D97-AF65-F5344CB8AC3E}">
+        <p14:creationId xmlns:p14="http://schemas.microsoft.com/office/powerpoint/2010/main" val="1172000418"/>
+      </p:ext>
+    </p:extLst>
+  </p:cSld>
+  <p:clrMapOvr>
+    <a:masterClrMapping/>
+  </p:clrMapOvr>
+</p:sld>
+</file>
+
+<file path=ppt/slides/slide16.xml><?xml version="1.0" encoding="utf-8"?>
 <p:sld xmlns:a="http://schemas.openxmlformats.org/drawingml/2006/main" xmlns:r="http://schemas.openxmlformats.org/officeDocument/2006/relationships" xmlns:p="http://schemas.openxmlformats.org/presentationml/2006/main">
   <p:cSld>
     <p:spTree>

--- a/PaperWork/Presentation.pptx
+++ b/PaperWork/Presentation.pptx
@@ -5,25 +5,33 @@
     <p:sldMasterId id="2147483672" r:id="rId1"/>
   </p:sldMasterIdLst>
   <p:notesMasterIdLst>
-    <p:notesMasterId r:id="rId18"/>
+    <p:notesMasterId r:id="rId26"/>
   </p:notesMasterIdLst>
   <p:sldIdLst>
     <p:sldId id="256" r:id="rId2"/>
     <p:sldId id="265" r:id="rId3"/>
-    <p:sldId id="260" r:id="rId4"/>
-    <p:sldId id="261" r:id="rId5"/>
-    <p:sldId id="262" r:id="rId6"/>
-    <p:sldId id="263" r:id="rId7"/>
-    <p:sldId id="258" r:id="rId8"/>
-    <p:sldId id="267" r:id="rId9"/>
-    <p:sldId id="266" r:id="rId10"/>
-    <p:sldId id="268" r:id="rId11"/>
-    <p:sldId id="273" r:id="rId12"/>
-    <p:sldId id="259" r:id="rId13"/>
-    <p:sldId id="269" r:id="rId14"/>
-    <p:sldId id="271" r:id="rId15"/>
-    <p:sldId id="272" r:id="rId16"/>
-    <p:sldId id="264" r:id="rId17"/>
+    <p:sldId id="274" r:id="rId4"/>
+    <p:sldId id="275" r:id="rId5"/>
+    <p:sldId id="260" r:id="rId6"/>
+    <p:sldId id="279" r:id="rId7"/>
+    <p:sldId id="276" r:id="rId8"/>
+    <p:sldId id="277" r:id="rId9"/>
+    <p:sldId id="262" r:id="rId10"/>
+    <p:sldId id="280" r:id="rId11"/>
+    <p:sldId id="281" r:id="rId12"/>
+    <p:sldId id="282" r:id="rId13"/>
+    <p:sldId id="258" r:id="rId14"/>
+    <p:sldId id="267" r:id="rId15"/>
+    <p:sldId id="266" r:id="rId16"/>
+    <p:sldId id="268" r:id="rId17"/>
+    <p:sldId id="273" r:id="rId18"/>
+    <p:sldId id="283" r:id="rId19"/>
+    <p:sldId id="259" r:id="rId20"/>
+    <p:sldId id="269" r:id="rId21"/>
+    <p:sldId id="271" r:id="rId22"/>
+    <p:sldId id="284" r:id="rId23"/>
+    <p:sldId id="272" r:id="rId24"/>
+    <p:sldId id="264" r:id="rId25"/>
   </p:sldIdLst>
   <p:sldSz cx="9144000" cy="6858000" type="screen4x3"/>
   <p:notesSz cx="6858000" cy="9144000"/>
@@ -207,7 +215,7 @@
           <a:p>
             <a:fld id="{F05F14F9-A9BB-4544-A6F6-2CF3DCC96380}" type="datetimeFigureOut">
               <a:rPr lang="en-US" smtClean="0"/>
-              <a:t>5/8/2012</a:t>
+              <a:t>5/13/2012</a:t>
             </a:fld>
             <a:endParaRPr lang="en-US"/>
           </a:p>
@@ -540,7 +548,7 @@
           <a:p>
             <a:fld id="{B3D573BE-13D7-4F09-BFDF-4E08AF9D2344}" type="slidenum">
               <a:rPr lang="en-US" smtClean="0"/>
-              <a:t>14</a:t>
+              <a:t>21</a:t>
             </a:fld>
             <a:endParaRPr lang="en-US"/>
           </a:p>
@@ -752,7 +760,7 @@
             <a:fld id="{1D8BD707-D9CF-40AE-B4C6-C98DA3205C09}" type="datetimeFigureOut">
               <a:rPr lang="en-US" smtClean="0"/>
               <a:pPr/>
-              <a:t>5/8/2012</a:t>
+              <a:t>5/13/2012</a:t>
             </a:fld>
             <a:endParaRPr lang="en-US"/>
           </a:p>
@@ -919,7 +927,7 @@
             <a:fld id="{1D8BD707-D9CF-40AE-B4C6-C98DA3205C09}" type="datetimeFigureOut">
               <a:rPr lang="en-US" smtClean="0"/>
               <a:pPr/>
-              <a:t>5/8/2012</a:t>
+              <a:t>5/13/2012</a:t>
             </a:fld>
             <a:endParaRPr lang="en-US"/>
           </a:p>
@@ -1096,7 +1104,7 @@
             <a:fld id="{1D8BD707-D9CF-40AE-B4C6-C98DA3205C09}" type="datetimeFigureOut">
               <a:rPr lang="en-US" smtClean="0"/>
               <a:pPr/>
-              <a:t>5/8/2012</a:t>
+              <a:t>5/13/2012</a:t>
             </a:fld>
             <a:endParaRPr lang="en-US"/>
           </a:p>
@@ -1281,7 +1289,7 @@
             <a:fld id="{1D8BD707-D9CF-40AE-B4C6-C98DA3205C09}" type="datetimeFigureOut">
               <a:rPr lang="en-US" smtClean="0"/>
               <a:pPr/>
-              <a:t>5/8/2012</a:t>
+              <a:t>5/13/2012</a:t>
             </a:fld>
             <a:endParaRPr lang="en-US"/>
           </a:p>
@@ -1545,7 +1553,7 @@
             <a:fld id="{1D8BD707-D9CF-40AE-B4C6-C98DA3205C09}" type="datetimeFigureOut">
               <a:rPr lang="en-US" smtClean="0"/>
               <a:pPr/>
-              <a:t>5/8/2012</a:t>
+              <a:t>5/13/2012</a:t>
             </a:fld>
             <a:endParaRPr lang="en-US"/>
           </a:p>
@@ -1895,7 +1903,7 @@
             <a:fld id="{1D8BD707-D9CF-40AE-B4C6-C98DA3205C09}" type="datetimeFigureOut">
               <a:rPr lang="en-US" smtClean="0"/>
               <a:pPr/>
-              <a:t>5/8/2012</a:t>
+              <a:t>5/13/2012</a:t>
             </a:fld>
             <a:endParaRPr lang="en-US"/>
           </a:p>
@@ -2205,7 +2213,7 @@
             <a:fld id="{1D8BD707-D9CF-40AE-B4C6-C98DA3205C09}" type="datetimeFigureOut">
               <a:rPr lang="en-US" smtClean="0"/>
               <a:pPr/>
-              <a:t>5/8/2012</a:t>
+              <a:t>5/13/2012</a:t>
             </a:fld>
             <a:endParaRPr lang="en-US"/>
           </a:p>
@@ -2434,7 +2442,7 @@
             <a:fld id="{1D8BD707-D9CF-40AE-B4C6-C98DA3205C09}" type="datetimeFigureOut">
               <a:rPr lang="en-US" smtClean="0"/>
               <a:pPr/>
-              <a:t>5/8/2012</a:t>
+              <a:t>5/13/2012</a:t>
             </a:fld>
             <a:endParaRPr lang="en-US"/>
           </a:p>
@@ -2526,7 +2534,7 @@
             <a:fld id="{1D8BD707-D9CF-40AE-B4C6-C98DA3205C09}" type="datetimeFigureOut">
               <a:rPr lang="en-US" smtClean="0"/>
               <a:pPr/>
-              <a:t>5/8/2012</a:t>
+              <a:t>5/13/2012</a:t>
             </a:fld>
             <a:endParaRPr lang="en-US"/>
           </a:p>
@@ -2816,7 +2824,7 @@
             <a:fld id="{1D8BD707-D9CF-40AE-B4C6-C98DA3205C09}" type="datetimeFigureOut">
               <a:rPr lang="en-US" smtClean="0"/>
               <a:pPr/>
-              <a:t>5/8/2012</a:t>
+              <a:t>5/13/2012</a:t>
             </a:fld>
             <a:endParaRPr lang="en-US"/>
           </a:p>
@@ -3087,7 +3095,7 @@
             <a:fld id="{1D8BD707-D9CF-40AE-B4C6-C98DA3205C09}" type="datetimeFigureOut">
               <a:rPr lang="en-US" smtClean="0"/>
               <a:pPr/>
-              <a:t>5/8/2012</a:t>
+              <a:t>5/13/2012</a:t>
             </a:fld>
             <a:endParaRPr lang="en-US"/>
           </a:p>
@@ -3299,7 +3307,7 @@
             <a:fld id="{1D8BD707-D9CF-40AE-B4C6-C98DA3205C09}" type="datetimeFigureOut">
               <a:rPr lang="en-US" smtClean="0"/>
               <a:pPr/>
-              <a:t>5/8/2012</a:t>
+              <a:t>5/13/2012</a:t>
             </a:fld>
             <a:endParaRPr lang="en-US"/>
           </a:p>
@@ -3828,7 +3836,12 @@
             <p:ph type="ctrTitle"/>
           </p:nvPr>
         </p:nvSpPr>
-        <p:spPr/>
+        <p:spPr>
+          <a:xfrm>
+            <a:off x="685800" y="1143000"/>
+            <a:ext cx="7772400" cy="4267200"/>
+          </a:xfrm>
+        </p:spPr>
         <p:txBody>
           <a:bodyPr/>
           <a:lstStyle/>
@@ -3857,7 +3870,7 @@
         </p:nvSpPr>
         <p:spPr>
           <a:xfrm>
-            <a:off x="5257800" y="4953000"/>
+            <a:off x="5257800" y="5715000"/>
             <a:ext cx="3657600" cy="533400"/>
           </a:xfrm>
         </p:spPr>
@@ -3870,7 +3883,11 @@
             <a:pPr algn="r"/>
             <a:r>
               <a:rPr lang="uk-UA" dirty="0" smtClean="0"/>
-              <a:t>Підготував ст. групи ПМА-51м</a:t>
+              <a:t>Виконав </a:t>
+            </a:r>
+            <a:r>
+              <a:rPr lang="uk-UA" dirty="0" smtClean="0"/>
+              <a:t>ст. групи ПМА-51м</a:t>
             </a:r>
           </a:p>
           <a:p>
@@ -3878,199 +3895,6 @@
             <a:r>
               <a:rPr lang="uk-UA" dirty="0" smtClean="0"/>
               <a:t>Мацех М.О.</a:t>
-            </a:r>
-            <a:endParaRPr lang="en-US" dirty="0"/>
-          </a:p>
-        </p:txBody>
-      </p:sp>
-      <p:sp>
-        <p:nvSpPr>
-          <p:cNvPr id="4" name="Subtitle 2"/>
-          <p:cNvSpPr txBox="1">
-            <a:spLocks/>
-          </p:cNvSpPr>
-          <p:nvPr/>
-        </p:nvSpPr>
-        <p:spPr>
-          <a:xfrm>
-            <a:off x="5257800" y="5659582"/>
-            <a:ext cx="3657600" cy="533400"/>
-          </a:xfrm>
-          <a:prstGeom prst="rect">
-            <a:avLst/>
-          </a:prstGeom>
-        </p:spPr>
-        <p:txBody>
-          <a:bodyPr vert="horz" lIns="91440" tIns="45720" rIns="91440" bIns="45720" rtlCol="0">
-            <a:normAutofit fontScale="62500" lnSpcReduction="20000"/>
-          </a:bodyPr>
-          <a:lstStyle>
-            <a:lvl1pPr marL="0" indent="0" algn="ctr" defTabSz="914400" rtl="0" eaLnBrk="1" latinLnBrk="0" hangingPunct="1">
-              <a:spcBef>
-                <a:spcPct val="20000"/>
-              </a:spcBef>
-              <a:buFont typeface="Arial" pitchFamily="34" charset="0"/>
-              <a:buNone/>
-              <a:defRPr sz="2400" kern="1200">
-                <a:solidFill>
-                  <a:schemeClr val="tx1">
-                    <a:tint val="75000"/>
-                  </a:schemeClr>
-                </a:solidFill>
-                <a:latin typeface="+mj-lt"/>
-                <a:ea typeface="+mn-ea"/>
-                <a:cs typeface="+mn-cs"/>
-              </a:defRPr>
-            </a:lvl1pPr>
-            <a:lvl2pPr marL="457200" indent="0" algn="ctr" defTabSz="914400" rtl="0" eaLnBrk="1" latinLnBrk="0" hangingPunct="1">
-              <a:spcBef>
-                <a:spcPct val="20000"/>
-              </a:spcBef>
-              <a:buFont typeface="Courier New" pitchFamily="49" charset="0"/>
-              <a:buNone/>
-              <a:defRPr sz="1600" kern="1200">
-                <a:solidFill>
-                  <a:schemeClr val="tx1">
-                    <a:tint val="75000"/>
-                  </a:schemeClr>
-                </a:solidFill>
-                <a:latin typeface="+mj-lt"/>
-                <a:ea typeface="+mn-ea"/>
-                <a:cs typeface="+mn-cs"/>
-              </a:defRPr>
-            </a:lvl2pPr>
-            <a:lvl3pPr marL="914400" indent="0" algn="ctr" defTabSz="914400" rtl="0" eaLnBrk="1" latinLnBrk="0" hangingPunct="1">
-              <a:spcBef>
-                <a:spcPct val="20000"/>
-              </a:spcBef>
-              <a:buFont typeface="Arial" pitchFamily="34" charset="0"/>
-              <a:buNone/>
-              <a:defRPr sz="1600" kern="1200">
-                <a:solidFill>
-                  <a:schemeClr val="tx1">
-                    <a:tint val="75000"/>
-                  </a:schemeClr>
-                </a:solidFill>
-                <a:latin typeface="+mj-lt"/>
-                <a:ea typeface="+mn-ea"/>
-                <a:cs typeface="+mn-cs"/>
-              </a:defRPr>
-            </a:lvl3pPr>
-            <a:lvl4pPr marL="1371600" indent="0" algn="ctr" defTabSz="914400" rtl="0" eaLnBrk="1" latinLnBrk="0" hangingPunct="1">
-              <a:spcBef>
-                <a:spcPct val="20000"/>
-              </a:spcBef>
-              <a:buFont typeface="Courier New" pitchFamily="49" charset="0"/>
-              <a:buNone/>
-              <a:defRPr sz="1600" kern="1200">
-                <a:solidFill>
-                  <a:schemeClr val="tx1">
-                    <a:tint val="75000"/>
-                  </a:schemeClr>
-                </a:solidFill>
-                <a:latin typeface="+mj-lt"/>
-                <a:ea typeface="+mn-ea"/>
-                <a:cs typeface="+mn-cs"/>
-              </a:defRPr>
-            </a:lvl4pPr>
-            <a:lvl5pPr marL="1828800" indent="0" algn="ctr" defTabSz="914400" rtl="0" eaLnBrk="1" latinLnBrk="0" hangingPunct="1">
-              <a:spcBef>
-                <a:spcPct val="20000"/>
-              </a:spcBef>
-              <a:buFont typeface="Arial" pitchFamily="34" charset="0"/>
-              <a:buNone/>
-              <a:defRPr sz="1600" kern="1200">
-                <a:solidFill>
-                  <a:schemeClr val="tx1">
-                    <a:tint val="75000"/>
-                  </a:schemeClr>
-                </a:solidFill>
-                <a:latin typeface="+mj-lt"/>
-                <a:ea typeface="+mn-ea"/>
-                <a:cs typeface="+mn-cs"/>
-              </a:defRPr>
-            </a:lvl5pPr>
-            <a:lvl6pPr marL="2286000" indent="0" algn="ctr" defTabSz="914400" rtl="0" eaLnBrk="1" latinLnBrk="0" hangingPunct="1">
-              <a:spcBef>
-                <a:spcPct val="20000"/>
-              </a:spcBef>
-              <a:buFont typeface="Courier New" pitchFamily="49" charset="0"/>
-              <a:buNone/>
-              <a:defRPr sz="1600" kern="1200">
-                <a:solidFill>
-                  <a:schemeClr val="tx1">
-                    <a:tint val="75000"/>
-                  </a:schemeClr>
-                </a:solidFill>
-                <a:latin typeface="+mj-lt"/>
-                <a:ea typeface="+mn-ea"/>
-                <a:cs typeface="+mn-cs"/>
-              </a:defRPr>
-            </a:lvl6pPr>
-            <a:lvl7pPr marL="2743200" indent="0" algn="ctr" defTabSz="914400" rtl="0" eaLnBrk="1" latinLnBrk="0" hangingPunct="1">
-              <a:spcBef>
-                <a:spcPct val="20000"/>
-              </a:spcBef>
-              <a:buFont typeface="Arial" pitchFamily="34" charset="0"/>
-              <a:buNone/>
-              <a:defRPr sz="1600" kern="1200">
-                <a:solidFill>
-                  <a:schemeClr val="tx1">
-                    <a:tint val="75000"/>
-                  </a:schemeClr>
-                </a:solidFill>
-                <a:latin typeface="+mj-lt"/>
-                <a:ea typeface="+mn-ea"/>
-                <a:cs typeface="+mn-cs"/>
-              </a:defRPr>
-            </a:lvl7pPr>
-            <a:lvl8pPr marL="3200400" indent="0" algn="ctr" defTabSz="914400" rtl="0" eaLnBrk="1" latinLnBrk="0" hangingPunct="1">
-              <a:spcBef>
-                <a:spcPct val="20000"/>
-              </a:spcBef>
-              <a:buFont typeface="Courier New" pitchFamily="49" charset="0"/>
-              <a:buNone/>
-              <a:defRPr sz="1600" kern="1200">
-                <a:solidFill>
-                  <a:schemeClr val="tx1">
-                    <a:tint val="75000"/>
-                  </a:schemeClr>
-                </a:solidFill>
-                <a:latin typeface="+mj-lt"/>
-                <a:ea typeface="+mn-ea"/>
-                <a:cs typeface="+mn-cs"/>
-              </a:defRPr>
-            </a:lvl8pPr>
-            <a:lvl9pPr marL="3657600" indent="0" algn="ctr" defTabSz="914400" rtl="0" eaLnBrk="1" latinLnBrk="0" hangingPunct="1">
-              <a:spcBef>
-                <a:spcPct val="20000"/>
-              </a:spcBef>
-              <a:buFont typeface="Arial" pitchFamily="34" charset="0"/>
-              <a:buNone/>
-              <a:defRPr sz="1600" kern="1200">
-                <a:solidFill>
-                  <a:schemeClr val="tx1">
-                    <a:tint val="75000"/>
-                  </a:schemeClr>
-                </a:solidFill>
-                <a:latin typeface="+mj-lt"/>
-                <a:ea typeface="+mn-ea"/>
-                <a:cs typeface="+mn-cs"/>
-              </a:defRPr>
-            </a:lvl9pPr>
-          </a:lstStyle>
-          <a:p>
-            <a:pPr algn="r"/>
-            <a:r>
-              <a:rPr lang="uk-UA" dirty="0" smtClean="0"/>
-              <a:t>Науковий керівник</a:t>
-            </a:r>
-          </a:p>
-          <a:p>
-            <a:pPr algn="r"/>
-            <a:r>
-              <a:rPr lang="uk-UA" dirty="0" smtClean="0"/>
-              <a:t>Дудзяний І.М.</a:t>
             </a:r>
             <a:endParaRPr lang="en-US" dirty="0"/>
           </a:p>
@@ -4129,93 +3953,535 @@
           <a:lstStyle/>
           <a:p>
             <a:r>
-              <a:rPr lang="uk-UA" b="1" dirty="0" smtClean="0"/>
-              <a:t>Алгоритм</a:t>
-            </a:r>
-            <a:endParaRPr lang="en-US" b="1" dirty="0"/>
-          </a:p>
-        </p:txBody>
-      </p:sp>
-      <p:sp>
-        <p:nvSpPr>
-          <p:cNvPr id="4" name="Title 1"/>
-          <p:cNvSpPr txBox="1">
-            <a:spLocks/>
-          </p:cNvSpPr>
-          <p:nvPr/>
-        </p:nvSpPr>
-        <p:spPr>
-          <a:xfrm>
-            <a:off x="0" y="2438400"/>
-            <a:ext cx="9144000" cy="3124200"/>
-          </a:xfrm>
-          <a:prstGeom prst="rect">
-            <a:avLst/>
-          </a:prstGeom>
-        </p:spPr>
-        <p:txBody>
-          <a:bodyPr vert="horz" lIns="91440" tIns="45720" rIns="91440" bIns="45720" rtlCol="0" anchor="b">
-            <a:noAutofit/>
-          </a:bodyPr>
-          <a:lstStyle>
-            <a:lvl1pPr algn="ctr" defTabSz="914400" rtl="0" eaLnBrk="1" latinLnBrk="0" hangingPunct="1">
-              <a:lnSpc>
-                <a:spcPts val="5800"/>
-              </a:lnSpc>
-              <a:spcBef>
-                <a:spcPct val="0"/>
-              </a:spcBef>
-              <a:buNone/>
-              <a:defRPr sz="5400" kern="1200">
-                <a:solidFill>
-                  <a:schemeClr val="tx2"/>
-                </a:solidFill>
-                <a:effectLst>
-                  <a:outerShdw blurRad="63500" dist="38100" dir="5400000" algn="t" rotWithShape="0">
-                    <a:prstClr val="black">
-                      <a:alpha val="25000"/>
-                    </a:prstClr>
-                  </a:outerShdw>
-                </a:effectLst>
-                <a:latin typeface="+mn-lt"/>
-                <a:ea typeface="+mj-ea"/>
-                <a:cs typeface="+mj-cs"/>
-              </a:defRPr>
-            </a:lvl1pPr>
-          </a:lstStyle>
-          <a:p>
-            <a:pPr lvl="0"/>
-            <a:endParaRPr lang="uk-UA" dirty="0" smtClean="0"/>
-          </a:p>
-          <a:p>
-            <a:pPr lvl="0"/>
-            <a:r>
               <a:rPr lang="uk-UA" dirty="0" smtClean="0"/>
-              <a:t>4.</a:t>
-            </a:r>
-          </a:p>
-          <a:p>
-            <a:pPr lvl="0"/>
-            <a:r>
-              <a:rPr lang="uk-UA" dirty="0" smtClean="0"/>
-              <a:t>Якщо </a:t>
-            </a:r>
-            <a:r>
-              <a:rPr lang="uk-UA" dirty="0"/>
-              <a:t>отримане значення рівне </a:t>
-            </a:r>
-            <a:r>
-              <a:rPr lang="uk-UA" dirty="0" smtClean="0"/>
-              <a:t>нулю - гравець програє. Інакше виграє</a:t>
+              <a:t>Функція Шпрага-Гранді</a:t>
             </a:r>
             <a:endParaRPr lang="en-US" dirty="0"/>
           </a:p>
         </p:txBody>
       </p:sp>
+      <mc:AlternateContent xmlns:mc="http://schemas.openxmlformats.org/markup-compatibility/2006">
+        <mc:Choice xmlns:a14="http://schemas.microsoft.com/office/drawing/2010/main" Requires="a14">
+          <p:sp>
+            <p:nvSpPr>
+              <p:cNvPr id="4" name="Title 1"/>
+              <p:cNvSpPr txBox="1">
+                <a:spLocks/>
+              </p:cNvSpPr>
+              <p:nvPr/>
+            </p:nvSpPr>
+            <p:spPr>
+              <a:xfrm>
+                <a:off x="346364" y="2819400"/>
+                <a:ext cx="8229600" cy="2209800"/>
+              </a:xfrm>
+              <a:prstGeom prst="rect">
+                <a:avLst/>
+              </a:prstGeom>
+            </p:spPr>
+            <p:txBody>
+              <a:bodyPr vert="horz" lIns="91440" tIns="45720" rIns="91440" bIns="45720" rtlCol="0" anchor="b">
+                <a:noAutofit/>
+              </a:bodyPr>
+              <a:lstStyle>
+                <a:lvl1pPr algn="ctr" defTabSz="914400" rtl="0" eaLnBrk="1" latinLnBrk="0" hangingPunct="1">
+                  <a:lnSpc>
+                    <a:spcPts val="5800"/>
+                  </a:lnSpc>
+                  <a:spcBef>
+                    <a:spcPct val="0"/>
+                  </a:spcBef>
+                  <a:buNone/>
+                  <a:defRPr sz="5400" kern="1200">
+                    <a:solidFill>
+                      <a:schemeClr val="tx2"/>
+                    </a:solidFill>
+                    <a:effectLst>
+                      <a:outerShdw blurRad="63500" dist="38100" dir="5400000" algn="t" rotWithShape="0">
+                        <a:prstClr val="black">
+                          <a:alpha val="25000"/>
+                        </a:prstClr>
+                      </a:outerShdw>
+                    </a:effectLst>
+                    <a:latin typeface="+mn-lt"/>
+                    <a:ea typeface="+mj-ea"/>
+                    <a:cs typeface="+mj-cs"/>
+                  </a:defRPr>
+                </a:lvl1pPr>
+              </a:lstStyle>
+              <a:p>
+                <a:pPr>
+                  <a:lnSpc>
+                    <a:spcPct val="150000"/>
+                  </a:lnSpc>
+                </a:pPr>
+                <a14:m>
+                  <m:oMathPara xmlns:m="http://schemas.openxmlformats.org/officeDocument/2006/math">
+                    <m:oMathParaPr>
+                      <m:jc m:val="center"/>
+                    </m:oMathParaPr>
+                    <m:oMath xmlns:m="http://schemas.openxmlformats.org/officeDocument/2006/math">
+                      <m:r>
+                        <a:rPr lang="uk-UA" sz="2800" i="1">
+                          <a:effectLst/>
+                          <a:latin typeface="Cambria Math"/>
+                          <a:ea typeface="Cambria Math"/>
+                        </a:rPr>
+                        <m:t>𝐹</m:t>
+                      </m:r>
+                      <m:d>
+                        <m:dPr>
+                          <m:ctrlPr>
+                            <a:rPr lang="en-US" sz="2800" i="1">
+                              <a:effectLst/>
+                              <a:latin typeface="Cambria Math"/>
+                              <a:ea typeface="Cambria Math"/>
+                            </a:rPr>
+                          </m:ctrlPr>
+                        </m:dPr>
+                        <m:e>
+                          <m:r>
+                            <a:rPr lang="uk-UA" sz="2800" i="1">
+                              <a:effectLst/>
+                              <a:latin typeface="Cambria Math"/>
+                              <a:ea typeface="Cambria Math"/>
+                            </a:rPr>
+                            <m:t>𝑆</m:t>
+                          </m:r>
+                        </m:e>
+                      </m:d>
+                      <m:r>
+                        <a:rPr lang="uk-UA" sz="2800" i="1">
+                          <a:effectLst/>
+                          <a:latin typeface="Cambria Math"/>
+                          <a:ea typeface="Cambria Math"/>
+                        </a:rPr>
+                        <m:t>=</m:t>
+                      </m:r>
+                      <m:d>
+                        <m:dPr>
+                          <m:begChr m:val="{"/>
+                          <m:endChr m:val=""/>
+                          <m:ctrlPr>
+                            <a:rPr lang="uk-UA" sz="2800" i="1">
+                              <a:effectLst/>
+                              <a:latin typeface="Cambria Math"/>
+                              <a:ea typeface="Cambria Math"/>
+                            </a:rPr>
+                          </m:ctrlPr>
+                        </m:dPr>
+                        <m:e>
+                          <m:eqArr>
+                            <m:eqArrPr>
+                              <m:ctrlPr>
+                                <a:rPr lang="uk-UA" sz="2800" i="1">
+                                  <a:effectLst/>
+                                  <a:latin typeface="Cambria Math"/>
+                                  <a:ea typeface="Cambria Math"/>
+                                </a:rPr>
+                              </m:ctrlPr>
+                            </m:eqArrPr>
+                            <m:e>
+                              <m:r>
+                                <a:rPr lang="en-US" sz="2800" i="1">
+                                  <a:effectLst/>
+                                  <a:latin typeface="Cambria Math"/>
+                                  <a:ea typeface="Cambria Math"/>
+                                </a:rPr>
+                                <m:t>0, </m:t>
+                              </m:r>
+                              <m:r>
+                                <a:rPr lang="en-US" sz="2800" i="1">
+                                  <a:effectLst/>
+                                  <a:latin typeface="Cambria Math"/>
+                                  <a:ea typeface="Cambria Math"/>
+                                </a:rPr>
+                                <m:t>𝑆</m:t>
+                              </m:r>
+                              <m:r>
+                                <a:rPr lang="en-US" sz="2800" i="1">
+                                  <a:effectLst/>
+                                  <a:latin typeface="Cambria Math"/>
+                                  <a:ea typeface="Cambria Math"/>
+                                </a:rPr>
+                                <m:t>=∅</m:t>
+                              </m:r>
+                            </m:e>
+                            <m:e>
+                              <m:r>
+                                <a:rPr lang="uk-UA" sz="2800" i="1">
+                                  <a:effectLst/>
+                                  <a:latin typeface="Cambria Math"/>
+                                  <a:ea typeface="Cambria Math"/>
+                                </a:rPr>
+                                <m:t>𝑚𝑒𝑥</m:t>
+                              </m:r>
+                              <m:d>
+                                <m:dPr>
+                                  <m:ctrlPr>
+                                    <a:rPr lang="uk-UA" sz="2800" i="1">
+                                      <a:effectLst/>
+                                      <a:latin typeface="Cambria Math"/>
+                                      <a:ea typeface="Cambria Math"/>
+                                    </a:rPr>
+                                  </m:ctrlPr>
+                                </m:dPr>
+                                <m:e>
+                                  <m:r>
+                                    <a:rPr lang="uk-UA" sz="2800" i="1">
+                                      <a:effectLst/>
+                                      <a:latin typeface="Cambria Math"/>
+                                      <a:ea typeface="Cambria Math"/>
+                                    </a:rPr>
+                                    <m:t>𝐹</m:t>
+                                  </m:r>
+                                  <m:d>
+                                    <m:dPr>
+                                      <m:ctrlPr>
+                                        <a:rPr lang="en-US" sz="2800" i="1">
+                                          <a:effectLst/>
+                                          <a:latin typeface="Cambria Math"/>
+                                          <a:ea typeface="Cambria Math"/>
+                                        </a:rPr>
+                                      </m:ctrlPr>
+                                    </m:dPr>
+                                    <m:e>
+                                      <m:sSub>
+                                        <m:sSubPr>
+                                          <m:ctrlPr>
+                                            <a:rPr lang="en-US" sz="2800" i="1">
+                                              <a:effectLst/>
+                                              <a:latin typeface="Cambria Math"/>
+                                              <a:ea typeface="Cambria Math"/>
+                                            </a:rPr>
+                                          </m:ctrlPr>
+                                        </m:sSubPr>
+                                        <m:e>
+                                          <m:r>
+                                            <a:rPr lang="uk-UA" sz="2800" i="1">
+                                              <a:effectLst/>
+                                              <a:latin typeface="Cambria Math"/>
+                                              <a:ea typeface="Cambria Math"/>
+                                            </a:rPr>
+                                            <m:t>𝑆</m:t>
+                                          </m:r>
+                                        </m:e>
+                                        <m:sub>
+                                          <m:r>
+                                            <a:rPr lang="uk-UA" sz="2800" i="1">
+                                              <a:effectLst/>
+                                              <a:latin typeface="Cambria Math"/>
+                                              <a:ea typeface="Cambria Math"/>
+                                            </a:rPr>
+                                            <m:t>0</m:t>
+                                          </m:r>
+                                        </m:sub>
+                                      </m:sSub>
+                                    </m:e>
+                                  </m:d>
+                                  <m:r>
+                                    <a:rPr lang="uk-UA" sz="2800" i="1">
+                                      <a:effectLst/>
+                                      <a:latin typeface="Cambria Math"/>
+                                      <a:ea typeface="Cambria Math"/>
+                                    </a:rPr>
+                                    <m:t>,</m:t>
+                                  </m:r>
+                                  <m:r>
+                                    <a:rPr lang="uk-UA" sz="2800" i="1">
+                                      <a:effectLst/>
+                                      <a:latin typeface="Cambria Math"/>
+                                      <a:ea typeface="Cambria Math"/>
+                                    </a:rPr>
+                                    <m:t>𝐹</m:t>
+                                  </m:r>
+                                  <m:d>
+                                    <m:dPr>
+                                      <m:ctrlPr>
+                                        <a:rPr lang="en-US" sz="2800" i="1">
+                                          <a:effectLst/>
+                                          <a:latin typeface="Cambria Math"/>
+                                          <a:ea typeface="Cambria Math"/>
+                                        </a:rPr>
+                                      </m:ctrlPr>
+                                    </m:dPr>
+                                    <m:e>
+                                      <m:sSub>
+                                        <m:sSubPr>
+                                          <m:ctrlPr>
+                                            <a:rPr lang="en-US" sz="2800" i="1">
+                                              <a:effectLst/>
+                                              <a:latin typeface="Cambria Math"/>
+                                              <a:ea typeface="Cambria Math"/>
+                                            </a:rPr>
+                                          </m:ctrlPr>
+                                        </m:sSubPr>
+                                        <m:e>
+                                          <m:r>
+                                            <a:rPr lang="uk-UA" sz="2800" i="1">
+                                              <a:effectLst/>
+                                              <a:latin typeface="Cambria Math"/>
+                                              <a:ea typeface="Cambria Math"/>
+                                            </a:rPr>
+                                            <m:t>𝑆</m:t>
+                                          </m:r>
+                                        </m:e>
+                                        <m:sub>
+                                          <m:r>
+                                            <a:rPr lang="uk-UA" sz="2800" i="1">
+                                              <a:effectLst/>
+                                              <a:latin typeface="Cambria Math"/>
+                                              <a:ea typeface="Cambria Math"/>
+                                            </a:rPr>
+                                            <m:t>1</m:t>
+                                          </m:r>
+                                        </m:sub>
+                                      </m:sSub>
+                                    </m:e>
+                                  </m:d>
+                                  <m:r>
+                                    <a:rPr lang="uk-UA" sz="2800" i="1">
+                                      <a:effectLst/>
+                                      <a:latin typeface="Cambria Math"/>
+                                      <a:ea typeface="Cambria Math"/>
+                                    </a:rPr>
+                                    <m:t>,…,</m:t>
+                                  </m:r>
+                                  <m:r>
+                                    <a:rPr lang="uk-UA" sz="2800" i="1">
+                                      <a:effectLst/>
+                                      <a:latin typeface="Cambria Math"/>
+                                      <a:ea typeface="Cambria Math"/>
+                                    </a:rPr>
+                                    <m:t>𝐹</m:t>
+                                  </m:r>
+                                  <m:d>
+                                    <m:dPr>
+                                      <m:ctrlPr>
+                                        <a:rPr lang="uk-UA" sz="2800" i="1">
+                                          <a:effectLst/>
+                                          <a:latin typeface="Cambria Math"/>
+                                          <a:ea typeface="Cambria Math"/>
+                                        </a:rPr>
+                                      </m:ctrlPr>
+                                    </m:dPr>
+                                    <m:e>
+                                      <m:sSub>
+                                        <m:sSubPr>
+                                          <m:ctrlPr>
+                                            <a:rPr lang="en-US" sz="2800" i="1">
+                                              <a:effectLst/>
+                                              <a:latin typeface="Cambria Math"/>
+                                              <a:ea typeface="Cambria Math"/>
+                                            </a:rPr>
+                                          </m:ctrlPr>
+                                        </m:sSubPr>
+                                        <m:e>
+                                          <m:r>
+                                            <a:rPr lang="uk-UA" sz="2800" i="1">
+                                              <a:effectLst/>
+                                              <a:latin typeface="Cambria Math"/>
+                                              <a:ea typeface="Cambria Math"/>
+                                            </a:rPr>
+                                            <m:t>𝑆</m:t>
+                                          </m:r>
+                                        </m:e>
+                                        <m:sub>
+                                          <m:r>
+                                            <a:rPr lang="uk-UA" sz="2800" i="1">
+                                              <a:effectLst/>
+                                              <a:latin typeface="Cambria Math"/>
+                                              <a:ea typeface="Cambria Math"/>
+                                            </a:rPr>
+                                            <m:t>𝑁</m:t>
+                                          </m:r>
+                                        </m:sub>
+                                      </m:sSub>
+                                    </m:e>
+                                  </m:d>
+                                </m:e>
+                              </m:d>
+                              <m:r>
+                                <a:rPr lang="en-US" sz="2800" i="1">
+                                  <a:effectLst/>
+                                  <a:latin typeface="Cambria Math"/>
+                                  <a:ea typeface="Cambria Math"/>
+                                </a:rPr>
+                                <m:t>, </m:t>
+                              </m:r>
+                              <m:r>
+                                <a:rPr lang="en-US" sz="2800" i="1">
+                                  <a:effectLst/>
+                                  <a:latin typeface="Cambria Math"/>
+                                  <a:ea typeface="Cambria Math"/>
+                                </a:rPr>
+                                <m:t>𝑆</m:t>
+                              </m:r>
+                              <m:r>
+                                <a:rPr lang="en-US" sz="2800" i="1">
+                                  <a:effectLst/>
+                                  <a:latin typeface="Cambria Math"/>
+                                  <a:ea typeface="Cambria Math"/>
+                                </a:rPr>
+                                <m:t>≠∅</m:t>
+                              </m:r>
+                            </m:e>
+                          </m:eqArr>
+                        </m:e>
+                      </m:d>
+                    </m:oMath>
+                  </m:oMathPara>
+                </a14:m>
+                <a:endParaRPr lang="en-US" sz="2800" i="1" dirty="0">
+                  <a:effectLst/>
+                  <a:latin typeface="Cambria Math"/>
+                  <a:ea typeface="Cambria Math"/>
+                </a:endParaRPr>
+              </a:p>
+              <a:p>
+                <a:r>
+                  <a:rPr lang="uk-UA" sz="2800" i="1" dirty="0">
+                    <a:effectLst/>
+                    <a:latin typeface="Cambria Math"/>
+                    <a:ea typeface="Cambria Math"/>
+                  </a:rPr>
+                  <a:t>де </a:t>
+                </a:r>
+                <a14:m>
+                  <m:oMath xmlns:m="http://schemas.openxmlformats.org/officeDocument/2006/math">
+                    <m:sSub>
+                      <m:sSubPr>
+                        <m:ctrlPr>
+                          <a:rPr lang="en-US" sz="2800" i="1">
+                            <a:effectLst/>
+                            <a:latin typeface="Cambria Math"/>
+                            <a:ea typeface="Cambria Math"/>
+                          </a:rPr>
+                        </m:ctrlPr>
+                      </m:sSubPr>
+                      <m:e>
+                        <m:r>
+                          <a:rPr lang="uk-UA" sz="2800" i="1">
+                            <a:effectLst/>
+                            <a:latin typeface="Cambria Math"/>
+                            <a:ea typeface="Cambria Math"/>
+                          </a:rPr>
+                          <m:t>𝑆</m:t>
+                        </m:r>
+                      </m:e>
+                      <m:sub>
+                        <m:r>
+                          <a:rPr lang="uk-UA" sz="2800" i="1">
+                            <a:effectLst/>
+                            <a:latin typeface="Cambria Math"/>
+                            <a:ea typeface="Cambria Math"/>
+                          </a:rPr>
+                          <m:t>𝑖</m:t>
+                        </m:r>
+                      </m:sub>
+                    </m:sSub>
+                    <m:r>
+                      <a:rPr lang="uk-UA" sz="2800" i="1">
+                        <a:effectLst/>
+                        <a:latin typeface="Cambria Math"/>
+                        <a:ea typeface="Cambria Math"/>
+                      </a:rPr>
+                      <m:t>,</m:t>
+                    </m:r>
+                    <m:r>
+                      <a:rPr lang="uk-UA" sz="2800" i="1">
+                        <a:effectLst/>
+                        <a:latin typeface="Cambria Math"/>
+                        <a:ea typeface="Cambria Math"/>
+                      </a:rPr>
+                      <m:t>𝑖</m:t>
+                    </m:r>
+                    <m:r>
+                      <a:rPr lang="uk-UA" sz="2800" i="1">
+                        <a:effectLst/>
+                        <a:latin typeface="Cambria Math"/>
+                        <a:ea typeface="Cambria Math"/>
+                      </a:rPr>
+                      <m:t>=0,…,</m:t>
+                    </m:r>
+                    <m:r>
+                      <a:rPr lang="uk-UA" sz="2800" i="1">
+                        <a:effectLst/>
+                        <a:latin typeface="Cambria Math"/>
+                        <a:ea typeface="Cambria Math"/>
+                      </a:rPr>
+                      <m:t>𝑁</m:t>
+                    </m:r>
+                    <m:r>
+                      <a:rPr lang="uk-UA" sz="2800" i="1">
+                        <a:effectLst/>
+                        <a:latin typeface="Cambria Math"/>
+                        <a:ea typeface="Cambria Math"/>
+                      </a:rPr>
+                      <m:t>−всі можливі переходи зі стану </m:t>
+                    </m:r>
+                    <m:r>
+                      <a:rPr lang="en-US" sz="2800" i="1">
+                        <a:effectLst/>
+                        <a:latin typeface="Cambria Math"/>
+                        <a:ea typeface="Cambria Math"/>
+                      </a:rPr>
+                      <m:t>𝑆</m:t>
+                    </m:r>
+                  </m:oMath>
+                </a14:m>
+                <a:endParaRPr lang="en-US" sz="2800" i="1" dirty="0">
+                  <a:effectLst/>
+                  <a:latin typeface="Cambria Math"/>
+                  <a:ea typeface="Cambria Math"/>
+                </a:endParaRPr>
+              </a:p>
+            </p:txBody>
+          </p:sp>
+        </mc:Choice>
+        <mc:Fallback>
+          <p:sp>
+            <p:nvSpPr>
+              <p:cNvPr id="4" name="Title 1"/>
+              <p:cNvSpPr txBox="1">
+                <a:spLocks noRot="1" noChangeAspect="1" noMove="1" noResize="1" noEditPoints="1" noAdjustHandles="1" noChangeArrowheads="1" noChangeShapeType="1" noTextEdit="1"/>
+              </p:cNvSpPr>
+              <p:nvPr/>
+            </p:nvSpPr>
+            <p:spPr>
+              <a:xfrm>
+                <a:off x="346364" y="2819400"/>
+                <a:ext cx="8229600" cy="2209800"/>
+              </a:xfrm>
+              <a:prstGeom prst="rect">
+                <a:avLst/>
+              </a:prstGeom>
+              <a:blipFill rotWithShape="1">
+                <a:blip r:embed="rId2"/>
+                <a:stretch>
+                  <a:fillRect l="-1407" b="-3039"/>
+                </a:stretch>
+              </a:blipFill>
+            </p:spPr>
+            <p:txBody>
+              <a:bodyPr/>
+              <a:lstStyle/>
+              <a:p>
+                <a:r>
+                  <a:rPr lang="en-US">
+                    <a:noFill/>
+                  </a:rPr>
+                  <a:t> </a:t>
+                </a:r>
+              </a:p>
+            </p:txBody>
+          </p:sp>
+        </mc:Fallback>
+      </mc:AlternateContent>
     </p:spTree>
     <p:extLst>
       <p:ext uri="{BB962C8B-B14F-4D97-AF65-F5344CB8AC3E}">
-        <p14:creationId xmlns:p14="http://schemas.microsoft.com/office/powerpoint/2010/main" val="117651011"/>
+        <p14:creationId xmlns:p14="http://schemas.microsoft.com/office/powerpoint/2010/main" val="1187375833"/>
       </p:ext>
     </p:extLst>
   </p:cSld>
@@ -4251,39 +4517,18 @@
       </p:grpSpPr>
       <p:sp>
         <p:nvSpPr>
-          <p:cNvPr id="2" name="Title 1"/>
-          <p:cNvSpPr>
+          <p:cNvPr id="4" name="Title 1"/>
+          <p:cNvSpPr txBox="1">
             <a:spLocks noGrp="1"/>
           </p:cNvSpPr>
           <p:nvPr>
             <p:ph type="title"/>
           </p:nvPr>
         </p:nvSpPr>
-        <p:spPr/>
-        <p:txBody>
-          <a:bodyPr/>
-          <a:lstStyle/>
-          <a:p>
-            <a:r>
-              <a:rPr lang="uk-UA" b="1" dirty="0" smtClean="0"/>
-              <a:t>Оптимальна гра</a:t>
-            </a:r>
-            <a:endParaRPr lang="en-US" b="1" dirty="0"/>
-          </a:p>
-        </p:txBody>
-      </p:sp>
-      <p:sp>
-        <p:nvSpPr>
-          <p:cNvPr id="4" name="Title 1"/>
-          <p:cNvSpPr txBox="1">
-            <a:spLocks/>
-          </p:cNvSpPr>
-          <p:nvPr/>
-        </p:nvSpPr>
         <p:spPr>
           <a:xfrm>
-            <a:off x="0" y="2819400"/>
-            <a:ext cx="9144000" cy="2438400"/>
+            <a:off x="457200" y="304800"/>
+            <a:ext cx="8229600" cy="1600200"/>
           </a:xfrm>
           <a:prstGeom prst="rect">
             <a:avLst/>
@@ -4320,25 +4565,200 @@
             </a:lvl1pPr>
           </a:lstStyle>
           <a:p>
-            <a:pPr lvl="0"/>
-            <a:r>
-              <a:rPr lang="uk-UA" dirty="0" smtClean="0"/>
-              <a:t>Оптимальній хід можна знайти розв’язавши відповідне нім-рівняння</a:t>
+            <a:r>
+              <a:rPr lang="uk-UA" dirty="0">
+                <a:latin typeface="Calibri" pitchFamily="34" charset="0"/>
+                <a:cs typeface="Calibri" pitchFamily="34" charset="0"/>
+              </a:rPr>
+              <a:t>Теорема </a:t>
+            </a:r>
+            <a:r>
+              <a:rPr lang="uk-UA" dirty="0" smtClean="0">
+                <a:latin typeface="Calibri" pitchFamily="34" charset="0"/>
+                <a:cs typeface="Calibri" pitchFamily="34" charset="0"/>
+              </a:rPr>
+              <a:t>Шпрага-Гранді про суму ігор</a:t>
             </a:r>
             <a:endParaRPr lang="en-US" dirty="0"/>
+          </a:p>
+        </p:txBody>
+      </p:sp>
+      <p:sp>
+        <p:nvSpPr>
+          <p:cNvPr id="5" name="Title 1"/>
+          <p:cNvSpPr txBox="1">
+            <a:spLocks/>
+          </p:cNvSpPr>
+          <p:nvPr/>
+        </p:nvSpPr>
+        <p:spPr>
+          <a:xfrm>
+            <a:off x="1" y="3657600"/>
+            <a:ext cx="9144000" cy="1371600"/>
+          </a:xfrm>
+          <a:prstGeom prst="rect">
+            <a:avLst/>
+          </a:prstGeom>
+        </p:spPr>
+        <p:txBody>
+          <a:bodyPr vert="horz" lIns="91440" tIns="45720" rIns="91440" bIns="45720" rtlCol="0" anchor="b">
+            <a:noAutofit/>
+          </a:bodyPr>
+          <a:lstStyle>
+            <a:lvl1pPr algn="ctr" defTabSz="914400" rtl="0" eaLnBrk="1" latinLnBrk="0" hangingPunct="1">
+              <a:lnSpc>
+                <a:spcPts val="5800"/>
+              </a:lnSpc>
+              <a:spcBef>
+                <a:spcPct val="0"/>
+              </a:spcBef>
+              <a:buNone/>
+              <a:defRPr sz="5400" kern="1200">
+                <a:solidFill>
+                  <a:schemeClr val="tx2"/>
+                </a:solidFill>
+                <a:effectLst>
+                  <a:outerShdw blurRad="63500" dist="38100" dir="5400000" algn="t" rotWithShape="0">
+                    <a:prstClr val="black">
+                      <a:alpha val="25000"/>
+                    </a:prstClr>
+                  </a:outerShdw>
+                </a:effectLst>
+                <a:latin typeface="+mn-lt"/>
+                <a:ea typeface="+mj-ea"/>
+                <a:cs typeface="+mj-cs"/>
+              </a:defRPr>
+            </a:lvl1pPr>
+          </a:lstStyle>
+          <a:p>
+            <a:pPr>
+              <a:lnSpc>
+                <a:spcPct val="100000"/>
+              </a:lnSpc>
+              <a:spcBef>
+                <a:spcPts val="600"/>
+              </a:spcBef>
+            </a:pPr>
+            <a:r>
+              <a:rPr lang="uk-UA" sz="4000" dirty="0" smtClean="0">
+                <a:latin typeface="Calibri" pitchFamily="34" charset="0"/>
+                <a:cs typeface="Calibri" pitchFamily="34" charset="0"/>
+              </a:rPr>
+              <a:t>Значення Шпрага-Гранді суми ігор рівне нім-сумі значень Шпрага-Гранді цих ігор</a:t>
+            </a:r>
+            <a:endParaRPr lang="en-US" sz="4000" dirty="0">
+              <a:latin typeface="Calibri" pitchFamily="34" charset="0"/>
+              <a:cs typeface="Calibri" pitchFamily="34" charset="0"/>
+            </a:endParaRPr>
+          </a:p>
+        </p:txBody>
+      </p:sp>
+      <p:sp>
+        <p:nvSpPr>
+          <p:cNvPr id="6" name="Rectangle 5"/>
+          <p:cNvSpPr/>
+          <p:nvPr/>
+        </p:nvSpPr>
+        <p:spPr>
+          <a:xfrm>
+            <a:off x="1" y="2286000"/>
+            <a:ext cx="9144000" cy="954107"/>
+          </a:xfrm>
+          <a:prstGeom prst="rect">
+            <a:avLst/>
+          </a:prstGeom>
+        </p:spPr>
+        <p:txBody>
+          <a:bodyPr wrap="square">
+            <a:spAutoFit/>
+          </a:bodyPr>
+          <a:lstStyle/>
+          <a:p>
+            <a:pPr algn="ctr">
+              <a:lnSpc>
+                <a:spcPct val="100000"/>
+              </a:lnSpc>
+              <a:spcBef>
+                <a:spcPts val="600"/>
+              </a:spcBef>
+            </a:pPr>
+            <a:r>
+              <a:rPr lang="uk-UA" sz="2800" i="1" dirty="0">
+                <a:solidFill>
+                  <a:schemeClr val="tx1">
+                    <a:lumMod val="50000"/>
+                    <a:lumOff val="50000"/>
+                  </a:schemeClr>
+                </a:solidFill>
+                <a:latin typeface="Cambria Math"/>
+              </a:rPr>
+              <a:t>Сумою</a:t>
+            </a:r>
+            <a:r>
+              <a:rPr lang="uk-UA" sz="2800" dirty="0">
+                <a:solidFill>
+                  <a:schemeClr val="tx1">
+                    <a:lumMod val="50000"/>
+                    <a:lumOff val="50000"/>
+                  </a:schemeClr>
+                </a:solidFill>
+                <a:latin typeface="Cambria Math"/>
+              </a:rPr>
+              <a:t> ігор називають гру, суть якої полягає у виборі однієї з </a:t>
+            </a:r>
+            <a:r>
+              <a:rPr lang="en-US" sz="2800" i="1" dirty="0">
+                <a:solidFill>
+                  <a:schemeClr val="tx1">
+                    <a:lumMod val="50000"/>
+                    <a:lumOff val="50000"/>
+                  </a:schemeClr>
+                </a:solidFill>
+                <a:latin typeface="Cambria Math"/>
+              </a:rPr>
+              <a:t>n</a:t>
+            </a:r>
+            <a:r>
+              <a:rPr lang="uk-UA" sz="2800" dirty="0">
+                <a:solidFill>
+                  <a:schemeClr val="tx1">
+                    <a:lumMod val="50000"/>
+                    <a:lumOff val="50000"/>
+                  </a:schemeClr>
+                </a:solidFill>
+                <a:latin typeface="Cambria Math"/>
+              </a:rPr>
+              <a:t> ігор і робленні ходу у цій конкретній грі.</a:t>
+            </a:r>
+            <a:endParaRPr lang="en-US" sz="2800" dirty="0">
+              <a:solidFill>
+                <a:schemeClr val="tx1">
+                  <a:lumMod val="50000"/>
+                  <a:lumOff val="50000"/>
+                </a:schemeClr>
+              </a:solidFill>
+              <a:latin typeface="Cambria Math"/>
+            </a:endParaRPr>
           </a:p>
         </p:txBody>
       </p:sp>
     </p:spTree>
     <p:extLst>
       <p:ext uri="{BB962C8B-B14F-4D97-AF65-F5344CB8AC3E}">
-        <p14:creationId xmlns:p14="http://schemas.microsoft.com/office/powerpoint/2010/main" val="1476201824"/>
+        <p14:creationId xmlns:p14="http://schemas.microsoft.com/office/powerpoint/2010/main" val="2862173660"/>
       </p:ext>
     </p:extLst>
   </p:cSld>
   <p:clrMapOvr>
     <a:masterClrMapping/>
   </p:clrMapOvr>
+  <p:timing>
+    <p:tnLst>
+      <p:par>
+        <p:cTn id="1" dur="indefinite" restart="never" nodeType="tmRoot"/>
+      </p:par>
+    </p:tnLst>
+  </p:timing>
 </p:sld>
 </file>
 
@@ -4369,21 +4789,980 @@
             <p:ph type="title"/>
           </p:nvPr>
         </p:nvSpPr>
-        <p:spPr/>
+        <p:spPr>
+          <a:xfrm>
+            <a:off x="457200" y="2286000"/>
+            <a:ext cx="8229600" cy="1600200"/>
+          </a:xfrm>
+        </p:spPr>
         <p:txBody>
           <a:bodyPr/>
           <a:lstStyle/>
           <a:p>
             <a:r>
-              <a:rPr lang="uk-UA" b="1" dirty="0" smtClean="0"/>
-              <a:t>Приклад</a:t>
-            </a:r>
-            <a:endParaRPr lang="en-US" b="1" dirty="0"/>
-          </a:p>
-        </p:txBody>
-      </p:sp>
-      <mc:AlternateContent xmlns:mc="http://schemas.openxmlformats.org/markup-compatibility/2006" xmlns:a14="http://schemas.microsoft.com/office/drawing/2010/main">
-        <mc:Choice Requires="a14">
+              <a:rPr lang="uk-UA" sz="6600" dirty="0" smtClean="0"/>
+              <a:t>Алгоритм</a:t>
+            </a:r>
+            <a:endParaRPr lang="en-US" sz="6600" dirty="0"/>
+          </a:p>
+        </p:txBody>
+      </p:sp>
+    </p:spTree>
+    <p:extLst>
+      <p:ext uri="{BB962C8B-B14F-4D97-AF65-F5344CB8AC3E}">
+        <p14:creationId xmlns:p14="http://schemas.microsoft.com/office/powerpoint/2010/main" val="3998627461"/>
+      </p:ext>
+    </p:extLst>
+  </p:cSld>
+  <p:clrMapOvr>
+    <a:masterClrMapping/>
+  </p:clrMapOvr>
+  <p:timing>
+    <p:tnLst>
+      <p:par>
+        <p:cTn id="1" dur="indefinite" restart="never" nodeType="tmRoot"/>
+      </p:par>
+    </p:tnLst>
+  </p:timing>
+</p:sld>
+</file>
+
+<file path=ppt/slides/slide13.xml><?xml version="1.0" encoding="utf-8"?>
+<p:sld xmlns:a="http://schemas.openxmlformats.org/drawingml/2006/main" xmlns:r="http://schemas.openxmlformats.org/officeDocument/2006/relationships" xmlns:p="http://schemas.openxmlformats.org/presentationml/2006/main">
+  <p:cSld>
+    <p:spTree>
+      <p:nvGrpSpPr>
+        <p:cNvPr id="1" name=""/>
+        <p:cNvGrpSpPr/>
+        <p:nvPr/>
+      </p:nvGrpSpPr>
+      <p:grpSpPr>
+        <a:xfrm>
+          <a:off x="0" y="0"/>
+          <a:ext cx="0" cy="0"/>
+          <a:chOff x="0" y="0"/>
+          <a:chExt cx="0" cy="0"/>
+        </a:xfrm>
+      </p:grpSpPr>
+      <p:sp>
+        <p:nvSpPr>
+          <p:cNvPr id="2" name="Title 1"/>
+          <p:cNvSpPr>
+            <a:spLocks noGrp="1"/>
+          </p:cNvSpPr>
+          <p:nvPr>
+            <p:ph type="title"/>
+          </p:nvPr>
+        </p:nvSpPr>
+        <p:spPr/>
+        <p:txBody>
+          <a:bodyPr/>
+          <a:lstStyle/>
+          <a:p>
+            <a:r>
+              <a:rPr lang="uk-UA" dirty="0" smtClean="0"/>
+              <a:t>Алгоритм</a:t>
+            </a:r>
+            <a:endParaRPr lang="en-US" dirty="0"/>
+          </a:p>
+        </p:txBody>
+      </p:sp>
+      <p:sp>
+        <p:nvSpPr>
+          <p:cNvPr id="5" name="Title 1"/>
+          <p:cNvSpPr txBox="1">
+            <a:spLocks/>
+          </p:cNvSpPr>
+          <p:nvPr/>
+        </p:nvSpPr>
+        <p:spPr>
+          <a:xfrm>
+            <a:off x="0" y="2438400"/>
+            <a:ext cx="9144000" cy="2438400"/>
+          </a:xfrm>
+          <a:prstGeom prst="rect">
+            <a:avLst/>
+          </a:prstGeom>
+        </p:spPr>
+        <p:txBody>
+          <a:bodyPr vert="horz" lIns="91440" tIns="45720" rIns="91440" bIns="45720" rtlCol="0" anchor="b">
+            <a:noAutofit/>
+          </a:bodyPr>
+          <a:lstStyle>
+            <a:lvl1pPr algn="ctr" defTabSz="914400" rtl="0" eaLnBrk="1" latinLnBrk="0" hangingPunct="1">
+              <a:lnSpc>
+                <a:spcPts val="5800"/>
+              </a:lnSpc>
+              <a:spcBef>
+                <a:spcPct val="0"/>
+              </a:spcBef>
+              <a:buNone/>
+              <a:defRPr sz="5400" kern="1200">
+                <a:solidFill>
+                  <a:schemeClr val="tx2"/>
+                </a:solidFill>
+                <a:effectLst>
+                  <a:outerShdw blurRad="63500" dist="38100" dir="5400000" algn="t" rotWithShape="0">
+                    <a:prstClr val="black">
+                      <a:alpha val="25000"/>
+                    </a:prstClr>
+                  </a:outerShdw>
+                </a:effectLst>
+                <a:latin typeface="+mn-lt"/>
+                <a:ea typeface="+mj-ea"/>
+                <a:cs typeface="+mj-cs"/>
+              </a:defRPr>
+            </a:lvl1pPr>
+          </a:lstStyle>
+          <a:p>
+            <a:pPr marL="457200" lvl="0" algn="l"/>
+            <a:r>
+              <a:rPr lang="uk-UA" dirty="0" smtClean="0"/>
+              <a:t>1.</a:t>
+            </a:r>
+          </a:p>
+          <a:p>
+            <a:pPr marL="457200" lvl="0" algn="l"/>
+            <a:r>
+              <a:rPr lang="uk-UA" dirty="0" smtClean="0"/>
+              <a:t>Виписати </a:t>
+            </a:r>
+            <a:r>
+              <a:rPr lang="uk-UA" dirty="0"/>
+              <a:t>всі можливі переходи в інші стани </a:t>
+            </a:r>
+            <a:endParaRPr lang="en-US" dirty="0"/>
+          </a:p>
+        </p:txBody>
+      </p:sp>
+    </p:spTree>
+    <p:extLst>
+      <p:ext uri="{BB962C8B-B14F-4D97-AF65-F5344CB8AC3E}">
+        <p14:creationId xmlns:p14="http://schemas.microsoft.com/office/powerpoint/2010/main" val="3084707101"/>
+      </p:ext>
+    </p:extLst>
+  </p:cSld>
+  <p:clrMapOvr>
+    <a:masterClrMapping/>
+  </p:clrMapOvr>
+  <p:timing>
+    <p:tnLst>
+      <p:par>
+        <p:cTn id="1" dur="indefinite" restart="never" nodeType="tmRoot"/>
+      </p:par>
+    </p:tnLst>
+  </p:timing>
+</p:sld>
+</file>
+
+<file path=ppt/slides/slide14.xml><?xml version="1.0" encoding="utf-8"?>
+<p:sld xmlns:a="http://schemas.openxmlformats.org/drawingml/2006/main" xmlns:r="http://schemas.openxmlformats.org/officeDocument/2006/relationships" xmlns:p="http://schemas.openxmlformats.org/presentationml/2006/main">
+  <p:cSld>
+    <p:spTree>
+      <p:nvGrpSpPr>
+        <p:cNvPr id="1" name=""/>
+        <p:cNvGrpSpPr/>
+        <p:nvPr/>
+      </p:nvGrpSpPr>
+      <p:grpSpPr>
+        <a:xfrm>
+          <a:off x="0" y="0"/>
+          <a:ext cx="0" cy="0"/>
+          <a:chOff x="0" y="0"/>
+          <a:chExt cx="0" cy="0"/>
+        </a:xfrm>
+      </p:grpSpPr>
+      <p:sp>
+        <p:nvSpPr>
+          <p:cNvPr id="2" name="Title 1"/>
+          <p:cNvSpPr>
+            <a:spLocks noGrp="1"/>
+          </p:cNvSpPr>
+          <p:nvPr>
+            <p:ph type="title"/>
+          </p:nvPr>
+        </p:nvSpPr>
+        <p:spPr/>
+        <p:txBody>
+          <a:bodyPr/>
+          <a:lstStyle/>
+          <a:p>
+            <a:r>
+              <a:rPr lang="uk-UA" dirty="0" smtClean="0"/>
+              <a:t>Алгоритм</a:t>
+            </a:r>
+            <a:endParaRPr lang="en-US" dirty="0"/>
+          </a:p>
+        </p:txBody>
+      </p:sp>
+      <p:sp>
+        <p:nvSpPr>
+          <p:cNvPr id="5" name="Title 1"/>
+          <p:cNvSpPr txBox="1">
+            <a:spLocks/>
+          </p:cNvSpPr>
+          <p:nvPr/>
+        </p:nvSpPr>
+        <p:spPr>
+          <a:xfrm>
+            <a:off x="0" y="2362200"/>
+            <a:ext cx="8610600" cy="3505200"/>
+          </a:xfrm>
+          <a:prstGeom prst="rect">
+            <a:avLst/>
+          </a:prstGeom>
+        </p:spPr>
+        <p:txBody>
+          <a:bodyPr vert="horz" lIns="91440" tIns="45720" rIns="91440" bIns="45720" rtlCol="0" anchor="b">
+            <a:noAutofit/>
+          </a:bodyPr>
+          <a:lstStyle>
+            <a:lvl1pPr algn="ctr" defTabSz="914400" rtl="0" eaLnBrk="1" latinLnBrk="0" hangingPunct="1">
+              <a:lnSpc>
+                <a:spcPts val="5800"/>
+              </a:lnSpc>
+              <a:spcBef>
+                <a:spcPct val="0"/>
+              </a:spcBef>
+              <a:buNone/>
+              <a:defRPr sz="5400" kern="1200">
+                <a:solidFill>
+                  <a:schemeClr val="tx2"/>
+                </a:solidFill>
+                <a:effectLst>
+                  <a:outerShdw blurRad="63500" dist="38100" dir="5400000" algn="t" rotWithShape="0">
+                    <a:prstClr val="black">
+                      <a:alpha val="25000"/>
+                    </a:prstClr>
+                  </a:outerShdw>
+                </a:effectLst>
+                <a:latin typeface="+mn-lt"/>
+                <a:ea typeface="+mj-ea"/>
+                <a:cs typeface="+mj-cs"/>
+              </a:defRPr>
+            </a:lvl1pPr>
+          </a:lstStyle>
+          <a:p>
+            <a:pPr lvl="1"/>
+            <a:r>
+              <a:rPr lang="uk-UA" sz="5400" dirty="0" smtClean="0">
+                <a:solidFill>
+                  <a:schemeClr val="tx2"/>
+                </a:solidFill>
+                <a:effectLst>
+                  <a:outerShdw blurRad="63500" dist="38100" dir="5400000" algn="t" rotWithShape="0">
+                    <a:prstClr val="black">
+                      <a:alpha val="25000"/>
+                    </a:prstClr>
+                  </a:outerShdw>
+                </a:effectLst>
+                <a:ea typeface="+mj-ea"/>
+                <a:cs typeface="+mj-cs"/>
+              </a:rPr>
+              <a:t>2</a:t>
+            </a:r>
+            <a:r>
+              <a:rPr lang="uk-UA" sz="4000" dirty="0" smtClean="0">
+                <a:solidFill>
+                  <a:schemeClr val="tx2"/>
+                </a:solidFill>
+                <a:effectLst>
+                  <a:outerShdw blurRad="63500" dist="38100" dir="5400000" algn="t" rotWithShape="0">
+                    <a:prstClr val="black">
+                      <a:alpha val="25000"/>
+                    </a:prstClr>
+                  </a:outerShdw>
+                </a:effectLst>
+                <a:ea typeface="+mj-ea"/>
+                <a:cs typeface="+mj-cs"/>
+              </a:rPr>
+              <a:t>.</a:t>
+            </a:r>
+          </a:p>
+          <a:p>
+            <a:pPr lvl="1"/>
+            <a:r>
+              <a:rPr lang="uk-UA" sz="3200" b="1" dirty="0" smtClean="0">
+                <a:solidFill>
+                  <a:schemeClr val="tx2"/>
+                </a:solidFill>
+                <a:effectLst>
+                  <a:outerShdw blurRad="63500" dist="38100" dir="5400000" algn="t" rotWithShape="0">
+                    <a:prstClr val="black">
+                      <a:alpha val="25000"/>
+                    </a:prstClr>
+                  </a:outerShdw>
+                </a:effectLst>
+                <a:ea typeface="+mj-ea"/>
+                <a:cs typeface="+mj-cs"/>
+              </a:rPr>
+              <a:t>А) </a:t>
+            </a:r>
+            <a:r>
+              <a:rPr lang="uk-UA" sz="3200" dirty="0" smtClean="0">
+                <a:solidFill>
+                  <a:schemeClr val="tx2"/>
+                </a:solidFill>
+                <a:effectLst>
+                  <a:outerShdw blurRad="63500" dist="38100" dir="5400000" algn="t" rotWithShape="0">
+                    <a:prstClr val="black">
+                      <a:alpha val="25000"/>
+                    </a:prstClr>
+                  </a:outerShdw>
+                </a:effectLst>
+                <a:ea typeface="+mj-ea"/>
+                <a:cs typeface="+mj-cs"/>
+              </a:rPr>
+              <a:t>Якщо </a:t>
+            </a:r>
+            <a:r>
+              <a:rPr lang="uk-UA" sz="3200" dirty="0">
+                <a:solidFill>
+                  <a:schemeClr val="tx2"/>
+                </a:solidFill>
+                <a:effectLst>
+                  <a:outerShdw blurRad="63500" dist="38100" dir="5400000" algn="t" rotWithShape="0">
+                    <a:prstClr val="black">
+                      <a:alpha val="25000"/>
+                    </a:prstClr>
+                  </a:outerShdw>
+                </a:effectLst>
+                <a:ea typeface="+mj-ea"/>
+                <a:cs typeface="+mj-cs"/>
+              </a:rPr>
+              <a:t>перехід веде в одну гру – </a:t>
+            </a:r>
+            <a:r>
+              <a:rPr lang="uk-UA" sz="3200" dirty="0" smtClean="0">
+                <a:solidFill>
+                  <a:schemeClr val="tx2"/>
+                </a:solidFill>
+                <a:effectLst>
+                  <a:outerShdw blurRad="63500" dist="38100" dir="5400000" algn="t" rotWithShape="0">
+                    <a:prstClr val="black">
+                      <a:alpha val="25000"/>
+                    </a:prstClr>
+                  </a:outerShdw>
+                </a:effectLst>
+                <a:ea typeface="+mj-ea"/>
+                <a:cs typeface="+mj-cs"/>
+              </a:rPr>
+              <a:t>виконати кроки 1, 2а для нової гри</a:t>
+            </a:r>
+            <a:endParaRPr lang="en-US" sz="3200" dirty="0">
+              <a:solidFill>
+                <a:schemeClr val="tx2"/>
+              </a:solidFill>
+              <a:effectLst>
+                <a:outerShdw blurRad="63500" dist="38100" dir="5400000" algn="t" rotWithShape="0">
+                  <a:prstClr val="black">
+                    <a:alpha val="25000"/>
+                  </a:prstClr>
+                </a:outerShdw>
+              </a:effectLst>
+              <a:ea typeface="+mj-ea"/>
+              <a:cs typeface="+mj-cs"/>
+            </a:endParaRPr>
+          </a:p>
+          <a:p>
+            <a:pPr lvl="1"/>
+            <a:r>
+              <a:rPr lang="uk-UA" sz="3200" b="1" dirty="0" smtClean="0">
+                <a:solidFill>
+                  <a:schemeClr val="tx2"/>
+                </a:solidFill>
+                <a:effectLst>
+                  <a:outerShdw blurRad="63500" dist="38100" dir="5400000" algn="t" rotWithShape="0">
+                    <a:prstClr val="black">
+                      <a:alpha val="25000"/>
+                    </a:prstClr>
+                  </a:outerShdw>
+                </a:effectLst>
+                <a:ea typeface="+mj-ea"/>
+                <a:cs typeface="+mj-cs"/>
+              </a:rPr>
+              <a:t>Б) </a:t>
+            </a:r>
+            <a:r>
+              <a:rPr lang="uk-UA" sz="3200" dirty="0" smtClean="0">
+                <a:solidFill>
+                  <a:schemeClr val="tx2"/>
+                </a:solidFill>
+                <a:effectLst>
+                  <a:outerShdw blurRad="63500" dist="38100" dir="5400000" algn="t" rotWithShape="0">
+                    <a:prstClr val="black">
+                      <a:alpha val="25000"/>
+                    </a:prstClr>
+                  </a:outerShdw>
+                </a:effectLst>
+                <a:ea typeface="+mj-ea"/>
+                <a:cs typeface="+mj-cs"/>
+              </a:rPr>
+              <a:t>Якщо </a:t>
+            </a:r>
+            <a:r>
+              <a:rPr lang="uk-UA" sz="3200" dirty="0">
+                <a:solidFill>
+                  <a:schemeClr val="tx2"/>
+                </a:solidFill>
+                <a:effectLst>
+                  <a:outerShdw blurRad="63500" dist="38100" dir="5400000" algn="t" rotWithShape="0">
+                    <a:prstClr val="black">
+                      <a:alpha val="25000"/>
+                    </a:prstClr>
+                  </a:outerShdw>
+                </a:effectLst>
+                <a:ea typeface="+mj-ea"/>
+                <a:cs typeface="+mj-cs"/>
+              </a:rPr>
+              <a:t>перехід веде в в суму ігор – порахувати значення Шпрага-Гранді як нім-суму значень Шпрага-Гранді цих ігор</a:t>
+            </a:r>
+            <a:endParaRPr lang="en-US" sz="3200" dirty="0">
+              <a:solidFill>
+                <a:schemeClr val="tx2"/>
+              </a:solidFill>
+              <a:effectLst>
+                <a:outerShdw blurRad="63500" dist="38100" dir="5400000" algn="t" rotWithShape="0">
+                  <a:prstClr val="black">
+                    <a:alpha val="25000"/>
+                  </a:prstClr>
+                </a:outerShdw>
+              </a:effectLst>
+              <a:ea typeface="+mj-ea"/>
+              <a:cs typeface="+mj-cs"/>
+            </a:endParaRPr>
+          </a:p>
+        </p:txBody>
+      </p:sp>
+    </p:spTree>
+    <p:extLst>
+      <p:ext uri="{BB962C8B-B14F-4D97-AF65-F5344CB8AC3E}">
+        <p14:creationId xmlns:p14="http://schemas.microsoft.com/office/powerpoint/2010/main" val="476966385"/>
+      </p:ext>
+    </p:extLst>
+  </p:cSld>
+  <p:clrMapOvr>
+    <a:masterClrMapping/>
+  </p:clrMapOvr>
+  <p:timing>
+    <p:tnLst>
+      <p:par>
+        <p:cTn id="1" dur="indefinite" restart="never" nodeType="tmRoot"/>
+      </p:par>
+    </p:tnLst>
+  </p:timing>
+</p:sld>
+</file>
+
+<file path=ppt/slides/slide15.xml><?xml version="1.0" encoding="utf-8"?>
+<p:sld xmlns:a="http://schemas.openxmlformats.org/drawingml/2006/main" xmlns:r="http://schemas.openxmlformats.org/officeDocument/2006/relationships" xmlns:p="http://schemas.openxmlformats.org/presentationml/2006/main">
+  <p:cSld>
+    <p:spTree>
+      <p:nvGrpSpPr>
+        <p:cNvPr id="1" name=""/>
+        <p:cNvGrpSpPr/>
+        <p:nvPr/>
+      </p:nvGrpSpPr>
+      <p:grpSpPr>
+        <a:xfrm>
+          <a:off x="0" y="0"/>
+          <a:ext cx="0" cy="0"/>
+          <a:chOff x="0" y="0"/>
+          <a:chExt cx="0" cy="0"/>
+        </a:xfrm>
+      </p:grpSpPr>
+      <p:sp>
+        <p:nvSpPr>
+          <p:cNvPr id="2" name="Title 1"/>
+          <p:cNvSpPr>
+            <a:spLocks noGrp="1"/>
+          </p:cNvSpPr>
+          <p:nvPr>
+            <p:ph type="title"/>
+          </p:nvPr>
+        </p:nvSpPr>
+        <p:spPr/>
+        <p:txBody>
+          <a:bodyPr/>
+          <a:lstStyle/>
+          <a:p>
+            <a:r>
+              <a:rPr lang="uk-UA" dirty="0" smtClean="0"/>
+              <a:t>Алгоритм</a:t>
+            </a:r>
+            <a:endParaRPr lang="en-US" dirty="0"/>
+          </a:p>
+        </p:txBody>
+      </p:sp>
+      <p:sp>
+        <p:nvSpPr>
+          <p:cNvPr id="4" name="Title 1"/>
+          <p:cNvSpPr txBox="1">
+            <a:spLocks/>
+          </p:cNvSpPr>
+          <p:nvPr/>
+        </p:nvSpPr>
+        <p:spPr>
+          <a:xfrm>
+            <a:off x="0" y="2362200"/>
+            <a:ext cx="9144000" cy="2514600"/>
+          </a:xfrm>
+          <a:prstGeom prst="rect">
+            <a:avLst/>
+          </a:prstGeom>
+        </p:spPr>
+        <p:txBody>
+          <a:bodyPr vert="horz" lIns="91440" tIns="45720" rIns="91440" bIns="45720" rtlCol="0" anchor="b">
+            <a:noAutofit/>
+          </a:bodyPr>
+          <a:lstStyle>
+            <a:lvl1pPr algn="ctr" defTabSz="914400" rtl="0" eaLnBrk="1" latinLnBrk="0" hangingPunct="1">
+              <a:lnSpc>
+                <a:spcPts val="5800"/>
+              </a:lnSpc>
+              <a:spcBef>
+                <a:spcPct val="0"/>
+              </a:spcBef>
+              <a:buNone/>
+              <a:defRPr sz="5400" kern="1200">
+                <a:solidFill>
+                  <a:schemeClr val="tx2"/>
+                </a:solidFill>
+                <a:effectLst>
+                  <a:outerShdw blurRad="63500" dist="38100" dir="5400000" algn="t" rotWithShape="0">
+                    <a:prstClr val="black">
+                      <a:alpha val="25000"/>
+                    </a:prstClr>
+                  </a:outerShdw>
+                </a:effectLst>
+                <a:latin typeface="+mn-lt"/>
+                <a:ea typeface="+mj-ea"/>
+                <a:cs typeface="+mj-cs"/>
+              </a:defRPr>
+            </a:lvl1pPr>
+          </a:lstStyle>
+          <a:p>
+            <a:pPr marL="457200" algn="l"/>
+            <a:r>
+              <a:rPr lang="uk-UA" dirty="0" smtClean="0"/>
+              <a:t>3</a:t>
+            </a:r>
+            <a:r>
+              <a:rPr lang="uk-UA" dirty="0"/>
+              <a:t>.</a:t>
+            </a:r>
+          </a:p>
+          <a:p>
+            <a:pPr marL="457200" algn="l"/>
+            <a:r>
+              <a:rPr lang="uk-UA" dirty="0"/>
+              <a:t>Порахувати </a:t>
+            </a:r>
+            <a:r>
+              <a:rPr lang="en-US" i="1" dirty="0" err="1"/>
+              <a:t>mex</a:t>
+            </a:r>
+            <a:r>
+              <a:rPr lang="en-US" dirty="0"/>
+              <a:t> </a:t>
+            </a:r>
+            <a:r>
+              <a:rPr lang="uk-UA" dirty="0"/>
+              <a:t>для цих значень</a:t>
+            </a:r>
+            <a:endParaRPr lang="en-US" dirty="0"/>
+          </a:p>
+        </p:txBody>
+      </p:sp>
+    </p:spTree>
+    <p:extLst>
+      <p:ext uri="{BB962C8B-B14F-4D97-AF65-F5344CB8AC3E}">
+        <p14:creationId xmlns:p14="http://schemas.microsoft.com/office/powerpoint/2010/main" val="476966385"/>
+      </p:ext>
+    </p:extLst>
+  </p:cSld>
+  <p:clrMapOvr>
+    <a:masterClrMapping/>
+  </p:clrMapOvr>
+  <p:timing>
+    <p:tnLst>
+      <p:par>
+        <p:cTn id="1" dur="indefinite" restart="never" nodeType="tmRoot"/>
+      </p:par>
+    </p:tnLst>
+  </p:timing>
+</p:sld>
+</file>
+
+<file path=ppt/slides/slide16.xml><?xml version="1.0" encoding="utf-8"?>
+<p:sld xmlns:a="http://schemas.openxmlformats.org/drawingml/2006/main" xmlns:r="http://schemas.openxmlformats.org/officeDocument/2006/relationships" xmlns:p="http://schemas.openxmlformats.org/presentationml/2006/main">
+  <p:cSld>
+    <p:spTree>
+      <p:nvGrpSpPr>
+        <p:cNvPr id="1" name=""/>
+        <p:cNvGrpSpPr/>
+        <p:nvPr/>
+      </p:nvGrpSpPr>
+      <p:grpSpPr>
+        <a:xfrm>
+          <a:off x="0" y="0"/>
+          <a:ext cx="0" cy="0"/>
+          <a:chOff x="0" y="0"/>
+          <a:chExt cx="0" cy="0"/>
+        </a:xfrm>
+      </p:grpSpPr>
+      <p:sp>
+        <p:nvSpPr>
+          <p:cNvPr id="2" name="Title 1"/>
+          <p:cNvSpPr>
+            <a:spLocks noGrp="1"/>
+          </p:cNvSpPr>
+          <p:nvPr>
+            <p:ph type="title"/>
+          </p:nvPr>
+        </p:nvSpPr>
+        <p:spPr/>
+        <p:txBody>
+          <a:bodyPr/>
+          <a:lstStyle/>
+          <a:p>
+            <a:r>
+              <a:rPr lang="uk-UA" dirty="0" smtClean="0"/>
+              <a:t>Алгоритм</a:t>
+            </a:r>
+            <a:endParaRPr lang="en-US" dirty="0"/>
+          </a:p>
+        </p:txBody>
+      </p:sp>
+      <p:sp>
+        <p:nvSpPr>
+          <p:cNvPr id="4" name="Title 1"/>
+          <p:cNvSpPr txBox="1">
+            <a:spLocks/>
+          </p:cNvSpPr>
+          <p:nvPr/>
+        </p:nvSpPr>
+        <p:spPr>
+          <a:xfrm>
+            <a:off x="0" y="2438400"/>
+            <a:ext cx="9144000" cy="3124200"/>
+          </a:xfrm>
+          <a:prstGeom prst="rect">
+            <a:avLst/>
+          </a:prstGeom>
+        </p:spPr>
+        <p:txBody>
+          <a:bodyPr vert="horz" lIns="91440" tIns="45720" rIns="91440" bIns="45720" rtlCol="0" anchor="b">
+            <a:noAutofit/>
+          </a:bodyPr>
+          <a:lstStyle>
+            <a:lvl1pPr algn="ctr" defTabSz="914400" rtl="0" eaLnBrk="1" latinLnBrk="0" hangingPunct="1">
+              <a:lnSpc>
+                <a:spcPts val="5800"/>
+              </a:lnSpc>
+              <a:spcBef>
+                <a:spcPct val="0"/>
+              </a:spcBef>
+              <a:buNone/>
+              <a:defRPr sz="5400" kern="1200">
+                <a:solidFill>
+                  <a:schemeClr val="tx2"/>
+                </a:solidFill>
+                <a:effectLst>
+                  <a:outerShdw blurRad="63500" dist="38100" dir="5400000" algn="t" rotWithShape="0">
+                    <a:prstClr val="black">
+                      <a:alpha val="25000"/>
+                    </a:prstClr>
+                  </a:outerShdw>
+                </a:effectLst>
+                <a:latin typeface="+mn-lt"/>
+                <a:ea typeface="+mj-ea"/>
+                <a:cs typeface="+mj-cs"/>
+              </a:defRPr>
+            </a:lvl1pPr>
+          </a:lstStyle>
+          <a:p>
+            <a:pPr lvl="0" algn="l"/>
+            <a:endParaRPr lang="uk-UA" dirty="0" smtClean="0"/>
+          </a:p>
+          <a:p>
+            <a:pPr marL="457200" lvl="0" algn="l"/>
+            <a:r>
+              <a:rPr lang="uk-UA" dirty="0"/>
+              <a:t>4.</a:t>
+            </a:r>
+          </a:p>
+          <a:p>
+            <a:pPr marL="457200" lvl="0" algn="l"/>
+            <a:r>
+              <a:rPr lang="uk-UA" dirty="0"/>
+              <a:t>Якщо </a:t>
+            </a:r>
+            <a:r>
+              <a:rPr lang="uk-UA" dirty="0"/>
+              <a:t>отримане значення рівне </a:t>
+            </a:r>
+            <a:r>
+              <a:rPr lang="uk-UA" dirty="0"/>
+              <a:t>нулю - гравець програє. Інакше виграє</a:t>
+            </a:r>
+            <a:endParaRPr lang="en-US" dirty="0"/>
+          </a:p>
+        </p:txBody>
+      </p:sp>
+    </p:spTree>
+    <p:extLst>
+      <p:ext uri="{BB962C8B-B14F-4D97-AF65-F5344CB8AC3E}">
+        <p14:creationId xmlns:p14="http://schemas.microsoft.com/office/powerpoint/2010/main" val="117651011"/>
+      </p:ext>
+    </p:extLst>
+  </p:cSld>
+  <p:clrMapOvr>
+    <a:masterClrMapping/>
+  </p:clrMapOvr>
+  <p:timing>
+    <p:tnLst>
+      <p:par>
+        <p:cTn id="1" dur="indefinite" restart="never" nodeType="tmRoot"/>
+      </p:par>
+    </p:tnLst>
+  </p:timing>
+</p:sld>
+</file>
+
+<file path=ppt/slides/slide17.xml><?xml version="1.0" encoding="utf-8"?>
+<p:sld xmlns:a="http://schemas.openxmlformats.org/drawingml/2006/main" xmlns:r="http://schemas.openxmlformats.org/officeDocument/2006/relationships" xmlns:p="http://schemas.openxmlformats.org/presentationml/2006/main">
+  <p:cSld>
+    <p:spTree>
+      <p:nvGrpSpPr>
+        <p:cNvPr id="1" name=""/>
+        <p:cNvGrpSpPr/>
+        <p:nvPr/>
+      </p:nvGrpSpPr>
+      <p:grpSpPr>
+        <a:xfrm>
+          <a:off x="0" y="0"/>
+          <a:ext cx="0" cy="0"/>
+          <a:chOff x="0" y="0"/>
+          <a:chExt cx="0" cy="0"/>
+        </a:xfrm>
+      </p:grpSpPr>
+      <p:sp>
+        <p:nvSpPr>
+          <p:cNvPr id="2" name="Title 1"/>
+          <p:cNvSpPr>
+            <a:spLocks noGrp="1"/>
+          </p:cNvSpPr>
+          <p:nvPr>
+            <p:ph type="title"/>
+          </p:nvPr>
+        </p:nvSpPr>
+        <p:spPr/>
+        <p:txBody>
+          <a:bodyPr/>
+          <a:lstStyle/>
+          <a:p>
+            <a:r>
+              <a:rPr lang="uk-UA" dirty="0" smtClean="0"/>
+              <a:t>Оптимальна гра</a:t>
+            </a:r>
+            <a:endParaRPr lang="en-US" dirty="0"/>
+          </a:p>
+        </p:txBody>
+      </p:sp>
+      <p:sp>
+        <p:nvSpPr>
+          <p:cNvPr id="4" name="Title 1"/>
+          <p:cNvSpPr txBox="1">
+            <a:spLocks/>
+          </p:cNvSpPr>
+          <p:nvPr/>
+        </p:nvSpPr>
+        <p:spPr>
+          <a:xfrm>
+            <a:off x="0" y="2590800"/>
+            <a:ext cx="9144000" cy="2438400"/>
+          </a:xfrm>
+          <a:prstGeom prst="rect">
+            <a:avLst/>
+          </a:prstGeom>
+        </p:spPr>
+        <p:txBody>
+          <a:bodyPr vert="horz" lIns="91440" tIns="45720" rIns="91440" bIns="45720" rtlCol="0" anchor="b">
+            <a:noAutofit/>
+          </a:bodyPr>
+          <a:lstStyle>
+            <a:lvl1pPr algn="ctr" defTabSz="914400" rtl="0" eaLnBrk="1" latinLnBrk="0" hangingPunct="1">
+              <a:lnSpc>
+                <a:spcPts val="5800"/>
+              </a:lnSpc>
+              <a:spcBef>
+                <a:spcPct val="0"/>
+              </a:spcBef>
+              <a:buNone/>
+              <a:defRPr sz="5400" kern="1200">
+                <a:solidFill>
+                  <a:schemeClr val="tx2"/>
+                </a:solidFill>
+                <a:effectLst>
+                  <a:outerShdw blurRad="63500" dist="38100" dir="5400000" algn="t" rotWithShape="0">
+                    <a:prstClr val="black">
+                      <a:alpha val="25000"/>
+                    </a:prstClr>
+                  </a:outerShdw>
+                </a:effectLst>
+                <a:latin typeface="+mn-lt"/>
+                <a:ea typeface="+mj-ea"/>
+                <a:cs typeface="+mj-cs"/>
+              </a:defRPr>
+            </a:lvl1pPr>
+          </a:lstStyle>
+          <a:p>
+            <a:pPr lvl="0"/>
+            <a:r>
+              <a:rPr lang="uk-UA" dirty="0" smtClean="0"/>
+              <a:t>Оптимальній хід можна знайти розв’язавши відповідне нім-рівняння</a:t>
+            </a:r>
+            <a:endParaRPr lang="en-US" dirty="0"/>
+          </a:p>
+        </p:txBody>
+      </p:sp>
+    </p:spTree>
+    <p:extLst>
+      <p:ext uri="{BB962C8B-B14F-4D97-AF65-F5344CB8AC3E}">
+        <p14:creationId xmlns:p14="http://schemas.microsoft.com/office/powerpoint/2010/main" val="1476201824"/>
+      </p:ext>
+    </p:extLst>
+  </p:cSld>
+  <p:clrMapOvr>
+    <a:masterClrMapping/>
+  </p:clrMapOvr>
+  <p:timing>
+    <p:tnLst>
+      <p:par>
+        <p:cTn id="1" dur="indefinite" restart="never" nodeType="tmRoot"/>
+      </p:par>
+    </p:tnLst>
+  </p:timing>
+</p:sld>
+</file>
+
+<file path=ppt/slides/slide18.xml><?xml version="1.0" encoding="utf-8"?>
+<p:sld xmlns:a="http://schemas.openxmlformats.org/drawingml/2006/main" xmlns:r="http://schemas.openxmlformats.org/officeDocument/2006/relationships" xmlns:p="http://schemas.openxmlformats.org/presentationml/2006/main">
+  <p:cSld>
+    <p:spTree>
+      <p:nvGrpSpPr>
+        <p:cNvPr id="1" name=""/>
+        <p:cNvGrpSpPr/>
+        <p:nvPr/>
+      </p:nvGrpSpPr>
+      <p:grpSpPr>
+        <a:xfrm>
+          <a:off x="0" y="0"/>
+          <a:ext cx="0" cy="0"/>
+          <a:chOff x="0" y="0"/>
+          <a:chExt cx="0" cy="0"/>
+        </a:xfrm>
+      </p:grpSpPr>
+      <p:sp>
+        <p:nvSpPr>
+          <p:cNvPr id="2" name="Title 1"/>
+          <p:cNvSpPr>
+            <a:spLocks noGrp="1"/>
+          </p:cNvSpPr>
+          <p:nvPr>
+            <p:ph type="title"/>
+          </p:nvPr>
+        </p:nvSpPr>
+        <p:spPr>
+          <a:xfrm>
+            <a:off x="0" y="2667000"/>
+            <a:ext cx="9144000" cy="1143000"/>
+          </a:xfrm>
+        </p:spPr>
+        <p:txBody>
+          <a:bodyPr/>
+          <a:lstStyle/>
+          <a:p>
+            <a:r>
+              <a:rPr lang="uk-UA" sz="6600" dirty="0" smtClean="0"/>
+              <a:t>Практика</a:t>
+            </a:r>
+            <a:endParaRPr lang="en-US" sz="6600" dirty="0"/>
+          </a:p>
+        </p:txBody>
+      </p:sp>
+    </p:spTree>
+    <p:extLst>
+      <p:ext uri="{BB962C8B-B14F-4D97-AF65-F5344CB8AC3E}">
+        <p14:creationId xmlns:p14="http://schemas.microsoft.com/office/powerpoint/2010/main" val="61494672"/>
+      </p:ext>
+    </p:extLst>
+  </p:cSld>
+  <p:clrMapOvr>
+    <a:masterClrMapping/>
+  </p:clrMapOvr>
+  <p:timing>
+    <p:tnLst>
+      <p:par>
+        <p:cTn id="1" dur="indefinite" restart="never" nodeType="tmRoot"/>
+      </p:par>
+    </p:tnLst>
+  </p:timing>
+</p:sld>
+</file>
+
+<file path=ppt/slides/slide19.xml><?xml version="1.0" encoding="utf-8"?>
+<p:sld xmlns:a="http://schemas.openxmlformats.org/drawingml/2006/main" xmlns:r="http://schemas.openxmlformats.org/officeDocument/2006/relationships" xmlns:p="http://schemas.openxmlformats.org/presentationml/2006/main">
+  <p:cSld>
+    <p:spTree>
+      <p:nvGrpSpPr>
+        <p:cNvPr id="1" name=""/>
+        <p:cNvGrpSpPr/>
+        <p:nvPr/>
+      </p:nvGrpSpPr>
+      <p:grpSpPr>
+        <a:xfrm>
+          <a:off x="0" y="0"/>
+          <a:ext cx="0" cy="0"/>
+          <a:chOff x="0" y="0"/>
+          <a:chExt cx="0" cy="0"/>
+        </a:xfrm>
+      </p:grpSpPr>
+      <p:sp>
+        <p:nvSpPr>
+          <p:cNvPr id="2" name="Title 1"/>
+          <p:cNvSpPr>
+            <a:spLocks noGrp="1"/>
+          </p:cNvSpPr>
+          <p:nvPr>
+            <p:ph type="title"/>
+          </p:nvPr>
+        </p:nvSpPr>
+        <p:spPr>
+          <a:xfrm>
+            <a:off x="0" y="0"/>
+            <a:ext cx="9144000" cy="1600200"/>
+          </a:xfrm>
+        </p:spPr>
+        <p:txBody>
+          <a:bodyPr/>
+          <a:lstStyle/>
+          <a:p>
+            <a:r>
+              <a:rPr lang="uk-UA" dirty="0"/>
+              <a:t>Гра </a:t>
+            </a:r>
+            <a:r>
+              <a:rPr lang="uk-UA" dirty="0" smtClean="0"/>
+              <a:t>«Шахи Доусона»</a:t>
+            </a:r>
+            <a:endParaRPr lang="en-US" dirty="0"/>
+          </a:p>
+        </p:txBody>
+      </p:sp>
+      <mc:AlternateContent xmlns:mc="http://schemas.openxmlformats.org/markup-compatibility/2006">
+        <mc:Choice xmlns:a14="http://schemas.microsoft.com/office/drawing/2010/main" Requires="a14">
           <p:sp>
             <p:nvSpPr>
               <p:cNvPr id="3" name="Content Placeholder 2"/>
@@ -4396,7 +5775,7 @@
             </p:nvSpPr>
             <p:spPr>
               <a:xfrm>
-                <a:off x="609600" y="3276600"/>
+                <a:off x="457200" y="4648200"/>
                 <a:ext cx="8229600" cy="1447799"/>
               </a:xfrm>
             </p:spPr>
@@ -4605,7 +5984,7 @@
             </p:txBody>
           </p:sp>
         </mc:Choice>
-        <mc:Fallback xmlns="">
+        <mc:Fallback>
           <p:sp>
             <p:nvSpPr>
               <p:cNvPr id="3" name="Content Placeholder 2"/>
@@ -4618,7 +5997,7 @@
             </p:nvSpPr>
             <p:spPr>
               <a:xfrm>
-                <a:off x="609600" y="3276600"/>
+                <a:off x="457200" y="4648200"/>
                 <a:ext cx="8229600" cy="1447799"/>
               </a:xfrm>
               <a:blipFill rotWithShape="1">
@@ -4691,1012 +6070,55 @@
             </a:lvl1pPr>
           </a:lstStyle>
           <a:p>
-            <a:r>
-              <a:rPr lang="uk-UA" sz="4400" dirty="0" smtClean="0"/>
-              <a:t>Гра «Хрестики-Хрестики»</a:t>
-            </a:r>
             <a:endParaRPr lang="en-US" sz="4400" dirty="0"/>
           </a:p>
         </p:txBody>
       </p:sp>
+      <p:pic>
+        <p:nvPicPr>
+          <p:cNvPr id="2050" name="Picture 2" descr="D:\apps\edu\MasterThesis\PaperWork\pics\DawsonChess2.gif"/>
+          <p:cNvPicPr>
+            <a:picLocks noChangeAspect="1" noChangeArrowheads="1"/>
+          </p:cNvPicPr>
+          <p:nvPr/>
+        </p:nvPicPr>
+        <p:blipFill>
+          <a:blip r:embed="rId3">
+            <a:extLst>
+              <a:ext uri="{28A0092B-C50C-407E-A947-70E740481C1C}">
+                <a14:useLocalDpi xmlns:a14="http://schemas.microsoft.com/office/drawing/2010/main" val="0"/>
+              </a:ext>
+            </a:extLst>
+          </a:blip>
+          <a:srcRect/>
+          <a:stretch>
+            <a:fillRect/>
+          </a:stretch>
+        </p:blipFill>
+        <p:spPr bwMode="auto">
+          <a:xfrm>
+            <a:off x="1676400" y="2140528"/>
+            <a:ext cx="5410200" cy="1810296"/>
+          </a:xfrm>
+          <a:prstGeom prst="rect">
+            <a:avLst/>
+          </a:prstGeom>
+          <a:noFill/>
+          <a:extLst>
+            <a:ext uri="{909E8E84-426E-40DD-AFC4-6F175D3DCCD1}">
+              <a14:hiddenFill xmlns:a14="http://schemas.microsoft.com/office/drawing/2010/main">
+                <a:solidFill>
+                  <a:srgbClr val="FFFFFF"/>
+                </a:solidFill>
+              </a14:hiddenFill>
+            </a:ext>
+          </a:extLst>
+        </p:spPr>
+      </p:pic>
     </p:spTree>
     <p:extLst>
       <p:ext uri="{BB962C8B-B14F-4D97-AF65-F5344CB8AC3E}">
         <p14:creationId xmlns:p14="http://schemas.microsoft.com/office/powerpoint/2010/main" val="1110461767"/>
-      </p:ext>
-    </p:extLst>
-  </p:cSld>
-  <p:clrMapOvr>
-    <a:masterClrMapping/>
-  </p:clrMapOvr>
-  <p:timing>
-    <p:tnLst>
-      <p:par>
-        <p:cTn id="1" dur="indefinite" restart="never" nodeType="tmRoot"/>
-      </p:par>
-    </p:tnLst>
-  </p:timing>
-</p:sld>
-</file>
-
-<file path=ppt/slides/slide13.xml><?xml version="1.0" encoding="utf-8"?>
-<p:sld xmlns:a="http://schemas.openxmlformats.org/drawingml/2006/main" xmlns:r="http://schemas.openxmlformats.org/officeDocument/2006/relationships" xmlns:p="http://schemas.openxmlformats.org/presentationml/2006/main">
-  <p:cSld>
-    <p:spTree>
-      <p:nvGrpSpPr>
-        <p:cNvPr id="1" name=""/>
-        <p:cNvGrpSpPr/>
-        <p:nvPr/>
-      </p:nvGrpSpPr>
-      <p:grpSpPr>
-        <a:xfrm>
-          <a:off x="0" y="0"/>
-          <a:ext cx="0" cy="0"/>
-          <a:chOff x="0" y="0"/>
-          <a:chExt cx="0" cy="0"/>
-        </a:xfrm>
-      </p:grpSpPr>
-      <p:sp>
-        <p:nvSpPr>
-          <p:cNvPr id="2" name="Title 1"/>
-          <p:cNvSpPr>
-            <a:spLocks noGrp="1"/>
-          </p:cNvSpPr>
-          <p:nvPr>
-            <p:ph type="title"/>
-          </p:nvPr>
-        </p:nvSpPr>
-        <p:spPr/>
-        <p:txBody>
-          <a:bodyPr/>
-          <a:lstStyle/>
-          <a:p>
-            <a:r>
-              <a:rPr lang="uk-UA" b="1" dirty="0" smtClean="0"/>
-              <a:t>Приклад</a:t>
-            </a:r>
-            <a:endParaRPr lang="en-US" b="1" dirty="0"/>
-          </a:p>
-        </p:txBody>
-      </p:sp>
-      <p:sp>
-        <p:nvSpPr>
-          <p:cNvPr id="4" name="Title 1"/>
-          <p:cNvSpPr txBox="1">
-            <a:spLocks/>
-          </p:cNvSpPr>
-          <p:nvPr/>
-        </p:nvSpPr>
-        <p:spPr>
-          <a:xfrm>
-            <a:off x="609600" y="1905000"/>
-            <a:ext cx="8229600" cy="800100"/>
-          </a:xfrm>
-          <a:prstGeom prst="rect">
-            <a:avLst/>
-          </a:prstGeom>
-        </p:spPr>
-        <p:txBody>
-          <a:bodyPr vert="horz" lIns="91440" tIns="45720" rIns="91440" bIns="45720" rtlCol="0" anchor="b">
-            <a:noAutofit/>
-          </a:bodyPr>
-          <a:lstStyle>
-            <a:lvl1pPr algn="ctr" defTabSz="914400" rtl="0" eaLnBrk="1" latinLnBrk="0" hangingPunct="1">
-              <a:lnSpc>
-                <a:spcPts val="5800"/>
-              </a:lnSpc>
-              <a:spcBef>
-                <a:spcPct val="0"/>
-              </a:spcBef>
-              <a:buNone/>
-              <a:defRPr sz="5400" kern="1200">
-                <a:solidFill>
-                  <a:schemeClr val="tx2"/>
-                </a:solidFill>
-                <a:effectLst>
-                  <a:outerShdw blurRad="63500" dist="38100" dir="5400000" algn="t" rotWithShape="0">
-                    <a:prstClr val="black">
-                      <a:alpha val="25000"/>
-                    </a:prstClr>
-                  </a:outerShdw>
-                </a:effectLst>
-                <a:latin typeface="+mn-lt"/>
-                <a:ea typeface="+mj-ea"/>
-                <a:cs typeface="+mj-cs"/>
-              </a:defRPr>
-            </a:lvl1pPr>
-          </a:lstStyle>
-          <a:p>
-            <a:r>
-              <a:rPr lang="uk-UA" sz="4400" dirty="0" smtClean="0"/>
-              <a:t>Гра «Заведи ферзя в кут»</a:t>
-            </a:r>
-            <a:endParaRPr lang="en-US" sz="4400" dirty="0"/>
-          </a:p>
-        </p:txBody>
-      </p:sp>
-      <mc:AlternateContent xmlns:mc="http://schemas.openxmlformats.org/markup-compatibility/2006" xmlns:a14="http://schemas.microsoft.com/office/drawing/2010/main">
-        <mc:Choice Requires="a14">
-          <p:sp>
-            <p:nvSpPr>
-              <p:cNvPr id="7" name="Content Placeholder 2"/>
-              <p:cNvSpPr>
-                <a:spLocks noGrp="1"/>
-              </p:cNvSpPr>
-              <p:nvPr>
-                <p:ph idx="1"/>
-              </p:nvPr>
-            </p:nvSpPr>
-            <p:spPr>
-              <a:xfrm>
-                <a:off x="0" y="3733800"/>
-                <a:ext cx="9144000" cy="762000"/>
-              </a:xfrm>
-            </p:spPr>
-            <p:txBody>
-              <a:bodyPr>
-                <a:normAutofit/>
-              </a:bodyPr>
-              <a:lstStyle/>
-              <a:p>
-                <a14:m>
-                  <m:oMath xmlns:m="http://schemas.openxmlformats.org/officeDocument/2006/math">
-                    <m:r>
-                      <a:rPr lang="uk-UA" sz="1800" i="1" smtClean="0">
-                        <a:latin typeface="Cambria Math"/>
-                      </a:rPr>
-                      <m:t>𝑔</m:t>
-                    </m:r>
-                    <m:d>
-                      <m:dPr>
-                        <m:ctrlPr>
-                          <a:rPr lang="en-US" sz="1800" i="1">
-                            <a:latin typeface="Cambria Math"/>
-                          </a:rPr>
-                        </m:ctrlPr>
-                      </m:dPr>
-                      <m:e>
-                        <m:r>
-                          <a:rPr lang="uk-UA" sz="1800" i="1">
-                            <a:latin typeface="Cambria Math"/>
-                          </a:rPr>
-                          <m:t>𝑛</m:t>
-                        </m:r>
-                        <m:r>
-                          <a:rPr lang="en-US" sz="1800" i="1">
-                            <a:latin typeface="Cambria Math"/>
-                          </a:rPr>
-                          <m:t>,</m:t>
-                        </m:r>
-                        <m:r>
-                          <a:rPr lang="en-US" sz="1800" i="1">
-                            <a:latin typeface="Cambria Math"/>
-                          </a:rPr>
-                          <m:t>𝑚</m:t>
-                        </m:r>
-                      </m:e>
-                    </m:d>
-                    <m:r>
-                      <a:rPr lang="uk-UA" sz="1800" i="1">
-                        <a:latin typeface="Cambria Math"/>
-                      </a:rPr>
-                      <m:t>=</m:t>
-                    </m:r>
-                    <m:r>
-                      <a:rPr lang="uk-UA" sz="1800" i="1">
-                        <a:latin typeface="Cambria Math"/>
-                      </a:rPr>
-                      <m:t>𝑚𝑒𝑥</m:t>
-                    </m:r>
-                    <m:r>
-                      <a:rPr lang="uk-UA" sz="1800" i="1">
-                        <a:latin typeface="Cambria Math"/>
-                      </a:rPr>
-                      <m:t>{</m:t>
-                    </m:r>
-                    <m:nary>
-                      <m:naryPr>
-                        <m:chr m:val="⋃"/>
-                        <m:limLoc m:val="undOvr"/>
-                        <m:ctrlPr>
-                          <a:rPr lang="en-US" sz="1800" i="1">
-                            <a:latin typeface="Cambria Math"/>
-                          </a:rPr>
-                        </m:ctrlPr>
-                      </m:naryPr>
-                      <m:sub>
-                        <m:r>
-                          <a:rPr lang="uk-UA" sz="1800" i="1">
-                            <a:latin typeface="Cambria Math"/>
-                          </a:rPr>
-                          <m:t>𝑖</m:t>
-                        </m:r>
-                        <m:r>
-                          <a:rPr lang="uk-UA" sz="1800" i="1">
-                            <a:latin typeface="Cambria Math"/>
-                          </a:rPr>
-                          <m:t>=1</m:t>
-                        </m:r>
-                      </m:sub>
-                      <m:sup>
-                        <m:r>
-                          <a:rPr lang="uk-UA" sz="1800" i="1">
-                            <a:latin typeface="Cambria Math"/>
-                          </a:rPr>
-                          <m:t>𝑛</m:t>
-                        </m:r>
-                        <m:r>
-                          <a:rPr lang="uk-UA" sz="1800" i="1">
-                            <a:latin typeface="Cambria Math"/>
-                          </a:rPr>
-                          <m:t>−1</m:t>
-                        </m:r>
-                      </m:sup>
-                      <m:e>
-                        <m:r>
-                          <a:rPr lang="uk-UA" sz="1800" i="1">
-                            <a:latin typeface="Cambria Math"/>
-                          </a:rPr>
-                          <m:t>𝑔</m:t>
-                        </m:r>
-                        <m:r>
-                          <a:rPr lang="uk-UA" sz="1800" i="1">
-                            <a:latin typeface="Cambria Math"/>
-                          </a:rPr>
-                          <m:t>(</m:t>
-                        </m:r>
-                        <m:r>
-                          <a:rPr lang="uk-UA" sz="1800" i="1">
-                            <a:latin typeface="Cambria Math"/>
-                          </a:rPr>
-                          <m:t>𝑛</m:t>
-                        </m:r>
-                        <m:r>
-                          <a:rPr lang="uk-UA" sz="1800" i="1">
-                            <a:latin typeface="Cambria Math"/>
-                          </a:rPr>
-                          <m:t>−</m:t>
-                        </m:r>
-                        <m:r>
-                          <a:rPr lang="uk-UA" sz="1800" i="1">
-                            <a:latin typeface="Cambria Math"/>
-                          </a:rPr>
-                          <m:t>𝑖</m:t>
-                        </m:r>
-                        <m:r>
-                          <a:rPr lang="uk-UA" sz="1800" i="1">
-                            <a:latin typeface="Cambria Math"/>
-                          </a:rPr>
-                          <m:t>,</m:t>
-                        </m:r>
-                        <m:r>
-                          <a:rPr lang="uk-UA" sz="1800" i="1">
-                            <a:latin typeface="Cambria Math"/>
-                          </a:rPr>
-                          <m:t>𝑚</m:t>
-                        </m:r>
-                        <m:r>
-                          <a:rPr lang="uk-UA" sz="1800" i="1">
-                            <a:latin typeface="Cambria Math"/>
-                          </a:rPr>
-                          <m:t>)∪</m:t>
-                        </m:r>
-                        <m:nary>
-                          <m:naryPr>
-                            <m:chr m:val="⋃"/>
-                            <m:limLoc m:val="undOvr"/>
-                            <m:ctrlPr>
-                              <a:rPr lang="en-US" sz="1800" i="1">
-                                <a:latin typeface="Cambria Math"/>
-                              </a:rPr>
-                            </m:ctrlPr>
-                          </m:naryPr>
-                          <m:sub>
-                            <m:r>
-                              <a:rPr lang="uk-UA" sz="1800" i="1">
-                                <a:latin typeface="Cambria Math"/>
-                              </a:rPr>
-                              <m:t>𝑖</m:t>
-                            </m:r>
-                            <m:r>
-                              <a:rPr lang="uk-UA" sz="1800" i="1">
-                                <a:latin typeface="Cambria Math"/>
-                              </a:rPr>
-                              <m:t>=1</m:t>
-                            </m:r>
-                          </m:sub>
-                          <m:sup>
-                            <m:func>
-                              <m:funcPr>
-                                <m:ctrlPr>
-                                  <a:rPr lang="en-US" sz="1800" i="1">
-                                    <a:latin typeface="Cambria Math"/>
-                                  </a:rPr>
-                                </m:ctrlPr>
-                              </m:funcPr>
-                              <m:fName>
-                                <m:r>
-                                  <m:rPr>
-                                    <m:sty m:val="p"/>
-                                  </m:rPr>
-                                  <a:rPr lang="uk-UA" sz="1800">
-                                    <a:latin typeface="Cambria Math"/>
-                                  </a:rPr>
-                                  <m:t>min</m:t>
-                                </m:r>
-                              </m:fName>
-                              <m:e>
-                                <m:d>
-                                  <m:dPr>
-                                    <m:ctrlPr>
-                                      <a:rPr lang="en-US" sz="1800" i="1">
-                                        <a:latin typeface="Cambria Math"/>
-                                      </a:rPr>
-                                    </m:ctrlPr>
-                                  </m:dPr>
-                                  <m:e>
-                                    <m:r>
-                                      <a:rPr lang="uk-UA" sz="1800" i="1">
-                                        <a:latin typeface="Cambria Math"/>
-                                      </a:rPr>
-                                      <m:t>𝑛</m:t>
-                                    </m:r>
-                                    <m:r>
-                                      <a:rPr lang="uk-UA" sz="1800" i="1">
-                                        <a:latin typeface="Cambria Math"/>
-                                      </a:rPr>
-                                      <m:t>,</m:t>
-                                    </m:r>
-                                    <m:r>
-                                      <a:rPr lang="uk-UA" sz="1800" i="1">
-                                        <a:latin typeface="Cambria Math"/>
-                                      </a:rPr>
-                                      <m:t>𝑚</m:t>
-                                    </m:r>
-                                  </m:e>
-                                </m:d>
-                              </m:e>
-                            </m:func>
-                            <m:r>
-                              <a:rPr lang="uk-UA" sz="1800" i="1">
-                                <a:latin typeface="Cambria Math"/>
-                              </a:rPr>
-                              <m:t>−1</m:t>
-                            </m:r>
-                          </m:sup>
-                          <m:e>
-                            <m:r>
-                              <a:rPr lang="uk-UA" sz="1800" i="1">
-                                <a:latin typeface="Cambria Math"/>
-                              </a:rPr>
-                              <m:t>𝑔</m:t>
-                            </m:r>
-                            <m:r>
-                              <a:rPr lang="uk-UA" sz="1800" i="1">
-                                <a:latin typeface="Cambria Math"/>
-                              </a:rPr>
-                              <m:t>(</m:t>
-                            </m:r>
-                            <m:r>
-                              <a:rPr lang="uk-UA" sz="1800" i="1">
-                                <a:latin typeface="Cambria Math"/>
-                              </a:rPr>
-                              <m:t>𝑛</m:t>
-                            </m:r>
-                            <m:r>
-                              <a:rPr lang="uk-UA" sz="1800" i="1">
-                                <a:latin typeface="Cambria Math"/>
-                              </a:rPr>
-                              <m:t>−</m:t>
-                            </m:r>
-                            <m:r>
-                              <a:rPr lang="uk-UA" sz="1800" i="1">
-                                <a:latin typeface="Cambria Math"/>
-                              </a:rPr>
-                              <m:t>𝑖</m:t>
-                            </m:r>
-                            <m:r>
-                              <a:rPr lang="uk-UA" sz="1800" i="1">
-                                <a:latin typeface="Cambria Math"/>
-                              </a:rPr>
-                              <m:t>,</m:t>
-                            </m:r>
-                            <m:r>
-                              <a:rPr lang="uk-UA" sz="1800" i="1">
-                                <a:latin typeface="Cambria Math"/>
-                              </a:rPr>
-                              <m:t>𝑚</m:t>
-                            </m:r>
-                            <m:r>
-                              <a:rPr lang="uk-UA" sz="1800" i="1">
-                                <a:latin typeface="Cambria Math"/>
-                              </a:rPr>
-                              <m:t>−</m:t>
-                            </m:r>
-                            <m:r>
-                              <a:rPr lang="uk-UA" sz="1800" i="1">
-                                <a:latin typeface="Cambria Math"/>
-                              </a:rPr>
-                              <m:t>𝑖</m:t>
-                            </m:r>
-                            <m:r>
-                              <a:rPr lang="uk-UA" sz="1800" i="1">
-                                <a:latin typeface="Cambria Math"/>
-                              </a:rPr>
-                              <m:t>)∪</m:t>
-                            </m:r>
-                            <m:nary>
-                              <m:naryPr>
-                                <m:chr m:val="⋃"/>
-                                <m:limLoc m:val="undOvr"/>
-                                <m:ctrlPr>
-                                  <a:rPr lang="en-US" sz="1800" i="1">
-                                    <a:latin typeface="Cambria Math"/>
-                                  </a:rPr>
-                                </m:ctrlPr>
-                              </m:naryPr>
-                              <m:sub>
-                                <m:r>
-                                  <a:rPr lang="uk-UA" sz="1800" i="1">
-                                    <a:latin typeface="Cambria Math"/>
-                                  </a:rPr>
-                                  <m:t>𝑖</m:t>
-                                </m:r>
-                                <m:r>
-                                  <a:rPr lang="uk-UA" sz="1800" i="1">
-                                    <a:latin typeface="Cambria Math"/>
-                                  </a:rPr>
-                                  <m:t>=1</m:t>
-                                </m:r>
-                              </m:sub>
-                              <m:sup>
-                                <m:r>
-                                  <a:rPr lang="uk-UA" sz="1800" i="1">
-                                    <a:latin typeface="Cambria Math"/>
-                                  </a:rPr>
-                                  <m:t>𝑚</m:t>
-                                </m:r>
-                                <m:r>
-                                  <a:rPr lang="uk-UA" sz="1800" i="1">
-                                    <a:latin typeface="Cambria Math"/>
-                                  </a:rPr>
-                                  <m:t>−1</m:t>
-                                </m:r>
-                              </m:sup>
-                              <m:e>
-                                <m:r>
-                                  <a:rPr lang="uk-UA" sz="1800" i="1">
-                                    <a:latin typeface="Cambria Math"/>
-                                  </a:rPr>
-                                  <m:t>𝑔</m:t>
-                                </m:r>
-                                <m:r>
-                                  <a:rPr lang="uk-UA" sz="1800" i="1">
-                                    <a:latin typeface="Cambria Math"/>
-                                  </a:rPr>
-                                  <m:t>(</m:t>
-                                </m:r>
-                                <m:r>
-                                  <a:rPr lang="uk-UA" sz="1800" i="1">
-                                    <a:latin typeface="Cambria Math"/>
-                                  </a:rPr>
-                                  <m:t>𝑛</m:t>
-                                </m:r>
-                                <m:r>
-                                  <a:rPr lang="uk-UA" sz="1800" i="1">
-                                    <a:latin typeface="Cambria Math"/>
-                                  </a:rPr>
-                                  <m:t>,</m:t>
-                                </m:r>
-                                <m:r>
-                                  <a:rPr lang="uk-UA" sz="1800" i="1">
-                                    <a:latin typeface="Cambria Math"/>
-                                  </a:rPr>
-                                  <m:t>𝑚</m:t>
-                                </m:r>
-                                <m:r>
-                                  <a:rPr lang="uk-UA" sz="1800" i="1">
-                                    <a:latin typeface="Cambria Math"/>
-                                  </a:rPr>
-                                  <m:t>−</m:t>
-                                </m:r>
-                                <m:r>
-                                  <a:rPr lang="uk-UA" sz="1800" i="1">
-                                    <a:latin typeface="Cambria Math"/>
-                                  </a:rPr>
-                                  <m:t>𝑖</m:t>
-                                </m:r>
-                                <m:r>
-                                  <a:rPr lang="uk-UA" sz="1800" i="1">
-                                    <a:latin typeface="Cambria Math"/>
-                                  </a:rPr>
-                                  <m:t>)</m:t>
-                                </m:r>
-                              </m:e>
-                            </m:nary>
-                          </m:e>
-                        </m:nary>
-                      </m:e>
-                    </m:nary>
-                    <m:r>
-                      <a:rPr lang="uk-UA" sz="1800" i="1">
-                        <a:latin typeface="Cambria Math"/>
-                      </a:rPr>
-                      <m:t>}</m:t>
-                    </m:r>
-                  </m:oMath>
-                </a14:m>
-                <a:endParaRPr lang="en-US" sz="1800" dirty="0"/>
-              </a:p>
-            </p:txBody>
-          </p:sp>
-        </mc:Choice>
-        <mc:Fallback xmlns="">
-          <p:sp>
-            <p:nvSpPr>
-              <p:cNvPr id="7" name="Content Placeholder 2"/>
-              <p:cNvSpPr>
-                <a:spLocks noGrp="1" noRot="1" noChangeAspect="1" noMove="1" noResize="1" noEditPoints="1" noAdjustHandles="1" noChangeArrowheads="1" noChangeShapeType="1" noTextEdit="1"/>
-              </p:cNvSpPr>
-              <p:nvPr>
-                <p:ph idx="1"/>
-              </p:nvPr>
-            </p:nvSpPr>
-            <p:spPr>
-              <a:xfrm>
-                <a:off x="0" y="3733800"/>
-                <a:ext cx="9144000" cy="762000"/>
-              </a:xfrm>
-              <a:blipFill rotWithShape="1">
-                <a:blip r:embed="rId2"/>
-                <a:stretch>
-                  <a:fillRect l="-400" t="-36000" b="-26400"/>
-                </a:stretch>
-              </a:blipFill>
-            </p:spPr>
-            <p:txBody>
-              <a:bodyPr/>
-              <a:lstStyle/>
-              <a:p>
-                <a:r>
-                  <a:rPr lang="en-US">
-                    <a:noFill/>
-                  </a:rPr>
-                  <a:t> </a:t>
-                </a:r>
-              </a:p>
-            </p:txBody>
-          </p:sp>
-        </mc:Fallback>
-      </mc:AlternateContent>
-    </p:spTree>
-    <p:extLst>
-      <p:ext uri="{BB962C8B-B14F-4D97-AF65-F5344CB8AC3E}">
-        <p14:creationId xmlns:p14="http://schemas.microsoft.com/office/powerpoint/2010/main" val="2964775594"/>
-      </p:ext>
-    </p:extLst>
-  </p:cSld>
-  <p:clrMapOvr>
-    <a:masterClrMapping/>
-  </p:clrMapOvr>
-  <p:timing>
-    <p:tnLst>
-      <p:par>
-        <p:cTn id="1" dur="indefinite" restart="never" nodeType="tmRoot"/>
-      </p:par>
-    </p:tnLst>
-  </p:timing>
-</p:sld>
-</file>
-
-<file path=ppt/slides/slide14.xml><?xml version="1.0" encoding="utf-8"?>
-<p:sld xmlns:a="http://schemas.openxmlformats.org/drawingml/2006/main" xmlns:r="http://schemas.openxmlformats.org/officeDocument/2006/relationships" xmlns:p="http://schemas.openxmlformats.org/presentationml/2006/main">
-  <p:cSld>
-    <p:spTree>
-      <p:nvGrpSpPr>
-        <p:cNvPr id="1" name=""/>
-        <p:cNvGrpSpPr/>
-        <p:nvPr/>
-      </p:nvGrpSpPr>
-      <p:grpSpPr>
-        <a:xfrm>
-          <a:off x="0" y="0"/>
-          <a:ext cx="0" cy="0"/>
-          <a:chOff x="0" y="0"/>
-          <a:chExt cx="0" cy="0"/>
-        </a:xfrm>
-      </p:grpSpPr>
-      <p:sp>
-        <p:nvSpPr>
-          <p:cNvPr id="2" name="Title 1"/>
-          <p:cNvSpPr>
-            <a:spLocks noGrp="1"/>
-          </p:cNvSpPr>
-          <p:nvPr>
-            <p:ph type="title"/>
-          </p:nvPr>
-        </p:nvSpPr>
-        <p:spPr/>
-        <p:txBody>
-          <a:bodyPr/>
-          <a:lstStyle/>
-          <a:p>
-            <a:r>
-              <a:rPr lang="uk-UA" b="1" dirty="0" smtClean="0"/>
-              <a:t>Приклад</a:t>
-            </a:r>
-            <a:endParaRPr lang="en-US" b="1" dirty="0"/>
-          </a:p>
-        </p:txBody>
-      </p:sp>
-      <p:sp>
-        <p:nvSpPr>
-          <p:cNvPr id="4" name="Title 1"/>
-          <p:cNvSpPr txBox="1">
-            <a:spLocks/>
-          </p:cNvSpPr>
-          <p:nvPr/>
-        </p:nvSpPr>
-        <p:spPr>
-          <a:xfrm>
-            <a:off x="609600" y="1905000"/>
-            <a:ext cx="8229600" cy="800100"/>
-          </a:xfrm>
-          <a:prstGeom prst="rect">
-            <a:avLst/>
-          </a:prstGeom>
-        </p:spPr>
-        <p:txBody>
-          <a:bodyPr vert="horz" lIns="91440" tIns="45720" rIns="91440" bIns="45720" rtlCol="0" anchor="b">
-            <a:noAutofit/>
-          </a:bodyPr>
-          <a:lstStyle>
-            <a:lvl1pPr algn="ctr" defTabSz="914400" rtl="0" eaLnBrk="1" latinLnBrk="0" hangingPunct="1">
-              <a:lnSpc>
-                <a:spcPts val="5800"/>
-              </a:lnSpc>
-              <a:spcBef>
-                <a:spcPct val="0"/>
-              </a:spcBef>
-              <a:buNone/>
-              <a:defRPr sz="5400" kern="1200">
-                <a:solidFill>
-                  <a:schemeClr val="tx2"/>
-                </a:solidFill>
-                <a:effectLst>
-                  <a:outerShdw blurRad="63500" dist="38100" dir="5400000" algn="t" rotWithShape="0">
-                    <a:prstClr val="black">
-                      <a:alpha val="25000"/>
-                    </a:prstClr>
-                  </a:outerShdw>
-                </a:effectLst>
-                <a:latin typeface="+mn-lt"/>
-                <a:ea typeface="+mj-ea"/>
-                <a:cs typeface="+mj-cs"/>
-              </a:defRPr>
-            </a:lvl1pPr>
-          </a:lstStyle>
-          <a:p>
-            <a:r>
-              <a:rPr lang="uk-UA" sz="4400" dirty="0" smtClean="0"/>
-              <a:t>Гра «Гризун» («</a:t>
-            </a:r>
-            <a:r>
-              <a:rPr lang="en-US" sz="4400" dirty="0" smtClean="0"/>
-              <a:t>Chomp</a:t>
-            </a:r>
-            <a:r>
-              <a:rPr lang="uk-UA" sz="4400" dirty="0" smtClean="0"/>
-              <a:t>»</a:t>
-            </a:r>
-            <a:r>
-              <a:rPr lang="en-US" sz="4400" dirty="0" smtClean="0"/>
-              <a:t>)</a:t>
-            </a:r>
-            <a:endParaRPr lang="en-US" sz="4400" dirty="0"/>
-          </a:p>
-        </p:txBody>
-      </p:sp>
-      <mc:AlternateContent xmlns:mc="http://schemas.openxmlformats.org/markup-compatibility/2006" xmlns:a14="http://schemas.microsoft.com/office/drawing/2010/main">
-        <mc:Choice Requires="a14">
-          <p:sp>
-            <p:nvSpPr>
-              <p:cNvPr id="7" name="Content Placeholder 2"/>
-              <p:cNvSpPr>
-                <a:spLocks noGrp="1"/>
-              </p:cNvSpPr>
-              <p:nvPr>
-                <p:ph idx="1"/>
-              </p:nvPr>
-            </p:nvSpPr>
-            <p:spPr>
-              <a:xfrm>
-                <a:off x="152400" y="3733800"/>
-                <a:ext cx="8991600" cy="2286000"/>
-              </a:xfrm>
-            </p:spPr>
-            <p:txBody>
-              <a:bodyPr>
-                <a:noAutofit/>
-              </a:bodyPr>
-              <a:lstStyle/>
-              <a:p>
-                <a:pPr algn="ctr"/>
-                <a14:m>
-                  <m:oMath xmlns:m="http://schemas.openxmlformats.org/officeDocument/2006/math">
-                    <m:r>
-                      <a:rPr lang="uk-UA" sz="2800" b="0" i="1" smtClean="0">
-                        <a:latin typeface="Cambria Math"/>
-                      </a:rPr>
-                      <m:t>Не піддається аналізу теорією Шпрага−Гранді </m:t>
-                    </m:r>
-                  </m:oMath>
-                </a14:m>
-                <a:r>
-                  <a:rPr lang="uk-UA" sz="2800" b="0" i="1" dirty="0" smtClean="0">
-                    <a:latin typeface="Cambria Math"/>
-                  </a:rPr>
-                  <a:t/>
-                </a:r>
-                <a:br>
-                  <a:rPr lang="uk-UA" sz="2800" b="0" i="1" dirty="0" smtClean="0">
-                    <a:latin typeface="Cambria Math"/>
-                  </a:rPr>
-                </a:br>
-                <a14:m>
-                  <m:oMath xmlns:m="http://schemas.openxmlformats.org/officeDocument/2006/math">
-                    <m:r>
-                      <a:rPr lang="uk-UA" sz="2800" b="0" i="1" smtClean="0">
-                        <a:latin typeface="Cambria Math"/>
-                      </a:rPr>
-                      <m:t>через наявність циклів у графі</m:t>
-                    </m:r>
-                  </m:oMath>
-                </a14:m>
-                <a:endParaRPr lang="en-US" sz="2800" dirty="0"/>
-              </a:p>
-            </p:txBody>
-          </p:sp>
-        </mc:Choice>
-        <mc:Fallback xmlns="">
-          <p:sp>
-            <p:nvSpPr>
-              <p:cNvPr id="7" name="Content Placeholder 2"/>
-              <p:cNvSpPr>
-                <a:spLocks noGrp="1" noRot="1" noChangeAspect="1" noMove="1" noResize="1" noEditPoints="1" noAdjustHandles="1" noChangeArrowheads="1" noChangeShapeType="1" noTextEdit="1"/>
-              </p:cNvSpPr>
-              <p:nvPr>
-                <p:ph idx="1"/>
-              </p:nvPr>
-            </p:nvSpPr>
-            <p:spPr>
-              <a:xfrm>
-                <a:off x="152400" y="3733800"/>
-                <a:ext cx="8991600" cy="2286000"/>
-              </a:xfrm>
-              <a:blipFill rotWithShape="1">
-                <a:blip r:embed="rId3"/>
-                <a:stretch>
-                  <a:fillRect/>
-                </a:stretch>
-              </a:blipFill>
-            </p:spPr>
-            <p:txBody>
-              <a:bodyPr/>
-              <a:lstStyle/>
-              <a:p>
-                <a:r>
-                  <a:rPr lang="en-US">
-                    <a:noFill/>
-                  </a:rPr>
-                  <a:t> </a:t>
-                </a:r>
-              </a:p>
-            </p:txBody>
-          </p:sp>
-        </mc:Fallback>
-      </mc:AlternateContent>
-    </p:spTree>
-    <p:extLst>
-      <p:ext uri="{BB962C8B-B14F-4D97-AF65-F5344CB8AC3E}">
-        <p14:creationId xmlns:p14="http://schemas.microsoft.com/office/powerpoint/2010/main" val="3226495924"/>
-      </p:ext>
-    </p:extLst>
-  </p:cSld>
-  <p:clrMapOvr>
-    <a:masterClrMapping/>
-  </p:clrMapOvr>
-  <p:timing>
-    <p:tnLst>
-      <p:par>
-        <p:cTn id="1" dur="indefinite" restart="never" nodeType="tmRoot"/>
-      </p:par>
-    </p:tnLst>
-  </p:timing>
-</p:sld>
-</file>
-
-<file path=ppt/slides/slide15.xml><?xml version="1.0" encoding="utf-8"?>
-<p:sld xmlns:a="http://schemas.openxmlformats.org/drawingml/2006/main" xmlns:r="http://schemas.openxmlformats.org/officeDocument/2006/relationships" xmlns:p="http://schemas.openxmlformats.org/presentationml/2006/main">
-  <p:cSld>
-    <p:spTree>
-      <p:nvGrpSpPr>
-        <p:cNvPr id="1" name=""/>
-        <p:cNvGrpSpPr/>
-        <p:nvPr/>
-      </p:nvGrpSpPr>
-      <p:grpSpPr>
-        <a:xfrm>
-          <a:off x="0" y="0"/>
-          <a:ext cx="0" cy="0"/>
-          <a:chOff x="0" y="0"/>
-          <a:chExt cx="0" cy="0"/>
-        </a:xfrm>
-      </p:grpSpPr>
-      <p:sp>
-        <p:nvSpPr>
-          <p:cNvPr id="2" name="Title 1"/>
-          <p:cNvSpPr>
-            <a:spLocks noGrp="1"/>
-          </p:cNvSpPr>
-          <p:nvPr>
-            <p:ph type="title"/>
-          </p:nvPr>
-        </p:nvSpPr>
-        <p:spPr/>
-        <p:txBody>
-          <a:bodyPr/>
-          <a:lstStyle/>
-          <a:p>
-            <a:r>
-              <a:rPr lang="uk-UA" b="1" dirty="0" smtClean="0"/>
-              <a:t>Висновок</a:t>
-            </a:r>
-            <a:endParaRPr lang="en-US" b="1" dirty="0"/>
-          </a:p>
-        </p:txBody>
-      </p:sp>
-      <p:sp>
-        <p:nvSpPr>
-          <p:cNvPr id="3" name="Content Placeholder 2"/>
-          <p:cNvSpPr>
-            <a:spLocks noGrp="1"/>
-          </p:cNvSpPr>
-          <p:nvPr>
-            <p:ph idx="1"/>
-          </p:nvPr>
-        </p:nvSpPr>
-        <p:spPr>
-          <a:xfrm>
-            <a:off x="457200" y="2362200"/>
-            <a:ext cx="8229600" cy="3505200"/>
-          </a:xfrm>
-        </p:spPr>
-        <p:txBody>
-          <a:bodyPr>
-            <a:normAutofit fontScale="77500" lnSpcReduction="20000"/>
-          </a:bodyPr>
-          <a:lstStyle/>
-          <a:p>
-            <a:pPr>
-              <a:lnSpc>
-                <a:spcPct val="220000"/>
-              </a:lnSpc>
-            </a:pPr>
-            <a:r>
-              <a:rPr lang="uk-UA" dirty="0" smtClean="0"/>
-              <a:t>Розглянуто рівноправні ігри</a:t>
-            </a:r>
-          </a:p>
-          <a:p>
-            <a:pPr>
-              <a:lnSpc>
-                <a:spcPct val="220000"/>
-              </a:lnSpc>
-            </a:pPr>
-            <a:r>
-              <a:rPr lang="uk-UA" dirty="0" smtClean="0"/>
-              <a:t>Викладено і реалізовано алгоритм їх розвязку</a:t>
-            </a:r>
-          </a:p>
-          <a:p>
-            <a:pPr>
-              <a:lnSpc>
-                <a:spcPct val="220000"/>
-              </a:lnSpc>
-            </a:pPr>
-            <a:r>
-              <a:rPr lang="uk-UA" dirty="0" smtClean="0"/>
-              <a:t>Проведено аналіз швидкодії, додані оптимізації</a:t>
-            </a:r>
-          </a:p>
-          <a:p>
-            <a:pPr>
-              <a:lnSpc>
-                <a:spcPct val="220000"/>
-              </a:lnSpc>
-            </a:pPr>
-            <a:r>
-              <a:rPr lang="uk-UA" dirty="0" smtClean="0"/>
-              <a:t>Знайдено спосіб пошуку оптимального ходу (для деяких ігор)</a:t>
-            </a:r>
-          </a:p>
-          <a:p>
-            <a:pPr>
-              <a:lnSpc>
-                <a:spcPct val="220000"/>
-              </a:lnSpc>
-            </a:pPr>
-            <a:r>
-              <a:rPr lang="uk-UA" dirty="0" smtClean="0"/>
-              <a:t>Проаналізовано можливі подальші дослідження</a:t>
-            </a:r>
-            <a:endParaRPr lang="en-US" dirty="0"/>
-          </a:p>
-        </p:txBody>
-      </p:sp>
-    </p:spTree>
-    <p:extLst>
-      <p:ext uri="{BB962C8B-B14F-4D97-AF65-F5344CB8AC3E}">
-        <p14:creationId xmlns:p14="http://schemas.microsoft.com/office/powerpoint/2010/main" val="1172000418"/>
-      </p:ext>
-    </p:extLst>
-  </p:cSld>
-  <p:clrMapOvr>
-    <a:masterClrMapping/>
-  </p:clrMapOvr>
-</p:sld>
-</file>
-
-<file path=ppt/slides/slide16.xml><?xml version="1.0" encoding="utf-8"?>
-<p:sld xmlns:a="http://schemas.openxmlformats.org/drawingml/2006/main" xmlns:r="http://schemas.openxmlformats.org/officeDocument/2006/relationships" xmlns:p="http://schemas.openxmlformats.org/presentationml/2006/main">
-  <p:cSld>
-    <p:spTree>
-      <p:nvGrpSpPr>
-        <p:cNvPr id="1" name=""/>
-        <p:cNvGrpSpPr/>
-        <p:nvPr/>
-      </p:nvGrpSpPr>
-      <p:grpSpPr>
-        <a:xfrm>
-          <a:off x="0" y="0"/>
-          <a:ext cx="0" cy="0"/>
-          <a:chOff x="0" y="0"/>
-          <a:chExt cx="0" cy="0"/>
-        </a:xfrm>
-      </p:grpSpPr>
-      <p:sp>
-        <p:nvSpPr>
-          <p:cNvPr id="2" name="Title 1"/>
-          <p:cNvSpPr>
-            <a:spLocks noGrp="1"/>
-          </p:cNvSpPr>
-          <p:nvPr>
-            <p:ph type="title"/>
-          </p:nvPr>
-        </p:nvSpPr>
-        <p:spPr>
-          <a:xfrm>
-            <a:off x="533400" y="2286000"/>
-            <a:ext cx="8229600" cy="1600200"/>
-          </a:xfrm>
-        </p:spPr>
-        <p:txBody>
-          <a:bodyPr/>
-          <a:lstStyle/>
-          <a:p>
-            <a:r>
-              <a:rPr lang="uk-UA" dirty="0" smtClean="0"/>
-              <a:t>Дякую за увагу!</a:t>
-            </a:r>
-            <a:endParaRPr lang="en-US" dirty="0"/>
-          </a:p>
-        </p:txBody>
-      </p:sp>
-    </p:spTree>
-    <p:extLst>
-      <p:ext uri="{BB962C8B-B14F-4D97-AF65-F5344CB8AC3E}">
-        <p14:creationId xmlns:p14="http://schemas.microsoft.com/office/powerpoint/2010/main" val="157901859"/>
       </p:ext>
     </p:extLst>
   </p:cSld>
@@ -5732,50 +6154,6 @@
       </p:grpSpPr>
       <p:sp>
         <p:nvSpPr>
-          <p:cNvPr id="2" name="Title 1"/>
-          <p:cNvSpPr>
-            <a:spLocks noGrp="1"/>
-          </p:cNvSpPr>
-          <p:nvPr>
-            <p:ph type="title"/>
-          </p:nvPr>
-        </p:nvSpPr>
-        <p:spPr>
-          <a:xfrm>
-            <a:off x="457200" y="3124200"/>
-            <a:ext cx="8229600" cy="1600200"/>
-          </a:xfrm>
-        </p:spPr>
-        <p:txBody>
-          <a:bodyPr/>
-          <a:lstStyle/>
-          <a:p>
-            <a:r>
-              <a:rPr lang="uk-UA" dirty="0" smtClean="0">
-                <a:latin typeface="Calibri" pitchFamily="34" charset="0"/>
-                <a:cs typeface="Calibri" pitchFamily="34" charset="0"/>
-              </a:rPr>
-              <a:t>Комбінаторні ігри</a:t>
-            </a:r>
-            <a:br>
-              <a:rPr lang="uk-UA" dirty="0" smtClean="0">
-                <a:latin typeface="Calibri" pitchFamily="34" charset="0"/>
-                <a:cs typeface="Calibri" pitchFamily="34" charset="0"/>
-              </a:rPr>
-            </a:br>
-            <a:r>
-              <a:rPr lang="uk-UA" dirty="0" smtClean="0">
-                <a:latin typeface="Calibri" pitchFamily="34" charset="0"/>
-                <a:cs typeface="Calibri" pitchFamily="34" charset="0"/>
-              </a:rPr>
-              <a:t>Рівноправні ігри</a:t>
-            </a:r>
-            <a:endParaRPr lang="en-US" dirty="0"/>
-          </a:p>
-        </p:txBody>
-      </p:sp>
-      <p:sp>
-        <p:nvSpPr>
           <p:cNvPr id="4" name="Title 1"/>
           <p:cNvSpPr txBox="1">
             <a:spLocks/>
@@ -5784,7 +6162,7 @@
         </p:nvSpPr>
         <p:spPr>
           <a:xfrm>
-            <a:off x="609600" y="152400"/>
+            <a:off x="609600" y="2514600"/>
             <a:ext cx="8229600" cy="1600200"/>
           </a:xfrm>
           <a:prstGeom prst="rect">
@@ -5823,10 +6201,10 @@
           </a:lstStyle>
           <a:p>
             <a:r>
-              <a:rPr lang="uk-UA" b="1" dirty="0" smtClean="0"/>
+              <a:rPr lang="uk-UA" sz="8800" b="1" dirty="0" smtClean="0"/>
               <a:t>Теорія</a:t>
             </a:r>
-            <a:endParaRPr lang="en-US" b="1" dirty="0"/>
+            <a:endParaRPr lang="en-US" sz="4400" b="1" dirty="0"/>
           </a:p>
         </p:txBody>
       </p:sp>
@@ -5834,6 +6212,1203 @@
     <p:extLst>
       <p:ext uri="{BB962C8B-B14F-4D97-AF65-F5344CB8AC3E}">
         <p14:creationId xmlns:p14="http://schemas.microsoft.com/office/powerpoint/2010/main" val="596907105"/>
+      </p:ext>
+    </p:extLst>
+  </p:cSld>
+  <p:clrMapOvr>
+    <a:masterClrMapping/>
+  </p:clrMapOvr>
+  <p:timing>
+    <p:tnLst>
+      <p:par>
+        <p:cTn id="1" dur="indefinite" restart="never" nodeType="tmRoot"/>
+      </p:par>
+    </p:tnLst>
+  </p:timing>
+</p:sld>
+</file>
+
+<file path=ppt/slides/slide20.xml><?xml version="1.0" encoding="utf-8"?>
+<p:sld xmlns:a="http://schemas.openxmlformats.org/drawingml/2006/main" xmlns:r="http://schemas.openxmlformats.org/officeDocument/2006/relationships" xmlns:p="http://schemas.openxmlformats.org/presentationml/2006/main">
+  <p:cSld>
+    <p:spTree>
+      <p:nvGrpSpPr>
+        <p:cNvPr id="1" name=""/>
+        <p:cNvGrpSpPr/>
+        <p:nvPr/>
+      </p:nvGrpSpPr>
+      <p:grpSpPr>
+        <a:xfrm>
+          <a:off x="0" y="0"/>
+          <a:ext cx="0" cy="0"/>
+          <a:chOff x="0" y="0"/>
+          <a:chExt cx="0" cy="0"/>
+        </a:xfrm>
+      </p:grpSpPr>
+      <p:sp>
+        <p:nvSpPr>
+          <p:cNvPr id="2" name="Title 1"/>
+          <p:cNvSpPr>
+            <a:spLocks noGrp="1"/>
+          </p:cNvSpPr>
+          <p:nvPr>
+            <p:ph type="title"/>
+          </p:nvPr>
+        </p:nvSpPr>
+        <p:spPr/>
+        <p:txBody>
+          <a:bodyPr/>
+          <a:lstStyle/>
+          <a:p>
+            <a:r>
+              <a:rPr lang="uk-UA" dirty="0"/>
+              <a:t>Гра «Заведи ферзя в кут»</a:t>
+            </a:r>
+            <a:endParaRPr lang="en-US" dirty="0"/>
+          </a:p>
+        </p:txBody>
+      </p:sp>
+      <p:sp>
+        <p:nvSpPr>
+          <p:cNvPr id="4" name="Title 1"/>
+          <p:cNvSpPr txBox="1">
+            <a:spLocks/>
+          </p:cNvSpPr>
+          <p:nvPr/>
+        </p:nvSpPr>
+        <p:spPr>
+          <a:xfrm>
+            <a:off x="609600" y="1905000"/>
+            <a:ext cx="8229600" cy="800100"/>
+          </a:xfrm>
+          <a:prstGeom prst="rect">
+            <a:avLst/>
+          </a:prstGeom>
+        </p:spPr>
+        <p:txBody>
+          <a:bodyPr vert="horz" lIns="91440" tIns="45720" rIns="91440" bIns="45720" rtlCol="0" anchor="b">
+            <a:noAutofit/>
+          </a:bodyPr>
+          <a:lstStyle>
+            <a:lvl1pPr algn="ctr" defTabSz="914400" rtl="0" eaLnBrk="1" latinLnBrk="0" hangingPunct="1">
+              <a:lnSpc>
+                <a:spcPts val="5800"/>
+              </a:lnSpc>
+              <a:spcBef>
+                <a:spcPct val="0"/>
+              </a:spcBef>
+              <a:buNone/>
+              <a:defRPr sz="5400" kern="1200">
+                <a:solidFill>
+                  <a:schemeClr val="tx2"/>
+                </a:solidFill>
+                <a:effectLst>
+                  <a:outerShdw blurRad="63500" dist="38100" dir="5400000" algn="t" rotWithShape="0">
+                    <a:prstClr val="black">
+                      <a:alpha val="25000"/>
+                    </a:prstClr>
+                  </a:outerShdw>
+                </a:effectLst>
+                <a:latin typeface="+mn-lt"/>
+                <a:ea typeface="+mj-ea"/>
+                <a:cs typeface="+mj-cs"/>
+              </a:defRPr>
+            </a:lvl1pPr>
+          </a:lstStyle>
+          <a:p>
+            <a:endParaRPr lang="en-US" sz="4400" dirty="0"/>
+          </a:p>
+        </p:txBody>
+      </p:sp>
+      <mc:AlternateContent xmlns:mc="http://schemas.openxmlformats.org/markup-compatibility/2006">
+        <mc:Choice xmlns:a14="http://schemas.microsoft.com/office/drawing/2010/main" Requires="a14">
+          <p:sp>
+            <p:nvSpPr>
+              <p:cNvPr id="7" name="Content Placeholder 2"/>
+              <p:cNvSpPr>
+                <a:spLocks noGrp="1"/>
+              </p:cNvSpPr>
+              <p:nvPr>
+                <p:ph idx="1"/>
+              </p:nvPr>
+            </p:nvSpPr>
+            <p:spPr>
+              <a:xfrm>
+                <a:off x="0" y="5257800"/>
+                <a:ext cx="9144000" cy="1143000"/>
+              </a:xfrm>
+            </p:spPr>
+            <p:txBody>
+              <a:bodyPr>
+                <a:noAutofit/>
+              </a:bodyPr>
+              <a:lstStyle/>
+              <a:p>
+                <a:pPr marL="0" indent="0">
+                  <a:buNone/>
+                </a:pPr>
+                <a14:m>
+                  <m:oMathPara xmlns:m="http://schemas.openxmlformats.org/officeDocument/2006/math">
+                    <m:oMathParaPr>
+                      <m:jc m:val="centerGroup"/>
+                    </m:oMathParaPr>
+                    <m:oMath xmlns:m="http://schemas.openxmlformats.org/officeDocument/2006/math">
+                      <m:r>
+                        <a:rPr lang="uk-UA" sz="2000" i="1" smtClean="0">
+                          <a:latin typeface="Cambria Math"/>
+                        </a:rPr>
+                        <m:t>𝑔</m:t>
+                      </m:r>
+                      <m:d>
+                        <m:dPr>
+                          <m:ctrlPr>
+                            <a:rPr lang="en-US" sz="2000" i="1">
+                              <a:latin typeface="Cambria Math"/>
+                            </a:rPr>
+                          </m:ctrlPr>
+                        </m:dPr>
+                        <m:e>
+                          <m:r>
+                            <a:rPr lang="uk-UA" sz="2000" i="1">
+                              <a:latin typeface="Cambria Math"/>
+                            </a:rPr>
+                            <m:t>𝑛</m:t>
+                          </m:r>
+                          <m:r>
+                            <a:rPr lang="en-US" sz="2000" i="1">
+                              <a:latin typeface="Cambria Math"/>
+                            </a:rPr>
+                            <m:t>,</m:t>
+                          </m:r>
+                          <m:r>
+                            <a:rPr lang="en-US" sz="2000" i="1">
+                              <a:latin typeface="Cambria Math"/>
+                            </a:rPr>
+                            <m:t>𝑚</m:t>
+                          </m:r>
+                        </m:e>
+                      </m:d>
+                      <m:r>
+                        <a:rPr lang="uk-UA" sz="2000" i="1">
+                          <a:latin typeface="Cambria Math"/>
+                        </a:rPr>
+                        <m:t>=</m:t>
+                      </m:r>
+                      <m:r>
+                        <a:rPr lang="uk-UA" sz="2000" i="1">
+                          <a:latin typeface="Cambria Math"/>
+                        </a:rPr>
+                        <m:t>𝑚𝑒𝑥</m:t>
+                      </m:r>
+                      <m:r>
+                        <a:rPr lang="uk-UA" sz="2000" i="1">
+                          <a:latin typeface="Cambria Math"/>
+                        </a:rPr>
+                        <m:t>{</m:t>
+                      </m:r>
+                      <m:nary>
+                        <m:naryPr>
+                          <m:chr m:val="⋃"/>
+                          <m:limLoc m:val="undOvr"/>
+                          <m:ctrlPr>
+                            <a:rPr lang="en-US" sz="2000" i="1">
+                              <a:latin typeface="Cambria Math"/>
+                            </a:rPr>
+                          </m:ctrlPr>
+                        </m:naryPr>
+                        <m:sub>
+                          <m:r>
+                            <a:rPr lang="uk-UA" sz="2000" i="1">
+                              <a:latin typeface="Cambria Math"/>
+                            </a:rPr>
+                            <m:t>𝑖</m:t>
+                          </m:r>
+                          <m:r>
+                            <a:rPr lang="uk-UA" sz="2000" i="1">
+                              <a:latin typeface="Cambria Math"/>
+                            </a:rPr>
+                            <m:t>=1</m:t>
+                          </m:r>
+                        </m:sub>
+                        <m:sup>
+                          <m:r>
+                            <a:rPr lang="uk-UA" sz="2000" i="1">
+                              <a:latin typeface="Cambria Math"/>
+                            </a:rPr>
+                            <m:t>𝑛</m:t>
+                          </m:r>
+                          <m:r>
+                            <a:rPr lang="uk-UA" sz="2000" i="1">
+                              <a:latin typeface="Cambria Math"/>
+                            </a:rPr>
+                            <m:t>−1</m:t>
+                          </m:r>
+                        </m:sup>
+                        <m:e>
+                          <m:r>
+                            <a:rPr lang="uk-UA" sz="2000" i="1">
+                              <a:latin typeface="Cambria Math"/>
+                            </a:rPr>
+                            <m:t>𝑔</m:t>
+                          </m:r>
+                          <m:r>
+                            <a:rPr lang="uk-UA" sz="2000" i="1">
+                              <a:latin typeface="Cambria Math"/>
+                            </a:rPr>
+                            <m:t>(</m:t>
+                          </m:r>
+                          <m:r>
+                            <a:rPr lang="uk-UA" sz="2000" i="1">
+                              <a:latin typeface="Cambria Math"/>
+                            </a:rPr>
+                            <m:t>𝑛</m:t>
+                          </m:r>
+                          <m:r>
+                            <a:rPr lang="uk-UA" sz="2000" i="1">
+                              <a:latin typeface="Cambria Math"/>
+                            </a:rPr>
+                            <m:t>−</m:t>
+                          </m:r>
+                          <m:r>
+                            <a:rPr lang="uk-UA" sz="2000" i="1">
+                              <a:latin typeface="Cambria Math"/>
+                            </a:rPr>
+                            <m:t>𝑖</m:t>
+                          </m:r>
+                          <m:r>
+                            <a:rPr lang="uk-UA" sz="2000" i="1">
+                              <a:latin typeface="Cambria Math"/>
+                            </a:rPr>
+                            <m:t>,</m:t>
+                          </m:r>
+                          <m:r>
+                            <a:rPr lang="uk-UA" sz="2000" i="1">
+                              <a:latin typeface="Cambria Math"/>
+                            </a:rPr>
+                            <m:t>𝑚</m:t>
+                          </m:r>
+                          <m:r>
+                            <a:rPr lang="uk-UA" sz="2000" i="1">
+                              <a:latin typeface="Cambria Math"/>
+                            </a:rPr>
+                            <m:t>)∪</m:t>
+                          </m:r>
+                          <m:nary>
+                            <m:naryPr>
+                              <m:chr m:val="⋃"/>
+                              <m:limLoc m:val="undOvr"/>
+                              <m:ctrlPr>
+                                <a:rPr lang="en-US" sz="2000" i="1">
+                                  <a:latin typeface="Cambria Math"/>
+                                </a:rPr>
+                              </m:ctrlPr>
+                            </m:naryPr>
+                            <m:sub>
+                              <m:r>
+                                <a:rPr lang="uk-UA" sz="2000" i="1">
+                                  <a:latin typeface="Cambria Math"/>
+                                </a:rPr>
+                                <m:t>𝑖</m:t>
+                              </m:r>
+                              <m:r>
+                                <a:rPr lang="uk-UA" sz="2000" i="1">
+                                  <a:latin typeface="Cambria Math"/>
+                                </a:rPr>
+                                <m:t>=1</m:t>
+                              </m:r>
+                            </m:sub>
+                            <m:sup>
+                              <m:func>
+                                <m:funcPr>
+                                  <m:ctrlPr>
+                                    <a:rPr lang="en-US" sz="2000" i="1">
+                                      <a:latin typeface="Cambria Math"/>
+                                    </a:rPr>
+                                  </m:ctrlPr>
+                                </m:funcPr>
+                                <m:fName>
+                                  <m:r>
+                                    <m:rPr>
+                                      <m:sty m:val="p"/>
+                                    </m:rPr>
+                                    <a:rPr lang="uk-UA" sz="2000">
+                                      <a:latin typeface="Cambria Math"/>
+                                    </a:rPr>
+                                    <m:t>min</m:t>
+                                  </m:r>
+                                </m:fName>
+                                <m:e>
+                                  <m:d>
+                                    <m:dPr>
+                                      <m:ctrlPr>
+                                        <a:rPr lang="en-US" sz="2000" i="1">
+                                          <a:latin typeface="Cambria Math"/>
+                                        </a:rPr>
+                                      </m:ctrlPr>
+                                    </m:dPr>
+                                    <m:e>
+                                      <m:r>
+                                        <a:rPr lang="uk-UA" sz="2000" i="1">
+                                          <a:latin typeface="Cambria Math"/>
+                                        </a:rPr>
+                                        <m:t>𝑛</m:t>
+                                      </m:r>
+                                      <m:r>
+                                        <a:rPr lang="uk-UA" sz="2000" i="1">
+                                          <a:latin typeface="Cambria Math"/>
+                                        </a:rPr>
+                                        <m:t>,</m:t>
+                                      </m:r>
+                                      <m:r>
+                                        <a:rPr lang="uk-UA" sz="2000" i="1">
+                                          <a:latin typeface="Cambria Math"/>
+                                        </a:rPr>
+                                        <m:t>𝑚</m:t>
+                                      </m:r>
+                                    </m:e>
+                                  </m:d>
+                                </m:e>
+                              </m:func>
+                              <m:r>
+                                <a:rPr lang="uk-UA" sz="2000" i="1">
+                                  <a:latin typeface="Cambria Math"/>
+                                </a:rPr>
+                                <m:t>−1</m:t>
+                              </m:r>
+                            </m:sup>
+                            <m:e>
+                              <m:r>
+                                <a:rPr lang="uk-UA" sz="2000" i="1">
+                                  <a:latin typeface="Cambria Math"/>
+                                </a:rPr>
+                                <m:t>𝑔</m:t>
+                              </m:r>
+                              <m:r>
+                                <a:rPr lang="uk-UA" sz="2000" i="1">
+                                  <a:latin typeface="Cambria Math"/>
+                                </a:rPr>
+                                <m:t>(</m:t>
+                              </m:r>
+                              <m:r>
+                                <a:rPr lang="uk-UA" sz="2000" i="1">
+                                  <a:latin typeface="Cambria Math"/>
+                                </a:rPr>
+                                <m:t>𝑛</m:t>
+                              </m:r>
+                              <m:r>
+                                <a:rPr lang="uk-UA" sz="2000" i="1">
+                                  <a:latin typeface="Cambria Math"/>
+                                </a:rPr>
+                                <m:t>−</m:t>
+                              </m:r>
+                              <m:r>
+                                <a:rPr lang="uk-UA" sz="2000" i="1">
+                                  <a:latin typeface="Cambria Math"/>
+                                </a:rPr>
+                                <m:t>𝑖</m:t>
+                              </m:r>
+                              <m:r>
+                                <a:rPr lang="uk-UA" sz="2000" i="1">
+                                  <a:latin typeface="Cambria Math"/>
+                                </a:rPr>
+                                <m:t>,</m:t>
+                              </m:r>
+                              <m:r>
+                                <a:rPr lang="uk-UA" sz="2000" i="1">
+                                  <a:latin typeface="Cambria Math"/>
+                                </a:rPr>
+                                <m:t>𝑚</m:t>
+                              </m:r>
+                              <m:r>
+                                <a:rPr lang="uk-UA" sz="2000" i="1">
+                                  <a:latin typeface="Cambria Math"/>
+                                </a:rPr>
+                                <m:t>−</m:t>
+                              </m:r>
+                              <m:r>
+                                <a:rPr lang="uk-UA" sz="2000" i="1">
+                                  <a:latin typeface="Cambria Math"/>
+                                </a:rPr>
+                                <m:t>𝑖</m:t>
+                              </m:r>
+                              <m:r>
+                                <a:rPr lang="uk-UA" sz="2000" i="1">
+                                  <a:latin typeface="Cambria Math"/>
+                                </a:rPr>
+                                <m:t>)∪</m:t>
+                              </m:r>
+                              <m:nary>
+                                <m:naryPr>
+                                  <m:chr m:val="⋃"/>
+                                  <m:limLoc m:val="undOvr"/>
+                                  <m:ctrlPr>
+                                    <a:rPr lang="en-US" sz="2000" i="1">
+                                      <a:latin typeface="Cambria Math"/>
+                                    </a:rPr>
+                                  </m:ctrlPr>
+                                </m:naryPr>
+                                <m:sub>
+                                  <m:r>
+                                    <a:rPr lang="uk-UA" sz="2000" i="1">
+                                      <a:latin typeface="Cambria Math"/>
+                                    </a:rPr>
+                                    <m:t>𝑖</m:t>
+                                  </m:r>
+                                  <m:r>
+                                    <a:rPr lang="uk-UA" sz="2000" i="1">
+                                      <a:latin typeface="Cambria Math"/>
+                                    </a:rPr>
+                                    <m:t>=1</m:t>
+                                  </m:r>
+                                </m:sub>
+                                <m:sup>
+                                  <m:r>
+                                    <a:rPr lang="uk-UA" sz="2000" i="1">
+                                      <a:latin typeface="Cambria Math"/>
+                                    </a:rPr>
+                                    <m:t>𝑚</m:t>
+                                  </m:r>
+                                  <m:r>
+                                    <a:rPr lang="uk-UA" sz="2000" i="1">
+                                      <a:latin typeface="Cambria Math"/>
+                                    </a:rPr>
+                                    <m:t>−1</m:t>
+                                  </m:r>
+                                </m:sup>
+                                <m:e>
+                                  <m:r>
+                                    <a:rPr lang="uk-UA" sz="2000" i="1">
+                                      <a:latin typeface="Cambria Math"/>
+                                    </a:rPr>
+                                    <m:t>𝑔</m:t>
+                                  </m:r>
+                                  <m:r>
+                                    <a:rPr lang="uk-UA" sz="2000" i="1">
+                                      <a:latin typeface="Cambria Math"/>
+                                    </a:rPr>
+                                    <m:t>(</m:t>
+                                  </m:r>
+                                  <m:r>
+                                    <a:rPr lang="uk-UA" sz="2000" i="1">
+                                      <a:latin typeface="Cambria Math"/>
+                                    </a:rPr>
+                                    <m:t>𝑛</m:t>
+                                  </m:r>
+                                  <m:r>
+                                    <a:rPr lang="uk-UA" sz="2000" i="1">
+                                      <a:latin typeface="Cambria Math"/>
+                                    </a:rPr>
+                                    <m:t>,</m:t>
+                                  </m:r>
+                                  <m:r>
+                                    <a:rPr lang="uk-UA" sz="2000" i="1">
+                                      <a:latin typeface="Cambria Math"/>
+                                    </a:rPr>
+                                    <m:t>𝑚</m:t>
+                                  </m:r>
+                                  <m:r>
+                                    <a:rPr lang="uk-UA" sz="2000" i="1">
+                                      <a:latin typeface="Cambria Math"/>
+                                    </a:rPr>
+                                    <m:t>−</m:t>
+                                  </m:r>
+                                  <m:r>
+                                    <a:rPr lang="uk-UA" sz="2000" i="1">
+                                      <a:latin typeface="Cambria Math"/>
+                                    </a:rPr>
+                                    <m:t>𝑖</m:t>
+                                  </m:r>
+                                  <m:r>
+                                    <a:rPr lang="uk-UA" sz="2000" i="1">
+                                      <a:latin typeface="Cambria Math"/>
+                                    </a:rPr>
+                                    <m:t>)</m:t>
+                                  </m:r>
+                                </m:e>
+                              </m:nary>
+                            </m:e>
+                          </m:nary>
+                        </m:e>
+                      </m:nary>
+                      <m:r>
+                        <a:rPr lang="uk-UA" sz="2000" i="1">
+                          <a:latin typeface="Cambria Math"/>
+                        </a:rPr>
+                        <m:t>}</m:t>
+                      </m:r>
+                    </m:oMath>
+                  </m:oMathPara>
+                </a14:m>
+                <a:endParaRPr lang="en-US" sz="2000" dirty="0"/>
+              </a:p>
+            </p:txBody>
+          </p:sp>
+        </mc:Choice>
+        <mc:Fallback>
+          <p:sp>
+            <p:nvSpPr>
+              <p:cNvPr id="7" name="Content Placeholder 2"/>
+              <p:cNvSpPr>
+                <a:spLocks noGrp="1" noRot="1" noChangeAspect="1" noMove="1" noResize="1" noEditPoints="1" noAdjustHandles="1" noChangeArrowheads="1" noChangeShapeType="1" noTextEdit="1"/>
+              </p:cNvSpPr>
+              <p:nvPr>
+                <p:ph idx="1"/>
+              </p:nvPr>
+            </p:nvSpPr>
+            <p:spPr>
+              <a:xfrm>
+                <a:off x="0" y="5257800"/>
+                <a:ext cx="9144000" cy="1143000"/>
+              </a:xfrm>
+              <a:blipFill rotWithShape="1">
+                <a:blip r:embed="rId2"/>
+                <a:stretch>
+                  <a:fillRect/>
+                </a:stretch>
+              </a:blipFill>
+            </p:spPr>
+            <p:txBody>
+              <a:bodyPr/>
+              <a:lstStyle/>
+              <a:p>
+                <a:r>
+                  <a:rPr lang="en-US">
+                    <a:noFill/>
+                  </a:rPr>
+                  <a:t> </a:t>
+                </a:r>
+              </a:p>
+            </p:txBody>
+          </p:sp>
+        </mc:Fallback>
+      </mc:AlternateContent>
+      <p:pic>
+        <p:nvPicPr>
+          <p:cNvPr id="3074" name="Picture 2" descr="D:\apps\edu\MasterThesis\PaperWork\pics\queen_board.gif"/>
+          <p:cNvPicPr>
+            <a:picLocks noChangeAspect="1" noChangeArrowheads="1"/>
+          </p:cNvPicPr>
+          <p:nvPr/>
+        </p:nvPicPr>
+        <p:blipFill>
+          <a:blip r:embed="rId3">
+            <a:extLst>
+              <a:ext uri="{28A0092B-C50C-407E-A947-70E740481C1C}">
+                <a14:useLocalDpi xmlns:a14="http://schemas.microsoft.com/office/drawing/2010/main" val="0"/>
+              </a:ext>
+            </a:extLst>
+          </a:blip>
+          <a:srcRect/>
+          <a:stretch>
+            <a:fillRect/>
+          </a:stretch>
+        </p:blipFill>
+        <p:spPr bwMode="auto">
+          <a:xfrm>
+            <a:off x="2667000" y="1676400"/>
+            <a:ext cx="3276600" cy="3276600"/>
+          </a:xfrm>
+          <a:prstGeom prst="rect">
+            <a:avLst/>
+          </a:prstGeom>
+          <a:noFill/>
+          <a:extLst>
+            <a:ext uri="{909E8E84-426E-40DD-AFC4-6F175D3DCCD1}">
+              <a14:hiddenFill xmlns:a14="http://schemas.microsoft.com/office/drawing/2010/main">
+                <a:solidFill>
+                  <a:srgbClr val="FFFFFF"/>
+                </a:solidFill>
+              </a14:hiddenFill>
+            </a:ext>
+          </a:extLst>
+        </p:spPr>
+      </p:pic>
+    </p:spTree>
+    <p:extLst>
+      <p:ext uri="{BB962C8B-B14F-4D97-AF65-F5344CB8AC3E}">
+        <p14:creationId xmlns:p14="http://schemas.microsoft.com/office/powerpoint/2010/main" val="2964775594"/>
+      </p:ext>
+    </p:extLst>
+  </p:cSld>
+  <p:clrMapOvr>
+    <a:masterClrMapping/>
+  </p:clrMapOvr>
+  <p:timing>
+    <p:tnLst>
+      <p:par>
+        <p:cTn id="1" dur="indefinite" restart="never" nodeType="tmRoot"/>
+      </p:par>
+    </p:tnLst>
+  </p:timing>
+</p:sld>
+</file>
+
+<file path=ppt/slides/slide21.xml><?xml version="1.0" encoding="utf-8"?>
+<p:sld xmlns:a="http://schemas.openxmlformats.org/drawingml/2006/main" xmlns:r="http://schemas.openxmlformats.org/officeDocument/2006/relationships" xmlns:p="http://schemas.openxmlformats.org/presentationml/2006/main">
+  <p:cSld>
+    <p:spTree>
+      <p:nvGrpSpPr>
+        <p:cNvPr id="1" name=""/>
+        <p:cNvGrpSpPr/>
+        <p:nvPr/>
+      </p:nvGrpSpPr>
+      <p:grpSpPr>
+        <a:xfrm>
+          <a:off x="0" y="0"/>
+          <a:ext cx="0" cy="0"/>
+          <a:chOff x="0" y="0"/>
+          <a:chExt cx="0" cy="0"/>
+        </a:xfrm>
+      </p:grpSpPr>
+      <p:sp>
+        <p:nvSpPr>
+          <p:cNvPr id="2" name="Title 1"/>
+          <p:cNvSpPr>
+            <a:spLocks noGrp="1"/>
+          </p:cNvSpPr>
+          <p:nvPr>
+            <p:ph type="title"/>
+          </p:nvPr>
+        </p:nvSpPr>
+        <p:spPr/>
+        <p:txBody>
+          <a:bodyPr/>
+          <a:lstStyle/>
+          <a:p>
+            <a:r>
+              <a:rPr lang="uk-UA" dirty="0"/>
+              <a:t>Гра «Гризун» («</a:t>
+            </a:r>
+            <a:r>
+              <a:rPr lang="en-US" dirty="0"/>
+              <a:t>Chomp</a:t>
+            </a:r>
+            <a:r>
+              <a:rPr lang="uk-UA" dirty="0"/>
+              <a:t>»</a:t>
+            </a:r>
+            <a:r>
+              <a:rPr lang="en-US" dirty="0"/>
+              <a:t>)</a:t>
+            </a:r>
+            <a:endParaRPr lang="en-US" dirty="0"/>
+          </a:p>
+        </p:txBody>
+      </p:sp>
+      <p:sp>
+        <p:nvSpPr>
+          <p:cNvPr id="4" name="Title 1"/>
+          <p:cNvSpPr txBox="1">
+            <a:spLocks/>
+          </p:cNvSpPr>
+          <p:nvPr/>
+        </p:nvSpPr>
+        <p:spPr>
+          <a:xfrm>
+            <a:off x="609600" y="1905000"/>
+            <a:ext cx="8229600" cy="800100"/>
+          </a:xfrm>
+          <a:prstGeom prst="rect">
+            <a:avLst/>
+          </a:prstGeom>
+        </p:spPr>
+        <p:txBody>
+          <a:bodyPr vert="horz" lIns="91440" tIns="45720" rIns="91440" bIns="45720" rtlCol="0" anchor="b">
+            <a:noAutofit/>
+          </a:bodyPr>
+          <a:lstStyle>
+            <a:lvl1pPr algn="ctr" defTabSz="914400" rtl="0" eaLnBrk="1" latinLnBrk="0" hangingPunct="1">
+              <a:lnSpc>
+                <a:spcPts val="5800"/>
+              </a:lnSpc>
+              <a:spcBef>
+                <a:spcPct val="0"/>
+              </a:spcBef>
+              <a:buNone/>
+              <a:defRPr sz="5400" kern="1200">
+                <a:solidFill>
+                  <a:schemeClr val="tx2"/>
+                </a:solidFill>
+                <a:effectLst>
+                  <a:outerShdw blurRad="63500" dist="38100" dir="5400000" algn="t" rotWithShape="0">
+                    <a:prstClr val="black">
+                      <a:alpha val="25000"/>
+                    </a:prstClr>
+                  </a:outerShdw>
+                </a:effectLst>
+                <a:latin typeface="+mn-lt"/>
+                <a:ea typeface="+mj-ea"/>
+                <a:cs typeface="+mj-cs"/>
+              </a:defRPr>
+            </a:lvl1pPr>
+          </a:lstStyle>
+          <a:p>
+            <a:endParaRPr lang="en-US" sz="4400" dirty="0"/>
+          </a:p>
+        </p:txBody>
+      </p:sp>
+      <mc:AlternateContent xmlns:mc="http://schemas.openxmlformats.org/markup-compatibility/2006">
+        <mc:Choice xmlns:a14="http://schemas.microsoft.com/office/drawing/2010/main" Requires="a14">
+          <p:sp>
+            <p:nvSpPr>
+              <p:cNvPr id="7" name="Content Placeholder 2"/>
+              <p:cNvSpPr>
+                <a:spLocks noGrp="1"/>
+              </p:cNvSpPr>
+              <p:nvPr>
+                <p:ph idx="1"/>
+              </p:nvPr>
+            </p:nvSpPr>
+            <p:spPr>
+              <a:xfrm>
+                <a:off x="138545" y="5029200"/>
+                <a:ext cx="8991600" cy="990600"/>
+              </a:xfrm>
+            </p:spPr>
+            <p:txBody>
+              <a:bodyPr>
+                <a:noAutofit/>
+              </a:bodyPr>
+              <a:lstStyle/>
+              <a:p>
+                <a:pPr marL="0" indent="0" algn="ctr">
+                  <a:buNone/>
+                </a:pPr>
+                <a14:m>
+                  <m:oMathPara xmlns:m="http://schemas.openxmlformats.org/officeDocument/2006/math">
+                    <m:oMathParaPr>
+                      <m:jc m:val="center"/>
+                    </m:oMathParaPr>
+                    <m:oMath xmlns:m="http://schemas.openxmlformats.org/officeDocument/2006/math">
+                      <m:r>
+                        <a:rPr lang="uk-UA" sz="2800" b="0" i="1" smtClean="0">
+                          <a:latin typeface="Cambria Math"/>
+                        </a:rPr>
+                        <m:t>Не піддається аналізу теорією Шпрага−Гранді </m:t>
+                      </m:r>
+                    </m:oMath>
+                    <m:oMath xmlns:m="http://schemas.openxmlformats.org/officeDocument/2006/math">
+                      <m:r>
+                        <a:rPr lang="uk-UA" sz="2800" b="0" i="1" smtClean="0">
+                          <a:latin typeface="Cambria Math"/>
+                        </a:rPr>
+                        <m:t>через наявність циклів у графі</m:t>
+                      </m:r>
+                    </m:oMath>
+                  </m:oMathPara>
+                </a14:m>
+                <a:endParaRPr lang="en-US" sz="2800" dirty="0"/>
+              </a:p>
+            </p:txBody>
+          </p:sp>
+        </mc:Choice>
+        <mc:Fallback>
+          <p:sp>
+            <p:nvSpPr>
+              <p:cNvPr id="7" name="Content Placeholder 2"/>
+              <p:cNvSpPr>
+                <a:spLocks noGrp="1" noRot="1" noChangeAspect="1" noMove="1" noResize="1" noEditPoints="1" noAdjustHandles="1" noChangeArrowheads="1" noChangeShapeType="1" noTextEdit="1"/>
+              </p:cNvSpPr>
+              <p:nvPr>
+                <p:ph idx="1"/>
+              </p:nvPr>
+            </p:nvSpPr>
+            <p:spPr>
+              <a:xfrm>
+                <a:off x="138545" y="5029200"/>
+                <a:ext cx="8991600" cy="990600"/>
+              </a:xfrm>
+              <a:blipFill rotWithShape="1">
+                <a:blip r:embed="rId3"/>
+                <a:stretch>
+                  <a:fillRect/>
+                </a:stretch>
+              </a:blipFill>
+            </p:spPr>
+            <p:txBody>
+              <a:bodyPr/>
+              <a:lstStyle/>
+              <a:p>
+                <a:r>
+                  <a:rPr lang="en-US">
+                    <a:noFill/>
+                  </a:rPr>
+                  <a:t> </a:t>
+                </a:r>
+              </a:p>
+            </p:txBody>
+          </p:sp>
+        </mc:Fallback>
+      </mc:AlternateContent>
+      <p:pic>
+        <p:nvPicPr>
+          <p:cNvPr id="4098" name="Picture 2" descr="D:\apps\edu\MasterThesis\PaperWork\pics\chomp.jpg"/>
+          <p:cNvPicPr>
+            <a:picLocks noChangeAspect="1" noChangeArrowheads="1"/>
+          </p:cNvPicPr>
+          <p:nvPr/>
+        </p:nvPicPr>
+        <p:blipFill>
+          <a:blip r:embed="rId4">
+            <a:extLst>
+              <a:ext uri="{28A0092B-C50C-407E-A947-70E740481C1C}">
+                <a14:useLocalDpi xmlns:a14="http://schemas.microsoft.com/office/drawing/2010/main" val="0"/>
+              </a:ext>
+            </a:extLst>
+          </a:blip>
+          <a:srcRect/>
+          <a:stretch>
+            <a:fillRect/>
+          </a:stretch>
+        </p:blipFill>
+        <p:spPr bwMode="auto">
+          <a:xfrm>
+            <a:off x="1981200" y="1565564"/>
+            <a:ext cx="4762500" cy="3486150"/>
+          </a:xfrm>
+          <a:prstGeom prst="rect">
+            <a:avLst/>
+          </a:prstGeom>
+          <a:noFill/>
+          <a:extLst>
+            <a:ext uri="{909E8E84-426E-40DD-AFC4-6F175D3DCCD1}">
+              <a14:hiddenFill xmlns:a14="http://schemas.microsoft.com/office/drawing/2010/main">
+                <a:solidFill>
+                  <a:srgbClr val="FFFFFF"/>
+                </a:solidFill>
+              </a14:hiddenFill>
+            </a:ext>
+          </a:extLst>
+        </p:spPr>
+      </p:pic>
+    </p:spTree>
+    <p:extLst>
+      <p:ext uri="{BB962C8B-B14F-4D97-AF65-F5344CB8AC3E}">
+        <p14:creationId xmlns:p14="http://schemas.microsoft.com/office/powerpoint/2010/main" val="3226495924"/>
+      </p:ext>
+    </p:extLst>
+  </p:cSld>
+  <p:clrMapOvr>
+    <a:masterClrMapping/>
+  </p:clrMapOvr>
+  <p:timing>
+    <p:tnLst>
+      <p:par>
+        <p:cTn id="1" dur="indefinite" restart="never" nodeType="tmRoot"/>
+      </p:par>
+    </p:tnLst>
+  </p:timing>
+</p:sld>
+</file>
+
+<file path=ppt/slides/slide22.xml><?xml version="1.0" encoding="utf-8"?>
+<p:sld xmlns:a="http://schemas.openxmlformats.org/drawingml/2006/main" xmlns:r="http://schemas.openxmlformats.org/officeDocument/2006/relationships" xmlns:p="http://schemas.openxmlformats.org/presentationml/2006/main">
+  <p:cSld>
+    <p:spTree>
+      <p:nvGrpSpPr>
+        <p:cNvPr id="1" name=""/>
+        <p:cNvGrpSpPr/>
+        <p:nvPr/>
+      </p:nvGrpSpPr>
+      <p:grpSpPr>
+        <a:xfrm>
+          <a:off x="0" y="0"/>
+          <a:ext cx="0" cy="0"/>
+          <a:chOff x="0" y="0"/>
+          <a:chExt cx="0" cy="0"/>
+        </a:xfrm>
+      </p:grpSpPr>
+      <p:pic>
+        <p:nvPicPr>
+          <p:cNvPr id="5122" name="Picture 2" descr="D:\apps\edu\MasterThesis\PaperWork\pics\program-snapshot.PNG"/>
+          <p:cNvPicPr>
+            <a:picLocks noChangeAspect="1" noChangeArrowheads="1"/>
+          </p:cNvPicPr>
+          <p:nvPr/>
+        </p:nvPicPr>
+        <p:blipFill>
+          <a:blip r:embed="rId2">
+            <a:extLst>
+              <a:ext uri="{28A0092B-C50C-407E-A947-70E740481C1C}">
+                <a14:useLocalDpi xmlns:a14="http://schemas.microsoft.com/office/drawing/2010/main" val="0"/>
+              </a:ext>
+            </a:extLst>
+          </a:blip>
+          <a:srcRect/>
+          <a:stretch>
+            <a:fillRect/>
+          </a:stretch>
+        </p:blipFill>
+        <p:spPr bwMode="auto">
+          <a:xfrm>
+            <a:off x="79663" y="1524000"/>
+            <a:ext cx="8984673" cy="4791827"/>
+          </a:xfrm>
+          <a:prstGeom prst="rect">
+            <a:avLst/>
+          </a:prstGeom>
+          <a:noFill/>
+          <a:extLst>
+            <a:ext uri="{909E8E84-426E-40DD-AFC4-6F175D3DCCD1}">
+              <a14:hiddenFill xmlns:a14="http://schemas.microsoft.com/office/drawing/2010/main">
+                <a:solidFill>
+                  <a:srgbClr val="FFFFFF"/>
+                </a:solidFill>
+              </a14:hiddenFill>
+            </a:ext>
+          </a:extLst>
+        </p:spPr>
+      </p:pic>
+      <p:sp>
+        <p:nvSpPr>
+          <p:cNvPr id="6" name="Title 1"/>
+          <p:cNvSpPr>
+            <a:spLocks noGrp="1"/>
+          </p:cNvSpPr>
+          <p:nvPr>
+            <p:ph type="title"/>
+          </p:nvPr>
+        </p:nvSpPr>
+        <p:spPr>
+          <a:xfrm>
+            <a:off x="457200" y="0"/>
+            <a:ext cx="8229600" cy="1295400"/>
+          </a:xfrm>
+        </p:spPr>
+        <p:txBody>
+          <a:bodyPr/>
+          <a:lstStyle/>
+          <a:p>
+            <a:r>
+              <a:rPr lang="uk-UA" dirty="0" smtClean="0"/>
+              <a:t>Програмна реалізація</a:t>
+            </a:r>
+            <a:endParaRPr lang="en-US" dirty="0"/>
+          </a:p>
+        </p:txBody>
+      </p:sp>
+    </p:spTree>
+    <p:extLst>
+      <p:ext uri="{BB962C8B-B14F-4D97-AF65-F5344CB8AC3E}">
+        <p14:creationId xmlns:p14="http://schemas.microsoft.com/office/powerpoint/2010/main" val="2792203931"/>
+      </p:ext>
+    </p:extLst>
+  </p:cSld>
+  <p:clrMapOvr>
+    <a:masterClrMapping/>
+  </p:clrMapOvr>
+  <p:timing>
+    <p:tnLst>
+      <p:par>
+        <p:cTn id="1" dur="indefinite" restart="never" nodeType="tmRoot"/>
+      </p:par>
+    </p:tnLst>
+  </p:timing>
+</p:sld>
+</file>
+
+<file path=ppt/slides/slide23.xml><?xml version="1.0" encoding="utf-8"?>
+<p:sld xmlns:a="http://schemas.openxmlformats.org/drawingml/2006/main" xmlns:r="http://schemas.openxmlformats.org/officeDocument/2006/relationships" xmlns:p="http://schemas.openxmlformats.org/presentationml/2006/main">
+  <p:cSld>
+    <p:spTree>
+      <p:nvGrpSpPr>
+        <p:cNvPr id="1" name=""/>
+        <p:cNvGrpSpPr/>
+        <p:nvPr/>
+      </p:nvGrpSpPr>
+      <p:grpSpPr>
+        <a:xfrm>
+          <a:off x="0" y="0"/>
+          <a:ext cx="0" cy="0"/>
+          <a:chOff x="0" y="0"/>
+          <a:chExt cx="0" cy="0"/>
+        </a:xfrm>
+      </p:grpSpPr>
+      <p:sp>
+        <p:nvSpPr>
+          <p:cNvPr id="2" name="Title 1"/>
+          <p:cNvSpPr>
+            <a:spLocks noGrp="1"/>
+          </p:cNvSpPr>
+          <p:nvPr>
+            <p:ph type="title"/>
+          </p:nvPr>
+        </p:nvSpPr>
+        <p:spPr/>
+        <p:txBody>
+          <a:bodyPr/>
+          <a:lstStyle/>
+          <a:p>
+            <a:r>
+              <a:rPr lang="uk-UA" b="1" dirty="0" smtClean="0"/>
+              <a:t>Висновок</a:t>
+            </a:r>
+            <a:endParaRPr lang="en-US" b="1" dirty="0"/>
+          </a:p>
+        </p:txBody>
+      </p:sp>
+      <p:sp>
+        <p:nvSpPr>
+          <p:cNvPr id="3" name="Content Placeholder 2"/>
+          <p:cNvSpPr>
+            <a:spLocks noGrp="1"/>
+          </p:cNvSpPr>
+          <p:nvPr>
+            <p:ph idx="1"/>
+          </p:nvPr>
+        </p:nvSpPr>
+        <p:spPr>
+          <a:xfrm>
+            <a:off x="0" y="2057400"/>
+            <a:ext cx="9144000" cy="3810000"/>
+          </a:xfrm>
+        </p:spPr>
+        <p:txBody>
+          <a:bodyPr>
+            <a:noAutofit/>
+          </a:bodyPr>
+          <a:lstStyle/>
+          <a:p>
+            <a:pPr marL="457200">
+              <a:lnSpc>
+                <a:spcPct val="220000"/>
+              </a:lnSpc>
+            </a:pPr>
+            <a:r>
+              <a:rPr lang="uk-UA" sz="2000" dirty="0" smtClean="0"/>
+              <a:t>Розглянуто теорію рівноправних ігор</a:t>
+            </a:r>
+            <a:endParaRPr lang="uk-UA" sz="2000" dirty="0" smtClean="0"/>
+          </a:p>
+          <a:p>
+            <a:pPr marL="457200">
+              <a:lnSpc>
+                <a:spcPct val="220000"/>
+              </a:lnSpc>
+            </a:pPr>
+            <a:r>
+              <a:rPr lang="uk-UA" sz="2000" dirty="0" smtClean="0"/>
+              <a:t>Викладено і реалізовано алгоритм їх </a:t>
+            </a:r>
+            <a:r>
+              <a:rPr lang="uk-UA" sz="2000" dirty="0" smtClean="0"/>
+              <a:t>розв</a:t>
+            </a:r>
+            <a:r>
+              <a:rPr lang="en-US" sz="2000" dirty="0" smtClean="0"/>
+              <a:t>’</a:t>
+            </a:r>
+            <a:r>
+              <a:rPr lang="uk-UA" sz="2000" dirty="0" smtClean="0"/>
+              <a:t>язку</a:t>
+            </a:r>
+            <a:endParaRPr lang="uk-UA" sz="2000" dirty="0" smtClean="0"/>
+          </a:p>
+          <a:p>
+            <a:pPr marL="457200">
+              <a:lnSpc>
+                <a:spcPct val="220000"/>
+              </a:lnSpc>
+            </a:pPr>
+            <a:r>
+              <a:rPr lang="uk-UA" sz="2000" dirty="0" smtClean="0"/>
+              <a:t>Проведено аналіз швидкодії, додані оптимізації</a:t>
+            </a:r>
+          </a:p>
+          <a:p>
+            <a:pPr marL="457200">
+              <a:lnSpc>
+                <a:spcPct val="220000"/>
+              </a:lnSpc>
+            </a:pPr>
+            <a:r>
+              <a:rPr lang="uk-UA" sz="2000" dirty="0" smtClean="0"/>
+              <a:t>Знайдено спосіб пошуку оптимального ходу (для деяких ігор)</a:t>
+            </a:r>
+          </a:p>
+          <a:p>
+            <a:pPr marL="457200">
+              <a:lnSpc>
+                <a:spcPct val="220000"/>
+              </a:lnSpc>
+            </a:pPr>
+            <a:r>
+              <a:rPr lang="uk-UA" sz="2000" dirty="0" smtClean="0"/>
+              <a:t>Проаналізовано можливі подальші дослідження</a:t>
+            </a:r>
+            <a:endParaRPr lang="en-US" sz="2000" dirty="0"/>
+          </a:p>
+        </p:txBody>
+      </p:sp>
+    </p:spTree>
+    <p:extLst>
+      <p:ext uri="{BB962C8B-B14F-4D97-AF65-F5344CB8AC3E}">
+        <p14:creationId xmlns:p14="http://schemas.microsoft.com/office/powerpoint/2010/main" val="1172000418"/>
+      </p:ext>
+    </p:extLst>
+  </p:cSld>
+  <p:clrMapOvr>
+    <a:masterClrMapping/>
+  </p:clrMapOvr>
+  <p:timing>
+    <p:tnLst>
+      <p:par>
+        <p:cTn id="1" dur="indefinite" restart="never" nodeType="tmRoot"/>
+      </p:par>
+    </p:tnLst>
+  </p:timing>
+</p:sld>
+</file>
+
+<file path=ppt/slides/slide24.xml><?xml version="1.0" encoding="utf-8"?>
+<p:sld xmlns:a="http://schemas.openxmlformats.org/drawingml/2006/main" xmlns:r="http://schemas.openxmlformats.org/officeDocument/2006/relationships" xmlns:p="http://schemas.openxmlformats.org/presentationml/2006/main">
+  <p:cSld>
+    <p:spTree>
+      <p:nvGrpSpPr>
+        <p:cNvPr id="1" name=""/>
+        <p:cNvGrpSpPr/>
+        <p:nvPr/>
+      </p:nvGrpSpPr>
+      <p:grpSpPr>
+        <a:xfrm>
+          <a:off x="0" y="0"/>
+          <a:ext cx="0" cy="0"/>
+          <a:chOff x="0" y="0"/>
+          <a:chExt cx="0" cy="0"/>
+        </a:xfrm>
+      </p:grpSpPr>
+      <p:sp>
+        <p:nvSpPr>
+          <p:cNvPr id="2" name="Title 1"/>
+          <p:cNvSpPr>
+            <a:spLocks noGrp="1"/>
+          </p:cNvSpPr>
+          <p:nvPr>
+            <p:ph type="title"/>
+          </p:nvPr>
+        </p:nvSpPr>
+        <p:spPr>
+          <a:xfrm>
+            <a:off x="533400" y="2286000"/>
+            <a:ext cx="8229600" cy="1600200"/>
+          </a:xfrm>
+        </p:spPr>
+        <p:txBody>
+          <a:bodyPr/>
+          <a:lstStyle/>
+          <a:p>
+            <a:r>
+              <a:rPr lang="uk-UA" dirty="0" smtClean="0"/>
+              <a:t>Дякую за увагу!</a:t>
+            </a:r>
+            <a:endParaRPr lang="en-US" dirty="0"/>
+          </a:p>
+        </p:txBody>
+      </p:sp>
+    </p:spTree>
+    <p:extLst>
+      <p:ext uri="{BB962C8B-B14F-4D97-AF65-F5344CB8AC3E}">
+        <p14:creationId xmlns:p14="http://schemas.microsoft.com/office/powerpoint/2010/main" val="157901859"/>
       </p:ext>
     </p:extLst>
   </p:cSld>
@@ -5879,63 +7454,134 @@
         </p:nvSpPr>
         <p:spPr>
           <a:xfrm>
-            <a:off x="457200" y="2971800"/>
-            <a:ext cx="8229600" cy="2286000"/>
+            <a:off x="0" y="2057400"/>
+            <a:ext cx="9144000" cy="3692236"/>
           </a:xfrm>
         </p:spPr>
         <p:txBody>
           <a:bodyPr/>
           <a:lstStyle/>
           <a:p>
-            <a:r>
-              <a:rPr lang="uk-UA" dirty="0">
+            <a:pPr marL="457200" indent="-457200" algn="l">
+              <a:lnSpc>
+                <a:spcPct val="100000"/>
+              </a:lnSpc>
+              <a:spcBef>
+                <a:spcPts val="600"/>
+              </a:spcBef>
+              <a:buFont typeface="Arial" pitchFamily="34" charset="0"/>
+              <a:buChar char="•"/>
+            </a:pPr>
+            <a:r>
+              <a:rPr lang="uk-UA" sz="2800" i="1" dirty="0">
                 <a:latin typeface="Calibri" pitchFamily="34" charset="0"/>
                 <a:cs typeface="Calibri" pitchFamily="34" charset="0"/>
               </a:rPr>
-              <a:t>Розв</a:t>
-            </a:r>
-            <a:r>
-              <a:rPr lang="en-US" dirty="0">
+              <a:t>Рівноправна</a:t>
+            </a:r>
+            <a:r>
+              <a:rPr lang="uk-UA" sz="2800" dirty="0">
                 <a:latin typeface="Calibri" pitchFamily="34" charset="0"/>
                 <a:cs typeface="Calibri" pitchFamily="34" charset="0"/>
               </a:rPr>
-              <a:t>’</a:t>
-            </a:r>
-            <a:r>
-              <a:rPr lang="uk-UA" dirty="0" smtClean="0">
+              <a:t> гра – це гра, в </a:t>
+            </a:r>
+            <a:r>
+              <a:rPr lang="uk-UA" sz="2800" dirty="0">
                 <a:latin typeface="Calibri" pitchFamily="34" charset="0"/>
                 <a:cs typeface="Calibri" pitchFamily="34" charset="0"/>
               </a:rPr>
-              <a:t>язок:</a:t>
+              <a:t>якій</a:t>
             </a:r>
             <a:br>
-              <a:rPr lang="uk-UA" dirty="0" smtClean="0">
+              <a:rPr lang="uk-UA" sz="2800" dirty="0">
                 <a:latin typeface="Calibri" pitchFamily="34" charset="0"/>
                 <a:cs typeface="Calibri" pitchFamily="34" charset="0"/>
               </a:rPr>
             </a:br>
             <a:r>
-              <a:rPr lang="uk-UA" dirty="0" smtClean="0">
+              <a:rPr lang="uk-UA" sz="2800" dirty="0">
                 <a:latin typeface="Calibri" pitchFamily="34" charset="0"/>
                 <a:cs typeface="Calibri" pitchFamily="34" charset="0"/>
               </a:rPr>
-              <a:t>передбачення  </a:t>
-            </a:r>
-            <a:r>
-              <a:rPr lang="uk-UA" dirty="0">
+              <a:t>1</a:t>
+            </a:r>
+            <a:r>
+              <a:rPr lang="uk-UA" sz="2800" dirty="0">
                 <a:latin typeface="Calibri" pitchFamily="34" charset="0"/>
                 <a:cs typeface="Calibri" pitchFamily="34" charset="0"/>
               </a:rPr>
-              <a:t>переможця при оптимальній </a:t>
-            </a:r>
-            <a:r>
-              <a:rPr lang="uk-UA" dirty="0" smtClean="0">
+              <a:t>. Є 2 гравці</a:t>
+            </a:r>
+            <a:br>
+              <a:rPr lang="uk-UA" sz="2800" dirty="0">
                 <a:latin typeface="Calibri" pitchFamily="34" charset="0"/>
                 <a:cs typeface="Calibri" pitchFamily="34" charset="0"/>
               </a:rPr>
-              <a:t>грі</a:t>
-            </a:r>
-            <a:endParaRPr lang="en-US" dirty="0"/>
+            </a:br>
+            <a:r>
+              <a:rPr lang="uk-UA" sz="2800" dirty="0">
+                <a:latin typeface="Calibri" pitchFamily="34" charset="0"/>
+                <a:cs typeface="Calibri" pitchFamily="34" charset="0"/>
+              </a:rPr>
+              <a:t>2. Гравці ходять по черзі</a:t>
+            </a:r>
+            <a:br>
+              <a:rPr lang="uk-UA" sz="2800" dirty="0">
+                <a:latin typeface="Calibri" pitchFamily="34" charset="0"/>
+                <a:cs typeface="Calibri" pitchFamily="34" charset="0"/>
+              </a:rPr>
+            </a:br>
+            <a:r>
+              <a:rPr lang="uk-UA" sz="2800" dirty="0">
+                <a:latin typeface="Calibri" pitchFamily="34" charset="0"/>
+                <a:cs typeface="Calibri" pitchFamily="34" charset="0"/>
+              </a:rPr>
+              <a:t>3. Є скінченна множина ситуацій</a:t>
+            </a:r>
+            <a:br>
+              <a:rPr lang="uk-UA" sz="2800" dirty="0">
+                <a:latin typeface="Calibri" pitchFamily="34" charset="0"/>
+                <a:cs typeface="Calibri" pitchFamily="34" charset="0"/>
+              </a:rPr>
+            </a:br>
+            <a:r>
+              <a:rPr lang="uk-UA" sz="2800" dirty="0">
+                <a:latin typeface="Calibri" pitchFamily="34" charset="0"/>
+                <a:cs typeface="Calibri" pitchFamily="34" charset="0"/>
+              </a:rPr>
+              <a:t>4. Множина ходів не залежить від гравця</a:t>
+            </a:r>
+            <a:br>
+              <a:rPr lang="uk-UA" sz="2800" dirty="0">
+                <a:latin typeface="Calibri" pitchFamily="34" charset="0"/>
+                <a:cs typeface="Calibri" pitchFamily="34" charset="0"/>
+              </a:rPr>
+            </a:br>
+            <a:r>
+              <a:rPr lang="uk-UA" sz="2800" dirty="0">
+                <a:latin typeface="Calibri" pitchFamily="34" charset="0"/>
+                <a:cs typeface="Calibri" pitchFamily="34" charset="0"/>
+              </a:rPr>
+              <a:t>5. Кінець наступає, коли немає ходів з позиції</a:t>
+            </a:r>
+            <a:br>
+              <a:rPr lang="uk-UA" sz="2800" dirty="0">
+                <a:latin typeface="Calibri" pitchFamily="34" charset="0"/>
+                <a:cs typeface="Calibri" pitchFamily="34" charset="0"/>
+              </a:rPr>
+            </a:br>
+            <a:r>
+              <a:rPr lang="uk-UA" sz="2800" dirty="0">
+                <a:latin typeface="Calibri" pitchFamily="34" charset="0"/>
+                <a:cs typeface="Calibri" pitchFamily="34" charset="0"/>
+              </a:rPr>
+              <a:t>6. Вся інформація про гру відома обом гравцям</a:t>
+            </a:r>
+            <a:endParaRPr lang="en-US" sz="2800" dirty="0">
+              <a:latin typeface="Calibri" pitchFamily="34" charset="0"/>
+              <a:cs typeface="Calibri" pitchFamily="34" charset="0"/>
+            </a:endParaRPr>
           </a:p>
         </p:txBody>
       </p:sp>
@@ -5988,17 +7634,17 @@
           </a:lstStyle>
           <a:p>
             <a:r>
-              <a:rPr lang="uk-UA" b="1" dirty="0" smtClean="0"/>
-              <a:t>Теорія</a:t>
-            </a:r>
-            <a:endParaRPr lang="en-US" b="1" dirty="0"/>
+              <a:rPr lang="uk-UA" dirty="0" smtClean="0"/>
+              <a:t>Рівноправна гра</a:t>
+            </a:r>
+            <a:endParaRPr lang="en-US" dirty="0"/>
           </a:p>
         </p:txBody>
       </p:sp>
     </p:spTree>
     <p:extLst>
       <p:ext uri="{BB962C8B-B14F-4D97-AF65-F5344CB8AC3E}">
-        <p14:creationId xmlns:p14="http://schemas.microsoft.com/office/powerpoint/2010/main" val="4159784587"/>
+        <p14:creationId xmlns:p14="http://schemas.microsoft.com/office/powerpoint/2010/main" val="2871111128"/>
       </p:ext>
     </p:extLst>
   </p:cSld>
@@ -6042,29 +7688,14 @@
             <p:ph type="title"/>
           </p:nvPr>
         </p:nvSpPr>
-        <p:spPr>
-          <a:xfrm>
-            <a:off x="457200" y="3124200"/>
-            <a:ext cx="8229600" cy="1066800"/>
-          </a:xfrm>
-        </p:spPr>
+        <p:spPr/>
         <p:txBody>
           <a:bodyPr/>
           <a:lstStyle/>
           <a:p>
             <a:r>
-              <a:rPr lang="uk-UA" dirty="0">
-                <a:latin typeface="Calibri" pitchFamily="34" charset="0"/>
-                <a:cs typeface="Calibri" pitchFamily="34" charset="0"/>
-              </a:rPr>
-              <a:t>Гра </a:t>
-            </a:r>
-            <a:r>
-              <a:rPr lang="uk-UA" dirty="0" smtClean="0">
-                <a:latin typeface="Calibri" pitchFamily="34" charset="0"/>
-                <a:cs typeface="Calibri" pitchFamily="34" charset="0"/>
-              </a:rPr>
-              <a:t>Нім</a:t>
+              <a:rPr lang="uk-UA" dirty="0" smtClean="0"/>
+              <a:t>Класифікація</a:t>
             </a:r>
             <a:endParaRPr lang="en-US" dirty="0"/>
           </a:p>
@@ -6080,8 +7711,8 @@
         </p:nvSpPr>
         <p:spPr>
           <a:xfrm>
-            <a:off x="609600" y="152400"/>
-            <a:ext cx="8229600" cy="1600200"/>
+            <a:off x="166255" y="3276600"/>
+            <a:ext cx="8991600" cy="1693718"/>
           </a:xfrm>
           <a:prstGeom prst="rect">
             <a:avLst/>
@@ -6118,18 +7749,287 @@
             </a:lvl1pPr>
           </a:lstStyle>
           <a:p>
-            <a:r>
-              <a:rPr lang="uk-UA" b="1" dirty="0" smtClean="0"/>
-              <a:t>Теорія</a:t>
-            </a:r>
-            <a:endParaRPr lang="en-US" b="1" dirty="0"/>
+            <a:pPr marL="457200" indent="-457200" algn="l">
+              <a:lnSpc>
+                <a:spcPct val="100000"/>
+              </a:lnSpc>
+              <a:spcBef>
+                <a:spcPts val="600"/>
+              </a:spcBef>
+              <a:buFont typeface="Arial" pitchFamily="34" charset="0"/>
+              <a:buChar char="•"/>
+            </a:pPr>
+            <a:endParaRPr lang="uk-UA" sz="2800" dirty="0" smtClean="0">
+              <a:solidFill>
+                <a:schemeClr val="tx1">
+                  <a:lumMod val="50000"/>
+                  <a:lumOff val="50000"/>
+                </a:schemeClr>
+              </a:solidFill>
+              <a:latin typeface="Cambria Math"/>
+              <a:ea typeface="+mn-ea"/>
+              <a:cs typeface="+mn-cs"/>
+            </a:endParaRPr>
+          </a:p>
+          <a:p>
+            <a:pPr marL="514350" indent="-514350" algn="l">
+              <a:lnSpc>
+                <a:spcPct val="100000"/>
+              </a:lnSpc>
+              <a:spcBef>
+                <a:spcPts val="600"/>
+              </a:spcBef>
+              <a:buFont typeface="+mj-lt"/>
+              <a:buAutoNum type="arabicPeriod"/>
+            </a:pPr>
+            <a:r>
+              <a:rPr lang="uk-UA" sz="2800" dirty="0">
+                <a:latin typeface="Calibri" pitchFamily="34" charset="0"/>
+                <a:cs typeface="Calibri" pitchFamily="34" charset="0"/>
+              </a:rPr>
+              <a:t>Всі </a:t>
+            </a:r>
+            <a:r>
+              <a:rPr lang="uk-UA" sz="2800" dirty="0">
+                <a:latin typeface="Calibri" pitchFamily="34" charset="0"/>
+                <a:cs typeface="Calibri" pitchFamily="34" charset="0"/>
+              </a:rPr>
+              <a:t>термінальні </a:t>
+            </a:r>
+            <a:r>
+              <a:rPr lang="uk-UA" sz="2800" dirty="0">
+                <a:latin typeface="Calibri" pitchFamily="34" charset="0"/>
+                <a:cs typeface="Calibri" pitchFamily="34" charset="0"/>
+              </a:rPr>
+              <a:t>позиції є </a:t>
+            </a:r>
+            <a:r>
+              <a:rPr lang="en-US" sz="2800" dirty="0">
+                <a:latin typeface="Calibri" pitchFamily="34" charset="0"/>
+                <a:cs typeface="Calibri" pitchFamily="34" charset="0"/>
+              </a:rPr>
+              <a:t>P-</a:t>
+            </a:r>
+            <a:r>
+              <a:rPr lang="uk-UA" sz="2800" dirty="0">
+                <a:latin typeface="Calibri" pitchFamily="34" charset="0"/>
+                <a:cs typeface="Calibri" pitchFamily="34" charset="0"/>
+              </a:rPr>
+              <a:t>станами</a:t>
+            </a:r>
+          </a:p>
+          <a:p>
+            <a:pPr marL="514350" indent="-514350" algn="l">
+              <a:lnSpc>
+                <a:spcPct val="100000"/>
+              </a:lnSpc>
+              <a:spcBef>
+                <a:spcPts val="600"/>
+              </a:spcBef>
+              <a:buFont typeface="+mj-lt"/>
+              <a:buAutoNum type="arabicPeriod"/>
+            </a:pPr>
+            <a:r>
+              <a:rPr lang="uk-UA" sz="2800" dirty="0">
+                <a:latin typeface="Calibri" pitchFamily="34" charset="0"/>
+                <a:cs typeface="Calibri" pitchFamily="34" charset="0"/>
+              </a:rPr>
+              <a:t>З </a:t>
+            </a:r>
+            <a:r>
+              <a:rPr lang="uk-UA" sz="2800" dirty="0">
+                <a:latin typeface="Calibri" pitchFamily="34" charset="0"/>
+                <a:cs typeface="Calibri" pitchFamily="34" charset="0"/>
+              </a:rPr>
+              <a:t>кожного </a:t>
+            </a:r>
+            <a:r>
+              <a:rPr lang="en-US" sz="2800" dirty="0">
+                <a:latin typeface="Calibri" pitchFamily="34" charset="0"/>
+                <a:cs typeface="Calibri" pitchFamily="34" charset="0"/>
+              </a:rPr>
+              <a:t>N-</a:t>
+            </a:r>
+            <a:r>
+              <a:rPr lang="uk-UA" sz="2800" dirty="0">
+                <a:latin typeface="Calibri" pitchFamily="34" charset="0"/>
+                <a:cs typeface="Calibri" pitchFamily="34" charset="0"/>
+              </a:rPr>
+              <a:t>стану є хоча б один хід у </a:t>
+            </a:r>
+            <a:r>
+              <a:rPr lang="en-US" sz="2800" dirty="0">
+                <a:latin typeface="Calibri" pitchFamily="34" charset="0"/>
+                <a:cs typeface="Calibri" pitchFamily="34" charset="0"/>
+              </a:rPr>
+              <a:t>P-</a:t>
+            </a:r>
+            <a:r>
+              <a:rPr lang="uk-UA" sz="2800" dirty="0">
+                <a:latin typeface="Calibri" pitchFamily="34" charset="0"/>
+                <a:cs typeface="Calibri" pitchFamily="34" charset="0"/>
+              </a:rPr>
+              <a:t>стан</a:t>
+            </a:r>
+          </a:p>
+          <a:p>
+            <a:pPr marL="514350" indent="-514350" algn="l">
+              <a:lnSpc>
+                <a:spcPct val="100000"/>
+              </a:lnSpc>
+              <a:spcBef>
+                <a:spcPts val="600"/>
+              </a:spcBef>
+              <a:buFont typeface="+mj-lt"/>
+              <a:buAutoNum type="arabicPeriod"/>
+            </a:pPr>
+            <a:r>
+              <a:rPr lang="uk-UA" sz="2800" dirty="0">
+                <a:latin typeface="Calibri" pitchFamily="34" charset="0"/>
+                <a:cs typeface="Calibri" pitchFamily="34" charset="0"/>
+              </a:rPr>
+              <a:t>З </a:t>
+            </a:r>
+            <a:r>
+              <a:rPr lang="uk-UA" sz="2800" dirty="0">
+                <a:latin typeface="Calibri" pitchFamily="34" charset="0"/>
+                <a:cs typeface="Calibri" pitchFamily="34" charset="0"/>
+              </a:rPr>
+              <a:t>кожного </a:t>
+            </a:r>
+            <a:r>
+              <a:rPr lang="en-US" sz="2800" dirty="0">
+                <a:latin typeface="Calibri" pitchFamily="34" charset="0"/>
+                <a:cs typeface="Calibri" pitchFamily="34" charset="0"/>
+              </a:rPr>
+              <a:t>P-</a:t>
+            </a:r>
+            <a:r>
+              <a:rPr lang="uk-UA" sz="2800" dirty="0">
+                <a:latin typeface="Calibri" pitchFamily="34" charset="0"/>
+                <a:cs typeface="Calibri" pitchFamily="34" charset="0"/>
+              </a:rPr>
+              <a:t>стану всі ходи ведуть тільки в </a:t>
+            </a:r>
+            <a:r>
+              <a:rPr lang="en-US" sz="2800" dirty="0">
+                <a:latin typeface="Calibri" pitchFamily="34" charset="0"/>
+                <a:cs typeface="Calibri" pitchFamily="34" charset="0"/>
+              </a:rPr>
+              <a:t>N-</a:t>
+            </a:r>
+            <a:r>
+              <a:rPr lang="uk-UA" sz="2800" dirty="0" smtClean="0">
+                <a:latin typeface="Calibri" pitchFamily="34" charset="0"/>
+                <a:cs typeface="Calibri" pitchFamily="34" charset="0"/>
+              </a:rPr>
+              <a:t>стан</a:t>
+            </a:r>
+            <a:endParaRPr lang="en-US" sz="2800" dirty="0">
+              <a:solidFill>
+                <a:schemeClr val="tx1">
+                  <a:lumMod val="50000"/>
+                  <a:lumOff val="50000"/>
+                </a:schemeClr>
+              </a:solidFill>
+              <a:latin typeface="Cambria Math"/>
+              <a:ea typeface="+mn-ea"/>
+              <a:cs typeface="+mn-cs"/>
+            </a:endParaRPr>
+          </a:p>
+        </p:txBody>
+      </p:sp>
+      <p:sp>
+        <p:nvSpPr>
+          <p:cNvPr id="5" name="Title 1"/>
+          <p:cNvSpPr txBox="1">
+            <a:spLocks/>
+          </p:cNvSpPr>
+          <p:nvPr/>
+        </p:nvSpPr>
+        <p:spPr>
+          <a:xfrm>
+            <a:off x="152400" y="2286000"/>
+            <a:ext cx="8991600" cy="723900"/>
+          </a:xfrm>
+          <a:prstGeom prst="rect">
+            <a:avLst/>
+          </a:prstGeom>
+        </p:spPr>
+        <p:txBody>
+          <a:bodyPr vert="horz" lIns="91440" tIns="45720" rIns="91440" bIns="45720" rtlCol="0" anchor="b">
+            <a:noAutofit/>
+          </a:bodyPr>
+          <a:lstStyle>
+            <a:lvl1pPr algn="ctr" defTabSz="914400" rtl="0" eaLnBrk="1" latinLnBrk="0" hangingPunct="1">
+              <a:lnSpc>
+                <a:spcPts val="5800"/>
+              </a:lnSpc>
+              <a:spcBef>
+                <a:spcPct val="0"/>
+              </a:spcBef>
+              <a:buNone/>
+              <a:defRPr sz="5400" kern="1200">
+                <a:solidFill>
+                  <a:schemeClr val="tx2"/>
+                </a:solidFill>
+                <a:effectLst>
+                  <a:outerShdw blurRad="63500" dist="38100" dir="5400000" algn="t" rotWithShape="0">
+                    <a:prstClr val="black">
+                      <a:alpha val="25000"/>
+                    </a:prstClr>
+                  </a:outerShdw>
+                </a:effectLst>
+                <a:latin typeface="+mn-lt"/>
+                <a:ea typeface="+mj-ea"/>
+                <a:cs typeface="+mj-cs"/>
+              </a:defRPr>
+            </a:lvl1pPr>
+          </a:lstStyle>
+          <a:p>
+            <a:r>
+              <a:rPr lang="uk-UA" sz="3400" dirty="0" smtClean="0">
+                <a:latin typeface="Calibri" pitchFamily="34" charset="0"/>
+                <a:cs typeface="Calibri" pitchFamily="34" charset="0"/>
+              </a:rPr>
+              <a:t>Розрізняють виграшні</a:t>
+            </a:r>
+            <a:r>
+              <a:rPr lang="en-US" sz="3400" dirty="0" smtClean="0">
+                <a:latin typeface="Calibri" pitchFamily="34" charset="0"/>
+                <a:cs typeface="Calibri" pitchFamily="34" charset="0"/>
+              </a:rPr>
+              <a:t>(N)</a:t>
+            </a:r>
+            <a:r>
+              <a:rPr lang="uk-UA" sz="3400" dirty="0" smtClean="0">
+                <a:latin typeface="Calibri" pitchFamily="34" charset="0"/>
+                <a:cs typeface="Calibri" pitchFamily="34" charset="0"/>
+              </a:rPr>
+              <a:t> і програшні</a:t>
+            </a:r>
+            <a:r>
+              <a:rPr lang="en-US" sz="3400" dirty="0" smtClean="0">
+                <a:latin typeface="Calibri" pitchFamily="34" charset="0"/>
+                <a:cs typeface="Calibri" pitchFamily="34" charset="0"/>
+              </a:rPr>
+              <a:t>(P)</a:t>
+            </a:r>
+            <a:r>
+              <a:rPr lang="uk-UA" sz="3400" dirty="0" smtClean="0">
+                <a:latin typeface="Calibri" pitchFamily="34" charset="0"/>
+                <a:cs typeface="Calibri" pitchFamily="34" charset="0"/>
+              </a:rPr>
+              <a:t> стани</a:t>
+            </a:r>
+            <a:endParaRPr lang="en-US" sz="3400" dirty="0"/>
           </a:p>
         </p:txBody>
       </p:sp>
     </p:spTree>
     <p:extLst>
       <p:ext uri="{BB962C8B-B14F-4D97-AF65-F5344CB8AC3E}">
-        <p14:creationId xmlns:p14="http://schemas.microsoft.com/office/powerpoint/2010/main" val="2389529473"/>
+        <p14:creationId xmlns:p14="http://schemas.microsoft.com/office/powerpoint/2010/main" val="2693791432"/>
       </p:ext>
     </p:extLst>
   </p:cSld>
@@ -6175,40 +8075,36 @@
         </p:nvSpPr>
         <p:spPr>
           <a:xfrm>
-            <a:off x="381000" y="3276600"/>
-            <a:ext cx="8229600" cy="2362200"/>
+            <a:off x="0" y="2362200"/>
+            <a:ext cx="9144000" cy="2362200"/>
           </a:xfrm>
         </p:spPr>
         <p:txBody>
           <a:bodyPr/>
           <a:lstStyle/>
           <a:p>
-            <a:pPr>
-              <a:lnSpc>
-                <a:spcPct val="100000"/>
-              </a:lnSpc>
-            </a:pPr>
-            <a:r>
-              <a:rPr lang="uk-UA" dirty="0" smtClean="0">
+            <a:r>
+              <a:rPr lang="uk-UA" sz="5000" dirty="0" smtClean="0">
                 <a:latin typeface="Calibri" pitchFamily="34" charset="0"/>
                 <a:cs typeface="Calibri" pitchFamily="34" charset="0"/>
               </a:rPr>
-              <a:t>Теорема Шпрага-Гранді:</a:t>
-            </a:r>
-            <a:br>
-              <a:rPr lang="uk-UA" dirty="0" smtClean="0">
+              <a:t>Для заданого стану знайти переможця </a:t>
+            </a:r>
+            <a:r>
+              <a:rPr lang="uk-UA" sz="5000" dirty="0">
                 <a:latin typeface="Calibri" pitchFamily="34" charset="0"/>
                 <a:cs typeface="Calibri" pitchFamily="34" charset="0"/>
               </a:rPr>
-            </a:br>
-            <a:r>
-              <a:rPr lang="uk-UA" dirty="0" smtClean="0">
+              <a:t>при оптимальній </a:t>
+            </a:r>
+            <a:r>
+              <a:rPr lang="uk-UA" sz="5000" dirty="0" smtClean="0">
                 <a:latin typeface="Calibri" pitchFamily="34" charset="0"/>
                 <a:cs typeface="Calibri" pitchFamily="34" charset="0"/>
               </a:rPr>
-              <a:t>будь-яка рівноправна гра еквівалентна грі Нім</a:t>
-            </a:r>
-            <a:endParaRPr lang="en-US" dirty="0"/>
+              <a:t>грі</a:t>
+            </a:r>
+            <a:endParaRPr lang="en-US" sz="5000" dirty="0"/>
           </a:p>
         </p:txBody>
       </p:sp>
@@ -6261,17 +8157,34 @@
           </a:lstStyle>
           <a:p>
             <a:r>
-              <a:rPr lang="uk-UA" b="1" dirty="0" smtClean="0"/>
-              <a:t>Теорія</a:t>
-            </a:r>
-            <a:endParaRPr lang="en-US" b="1" dirty="0"/>
+              <a:rPr lang="uk-UA" dirty="0">
+                <a:latin typeface="Calibri" pitchFamily="34" charset="0"/>
+                <a:cs typeface="Calibri" pitchFamily="34" charset="0"/>
+              </a:rPr>
+              <a:t>Розв</a:t>
+            </a:r>
+            <a:r>
+              <a:rPr lang="en-US" dirty="0">
+                <a:latin typeface="Calibri" pitchFamily="34" charset="0"/>
+                <a:cs typeface="Calibri" pitchFamily="34" charset="0"/>
+              </a:rPr>
+              <a:t>’</a:t>
+            </a:r>
+            <a:r>
+              <a:rPr lang="uk-UA" dirty="0">
+                <a:latin typeface="Calibri" pitchFamily="34" charset="0"/>
+                <a:cs typeface="Calibri" pitchFamily="34" charset="0"/>
+              </a:rPr>
+              <a:t>язок</a:t>
+            </a:r>
+            <a:endParaRPr lang="en-US" dirty="0"/>
           </a:p>
         </p:txBody>
       </p:sp>
     </p:spTree>
     <p:extLst>
       <p:ext uri="{BB962C8B-B14F-4D97-AF65-F5344CB8AC3E}">
-        <p14:creationId xmlns:p14="http://schemas.microsoft.com/office/powerpoint/2010/main" val="1541107590"/>
+        <p14:creationId xmlns:p14="http://schemas.microsoft.com/office/powerpoint/2010/main" val="4159784587"/>
       </p:ext>
     </p:extLst>
   </p:cSld>
@@ -6307,36 +8220,6 @@
       </p:grpSpPr>
       <p:sp>
         <p:nvSpPr>
-          <p:cNvPr id="2" name="Title 1"/>
-          <p:cNvSpPr>
-            <a:spLocks noGrp="1"/>
-          </p:cNvSpPr>
-          <p:nvPr>
-            <p:ph type="title"/>
-          </p:nvPr>
-        </p:nvSpPr>
-        <p:spPr>
-          <a:xfrm>
-            <a:off x="533400" y="3200400"/>
-            <a:ext cx="8229600" cy="914400"/>
-          </a:xfrm>
-        </p:spPr>
-        <p:txBody>
-          <a:bodyPr/>
-          <a:lstStyle/>
-          <a:p>
-            <a:r>
-              <a:rPr lang="uk-UA" dirty="0">
-                <a:latin typeface="Calibri" pitchFamily="34" charset="0"/>
-                <a:cs typeface="Calibri" pitchFamily="34" charset="0"/>
-              </a:rPr>
-              <a:t>Суми ігор</a:t>
-            </a:r>
-          </a:p>
-        </p:txBody>
-      </p:sp>
-      <p:sp>
-        <p:nvSpPr>
           <p:cNvPr id="4" name="Title 1"/>
           <p:cNvSpPr txBox="1">
             <a:spLocks/>
@@ -6384,17 +8267,147 @@
           </a:lstStyle>
           <a:p>
             <a:r>
-              <a:rPr lang="uk-UA" b="1" dirty="0" smtClean="0"/>
-              <a:t>Теорія</a:t>
-            </a:r>
-            <a:endParaRPr lang="en-US" b="1" dirty="0"/>
+              <a:rPr lang="uk-UA" dirty="0" smtClean="0">
+                <a:solidFill>
+                  <a:srgbClr val="2F5897"/>
+                </a:solidFill>
+              </a:rPr>
+              <a:t>Гра Нім</a:t>
+            </a:r>
+            <a:endParaRPr lang="en-US" dirty="0">
+              <a:solidFill>
+                <a:srgbClr val="2F5897"/>
+              </a:solidFill>
+            </a:endParaRPr>
+          </a:p>
+        </p:txBody>
+      </p:sp>
+      <p:pic>
+        <p:nvPicPr>
+          <p:cNvPr id="1026" name="Picture 2" descr="D:\apps\edu\MasterThesis\PaperWork\pics\Nim_qc.jpg"/>
+          <p:cNvPicPr>
+            <a:picLocks noChangeAspect="1" noChangeArrowheads="1"/>
+          </p:cNvPicPr>
+          <p:nvPr/>
+        </p:nvPicPr>
+        <p:blipFill>
+          <a:blip r:embed="rId2">
+            <a:extLst>
+              <a:ext uri="{28A0092B-C50C-407E-A947-70E740481C1C}">
+                <a14:useLocalDpi xmlns:a14="http://schemas.microsoft.com/office/drawing/2010/main" val="0"/>
+              </a:ext>
+            </a:extLst>
+          </a:blip>
+          <a:srcRect/>
+          <a:stretch>
+            <a:fillRect/>
+          </a:stretch>
+        </p:blipFill>
+        <p:spPr bwMode="auto">
+          <a:xfrm>
+            <a:off x="2253358" y="3117103"/>
+            <a:ext cx="4942083" cy="3298841"/>
+          </a:xfrm>
+          <a:prstGeom prst="rect">
+            <a:avLst/>
+          </a:prstGeom>
+          <a:noFill/>
+          <a:extLst>
+            <a:ext uri="{909E8E84-426E-40DD-AFC4-6F175D3DCCD1}">
+              <a14:hiddenFill xmlns:a14="http://schemas.microsoft.com/office/drawing/2010/main">
+                <a:solidFill>
+                  <a:srgbClr val="FFFFFF"/>
+                </a:solidFill>
+              </a14:hiddenFill>
+            </a:ext>
+          </a:extLst>
+        </p:spPr>
+      </p:pic>
+      <p:sp>
+        <p:nvSpPr>
+          <p:cNvPr id="6" name="Title 1"/>
+          <p:cNvSpPr>
+            <a:spLocks noGrp="1"/>
+          </p:cNvSpPr>
+          <p:nvPr>
+            <p:ph type="title"/>
+          </p:nvPr>
+        </p:nvSpPr>
+        <p:spPr>
+          <a:xfrm>
+            <a:off x="609599" y="1905000"/>
+            <a:ext cx="8229600" cy="983503"/>
+          </a:xfrm>
+        </p:spPr>
+        <p:txBody>
+          <a:bodyPr/>
+          <a:lstStyle/>
+          <a:p>
+            <a:pPr>
+              <a:lnSpc>
+                <a:spcPct val="100000"/>
+              </a:lnSpc>
+            </a:pPr>
+            <a:r>
+              <a:rPr lang="uk-UA" sz="2800" dirty="0">
+                <a:latin typeface="Calibri" pitchFamily="34" charset="0"/>
+                <a:cs typeface="Calibri" pitchFamily="34" charset="0"/>
+              </a:rPr>
+              <a:t>Гравці по черзі віднімають додатню кількість </a:t>
+            </a:r>
+            <a:r>
+              <a:rPr lang="uk-UA" sz="2800" dirty="0">
+                <a:latin typeface="Calibri" pitchFamily="34" charset="0"/>
+                <a:cs typeface="Calibri" pitchFamily="34" charset="0"/>
+              </a:rPr>
+              <a:t>об</a:t>
+            </a:r>
+            <a:r>
+              <a:rPr lang="en-US" sz="2800" dirty="0">
+                <a:latin typeface="Calibri" pitchFamily="34" charset="0"/>
+                <a:cs typeface="Calibri" pitchFamily="34" charset="0"/>
+              </a:rPr>
+              <a:t>’</a:t>
+            </a:r>
+            <a:r>
+              <a:rPr lang="uk-UA" sz="2800" dirty="0">
+                <a:latin typeface="Calibri" pitchFamily="34" charset="0"/>
+                <a:cs typeface="Calibri" pitchFamily="34" charset="0"/>
+              </a:rPr>
+              <a:t>єктів </a:t>
+            </a:r>
+            <a:r>
+              <a:rPr lang="uk-UA" sz="2800" dirty="0">
+                <a:latin typeface="Calibri" pitchFamily="34" charset="0"/>
+                <a:cs typeface="Calibri" pitchFamily="34" charset="0"/>
+              </a:rPr>
+              <a:t>з однієї з </a:t>
+            </a:r>
+            <a:r>
+              <a:rPr lang="en-US" sz="2800" dirty="0">
+                <a:latin typeface="Calibri" pitchFamily="34" charset="0"/>
+                <a:cs typeface="Calibri" pitchFamily="34" charset="0"/>
+              </a:rPr>
+              <a:t>n</a:t>
+            </a:r>
+            <a:r>
+              <a:rPr lang="uk-UA" sz="2800" dirty="0">
+                <a:latin typeface="Calibri" pitchFamily="34" charset="0"/>
+                <a:cs typeface="Calibri" pitchFamily="34" charset="0"/>
+              </a:rPr>
+              <a:t> купок</a:t>
+            </a:r>
+            <a:endParaRPr lang="en-US" sz="2800" dirty="0">
+              <a:latin typeface="Calibri" pitchFamily="34" charset="0"/>
+              <a:cs typeface="Calibri" pitchFamily="34" charset="0"/>
+            </a:endParaRPr>
           </a:p>
         </p:txBody>
       </p:sp>
     </p:spTree>
     <p:extLst>
       <p:ext uri="{BB962C8B-B14F-4D97-AF65-F5344CB8AC3E}">
-        <p14:creationId xmlns:p14="http://schemas.microsoft.com/office/powerpoint/2010/main" val="1541107590"/>
+        <p14:creationId xmlns:p14="http://schemas.microsoft.com/office/powerpoint/2010/main" val="3489125197"/>
       </p:ext>
     </p:extLst>
   </p:cSld>
@@ -6444,85 +8457,296 @@
           <a:lstStyle/>
           <a:p>
             <a:r>
-              <a:rPr lang="uk-UA" b="1" dirty="0" smtClean="0"/>
-              <a:t>Алгоритм</a:t>
-            </a:r>
-            <a:endParaRPr lang="en-US" b="1" dirty="0"/>
-          </a:p>
-        </p:txBody>
-      </p:sp>
-      <p:sp>
-        <p:nvSpPr>
-          <p:cNvPr id="5" name="Title 1"/>
-          <p:cNvSpPr txBox="1">
-            <a:spLocks/>
-          </p:cNvSpPr>
-          <p:nvPr/>
-        </p:nvSpPr>
-        <p:spPr>
-          <a:xfrm>
-            <a:off x="0" y="2438400"/>
-            <a:ext cx="9144000" cy="2438400"/>
-          </a:xfrm>
-          <a:prstGeom prst="rect">
-            <a:avLst/>
-          </a:prstGeom>
-        </p:spPr>
-        <p:txBody>
-          <a:bodyPr vert="horz" lIns="91440" tIns="45720" rIns="91440" bIns="45720" rtlCol="0" anchor="b">
-            <a:noAutofit/>
-          </a:bodyPr>
-          <a:lstStyle>
-            <a:lvl1pPr algn="ctr" defTabSz="914400" rtl="0" eaLnBrk="1" latinLnBrk="0" hangingPunct="1">
-              <a:lnSpc>
-                <a:spcPts val="5800"/>
-              </a:lnSpc>
-              <a:spcBef>
-                <a:spcPct val="0"/>
-              </a:spcBef>
-              <a:buNone/>
-              <a:defRPr sz="5400" kern="1200">
-                <a:solidFill>
-                  <a:schemeClr val="tx2"/>
-                </a:solidFill>
-                <a:effectLst>
-                  <a:outerShdw blurRad="63500" dist="38100" dir="5400000" algn="t" rotWithShape="0">
-                    <a:prstClr val="black">
-                      <a:alpha val="25000"/>
-                    </a:prstClr>
-                  </a:outerShdw>
-                </a:effectLst>
-                <a:latin typeface="+mn-lt"/>
-                <a:ea typeface="+mj-ea"/>
-                <a:cs typeface="+mj-cs"/>
-              </a:defRPr>
-            </a:lvl1pPr>
-          </a:lstStyle>
-          <a:p>
-            <a:pPr lvl="0"/>
-            <a:r>
-              <a:rPr lang="uk-UA" dirty="0" smtClean="0"/>
-              <a:t>1.</a:t>
-            </a:r>
-          </a:p>
-          <a:p>
-            <a:pPr lvl="0"/>
-            <a:r>
-              <a:rPr lang="uk-UA" dirty="0" smtClean="0"/>
-              <a:t>Виписати </a:t>
-            </a:r>
-            <a:r>
-              <a:rPr lang="uk-UA" dirty="0"/>
-              <a:t>всі можливі переходи в інші стани </a:t>
+              <a:rPr lang="en-US" dirty="0" smtClean="0"/>
+              <a:t>Minimal </a:t>
+            </a:r>
+            <a:r>
+              <a:rPr lang="en-US" dirty="0" err="1" smtClean="0"/>
+              <a:t>Excludant</a:t>
             </a:r>
             <a:endParaRPr lang="en-US" dirty="0"/>
           </a:p>
         </p:txBody>
       </p:sp>
+      <mc:AlternateContent xmlns:mc="http://schemas.openxmlformats.org/markup-compatibility/2006">
+        <mc:Choice xmlns:a14="http://schemas.microsoft.com/office/drawing/2010/main" Requires="a14">
+          <p:sp>
+            <p:nvSpPr>
+              <p:cNvPr id="4" name="Title 1"/>
+              <p:cNvSpPr txBox="1">
+                <a:spLocks/>
+              </p:cNvSpPr>
+              <p:nvPr/>
+            </p:nvSpPr>
+            <p:spPr>
+              <a:xfrm>
+                <a:off x="0" y="2819400"/>
+                <a:ext cx="9144000" cy="1447800"/>
+              </a:xfrm>
+              <a:prstGeom prst="rect">
+                <a:avLst/>
+              </a:prstGeom>
+            </p:spPr>
+            <p:txBody>
+              <a:bodyPr vert="horz" lIns="91440" tIns="45720" rIns="91440" bIns="45720" rtlCol="0" anchor="b">
+                <a:noAutofit/>
+              </a:bodyPr>
+              <a:lstStyle>
+                <a:lvl1pPr algn="ctr" defTabSz="914400" rtl="0" eaLnBrk="1" latinLnBrk="0" hangingPunct="1">
+                  <a:lnSpc>
+                    <a:spcPts val="5800"/>
+                  </a:lnSpc>
+                  <a:spcBef>
+                    <a:spcPct val="0"/>
+                  </a:spcBef>
+                  <a:buNone/>
+                  <a:defRPr sz="5400" kern="1200">
+                    <a:solidFill>
+                      <a:schemeClr val="tx2"/>
+                    </a:solidFill>
+                    <a:effectLst>
+                      <a:outerShdw blurRad="63500" dist="38100" dir="5400000" algn="t" rotWithShape="0">
+                        <a:prstClr val="black">
+                          <a:alpha val="25000"/>
+                        </a:prstClr>
+                      </a:outerShdw>
+                    </a:effectLst>
+                    <a:latin typeface="+mn-lt"/>
+                    <a:ea typeface="+mj-ea"/>
+                    <a:cs typeface="+mj-cs"/>
+                  </a:defRPr>
+                </a:lvl1pPr>
+              </a:lstStyle>
+              <a:p>
+                <a14:m>
+                  <m:oMathPara xmlns:m="http://schemas.openxmlformats.org/officeDocument/2006/math">
+                    <m:oMathParaPr>
+                      <m:jc m:val="centerGroup"/>
+                    </m:oMathParaPr>
+                    <m:oMath xmlns:m="http://schemas.openxmlformats.org/officeDocument/2006/math">
+                      <m:r>
+                        <a:rPr lang="en-US" sz="5000" b="0" i="1" smtClean="0">
+                          <a:latin typeface="Cambria Math"/>
+                          <a:cs typeface="Calibri" pitchFamily="34" charset="0"/>
+                        </a:rPr>
+                        <m:t>𝑀𝑒𝑥</m:t>
+                      </m:r>
+                      <m:d>
+                        <m:dPr>
+                          <m:ctrlPr>
+                            <a:rPr lang="en-US" sz="5000" b="0" i="1" smtClean="0">
+                              <a:latin typeface="Cambria Math"/>
+                              <a:cs typeface="Calibri" pitchFamily="34" charset="0"/>
+                            </a:rPr>
+                          </m:ctrlPr>
+                        </m:dPr>
+                        <m:e>
+                          <m:r>
+                            <a:rPr lang="en-US" sz="5000" b="0" i="1" smtClean="0">
+                              <a:latin typeface="Cambria Math"/>
+                              <a:cs typeface="Calibri" pitchFamily="34" charset="0"/>
+                            </a:rPr>
+                            <m:t>𝑆</m:t>
+                          </m:r>
+                        </m:e>
+                      </m:d>
+                      <m:r>
+                        <a:rPr lang="en-US" sz="5000" b="0" i="1" smtClean="0">
+                          <a:latin typeface="Cambria Math"/>
+                          <a:cs typeface="Calibri" pitchFamily="34" charset="0"/>
+                        </a:rPr>
+                        <m:t>=</m:t>
+                      </m:r>
+                      <m:func>
+                        <m:funcPr>
+                          <m:ctrlPr>
+                            <a:rPr lang="en-US" sz="5000" b="0" i="1" smtClean="0">
+                              <a:latin typeface="Cambria Math"/>
+                              <a:cs typeface="Calibri" pitchFamily="34" charset="0"/>
+                            </a:rPr>
+                          </m:ctrlPr>
+                        </m:funcPr>
+                        <m:fName>
+                          <m:limLow>
+                            <m:limLowPr>
+                              <m:ctrlPr>
+                                <a:rPr lang="en-US" sz="5000" b="0" i="1" smtClean="0">
+                                  <a:latin typeface="Cambria Math"/>
+                                  <a:cs typeface="Calibri" pitchFamily="34" charset="0"/>
+                                </a:rPr>
+                              </m:ctrlPr>
+                            </m:limLowPr>
+                            <m:e>
+                              <m:r>
+                                <m:rPr>
+                                  <m:sty m:val="p"/>
+                                </m:rPr>
+                                <a:rPr lang="en-US" sz="5000" b="0" i="0" smtClean="0">
+                                  <a:latin typeface="Cambria Math"/>
+                                  <a:cs typeface="Calibri" pitchFamily="34" charset="0"/>
+                                </a:rPr>
+                                <m:t>min</m:t>
+                              </m:r>
+                            </m:e>
+                            <m:lim>
+                              <m:r>
+                                <a:rPr lang="en-US" sz="5000" b="0" i="1" smtClean="0">
+                                  <a:latin typeface="Cambria Math"/>
+                                  <a:cs typeface="Calibri" pitchFamily="34" charset="0"/>
+                                </a:rPr>
+                                <m:t>𝑥</m:t>
+                              </m:r>
+                              <m:r>
+                                <a:rPr lang="en-US" sz="5000" i="1">
+                                  <a:latin typeface="Cambria Math"/>
+                                  <a:ea typeface="Cambria Math"/>
+                                  <a:cs typeface="Calibri" pitchFamily="34" charset="0"/>
+                                </a:rPr>
+                                <m:t>∉</m:t>
+                              </m:r>
+                              <m:r>
+                                <a:rPr lang="en-US" sz="5000" b="0" i="1" smtClean="0">
+                                  <a:latin typeface="Cambria Math"/>
+                                  <a:ea typeface="Cambria Math"/>
+                                  <a:cs typeface="Calibri" pitchFamily="34" charset="0"/>
+                                </a:rPr>
+                                <m:t>𝑆</m:t>
+                              </m:r>
+                              <m:r>
+                                <a:rPr lang="en-US" sz="5000" b="0" i="1" smtClean="0">
+                                  <a:latin typeface="Cambria Math"/>
+                                  <a:ea typeface="Cambria Math"/>
+                                  <a:cs typeface="Calibri" pitchFamily="34" charset="0"/>
+                                </a:rPr>
+                                <m:t>,</m:t>
+                              </m:r>
+                              <m:r>
+                                <a:rPr lang="en-US" sz="5000" b="0" i="1" smtClean="0">
+                                  <a:latin typeface="Cambria Math"/>
+                                  <a:ea typeface="Cambria Math"/>
+                                  <a:cs typeface="Calibri" pitchFamily="34" charset="0"/>
+                                </a:rPr>
+                                <m:t>𝑥</m:t>
+                              </m:r>
+                              <m:r>
+                                <a:rPr lang="en-US" sz="5000" b="0" i="1" smtClean="0">
+                                  <a:latin typeface="Cambria Math"/>
+                                  <a:ea typeface="Cambria Math"/>
+                                  <a:cs typeface="Calibri" pitchFamily="34" charset="0"/>
+                                </a:rPr>
+                                <m:t>≥0</m:t>
+                              </m:r>
+                            </m:lim>
+                          </m:limLow>
+                        </m:fName>
+                        <m:e>
+                          <m:d>
+                            <m:dPr>
+                              <m:ctrlPr>
+                                <a:rPr lang="en-US" sz="5000" b="0" i="1" smtClean="0">
+                                  <a:latin typeface="Cambria Math"/>
+                                  <a:cs typeface="Calibri" pitchFamily="34" charset="0"/>
+                                </a:rPr>
+                              </m:ctrlPr>
+                            </m:dPr>
+                            <m:e>
+                              <m:r>
+                                <a:rPr lang="en-US" sz="5000" b="0" i="1" smtClean="0">
+                                  <a:latin typeface="Cambria Math"/>
+                                  <a:cs typeface="Calibri" pitchFamily="34" charset="0"/>
+                                </a:rPr>
+                                <m:t>𝑥</m:t>
+                              </m:r>
+                            </m:e>
+                          </m:d>
+                          <m:r>
+                            <a:rPr lang="en-US" sz="5000" b="0" i="1" smtClean="0">
+                              <a:latin typeface="Cambria Math"/>
+                              <a:cs typeface="Calibri" pitchFamily="34" charset="0"/>
+                            </a:rPr>
+                            <m:t>, </m:t>
+                          </m:r>
+                          <m:r>
+                            <a:rPr lang="uk-UA" sz="5000" b="0" i="1" smtClean="0">
+                              <a:latin typeface="Cambria Math"/>
+                              <a:cs typeface="Calibri" pitchFamily="34" charset="0"/>
+                            </a:rPr>
+                            <m:t>де </m:t>
+                          </m:r>
+                          <m:r>
+                            <a:rPr lang="en-US" sz="5000" b="0" i="1" smtClean="0">
+                              <a:latin typeface="Cambria Math"/>
+                              <a:cs typeface="Calibri" pitchFamily="34" charset="0"/>
+                            </a:rPr>
+                            <m:t>𝑆</m:t>
+                          </m:r>
+                          <m:r>
+                            <a:rPr lang="en-US" sz="5000" b="0" i="1" smtClean="0">
+                              <a:latin typeface="Cambria Math"/>
+                              <a:cs typeface="Calibri" pitchFamily="34" charset="0"/>
+                            </a:rPr>
+                            <m:t>⊂</m:t>
+                          </m:r>
+                          <m:r>
+                            <a:rPr lang="en-US" sz="5000" b="0" i="1" smtClean="0">
+                              <a:latin typeface="Cambria Math"/>
+                              <a:cs typeface="Calibri" pitchFamily="34" charset="0"/>
+                            </a:rPr>
+                            <m:t>ℕ</m:t>
+                          </m:r>
+                        </m:e>
+                      </m:func>
+                    </m:oMath>
+                  </m:oMathPara>
+                </a14:m>
+                <a:endParaRPr lang="en-US" sz="5000" dirty="0"/>
+              </a:p>
+            </p:txBody>
+          </p:sp>
+        </mc:Choice>
+        <mc:Fallback>
+          <p:sp>
+            <p:nvSpPr>
+              <p:cNvPr id="4" name="Title 1"/>
+              <p:cNvSpPr txBox="1">
+                <a:spLocks noRot="1" noChangeAspect="1" noMove="1" noResize="1" noEditPoints="1" noAdjustHandles="1" noChangeArrowheads="1" noChangeShapeType="1" noTextEdit="1"/>
+              </p:cNvSpPr>
+              <p:nvPr/>
+            </p:nvSpPr>
+            <p:spPr>
+              <a:xfrm>
+                <a:off x="0" y="2819400"/>
+                <a:ext cx="9144000" cy="1447800"/>
+              </a:xfrm>
+              <a:prstGeom prst="rect">
+                <a:avLst/>
+              </a:prstGeom>
+              <a:blipFill rotWithShape="1">
+                <a:blip r:embed="rId2"/>
+                <a:stretch>
+                  <a:fillRect b="-19409"/>
+                </a:stretch>
+              </a:blipFill>
+            </p:spPr>
+            <p:txBody>
+              <a:bodyPr/>
+              <a:lstStyle/>
+              <a:p>
+                <a:r>
+                  <a:rPr lang="en-US">
+                    <a:noFill/>
+                  </a:rPr>
+                  <a:t> </a:t>
+                </a:r>
+              </a:p>
+            </p:txBody>
+          </p:sp>
+        </mc:Fallback>
+      </mc:AlternateContent>
     </p:spTree>
     <p:extLst>
       <p:ext uri="{BB962C8B-B14F-4D97-AF65-F5344CB8AC3E}">
-        <p14:creationId xmlns:p14="http://schemas.microsoft.com/office/powerpoint/2010/main" val="3084707101"/>
+        <p14:creationId xmlns:p14="http://schemas.microsoft.com/office/powerpoint/2010/main" val="361593458"/>
       </p:ext>
     </p:extLst>
   </p:cSld>
@@ -6572,256 +8796,752 @@
           <a:lstStyle/>
           <a:p>
             <a:r>
-              <a:rPr lang="uk-UA" b="1" dirty="0" smtClean="0"/>
-              <a:t>Алгоритм</a:t>
-            </a:r>
-            <a:endParaRPr lang="en-US" b="1" dirty="0"/>
-          </a:p>
-        </p:txBody>
-      </p:sp>
-      <p:sp>
-        <p:nvSpPr>
-          <p:cNvPr id="5" name="Title 1"/>
-          <p:cNvSpPr txBox="1">
-            <a:spLocks/>
-          </p:cNvSpPr>
+              <a:rPr lang="uk-UA" dirty="0" smtClean="0"/>
+              <a:t>Нім-сума</a:t>
+            </a:r>
+            <a:endParaRPr lang="en-US" dirty="0"/>
+          </a:p>
+        </p:txBody>
+      </p:sp>
+      <mc:AlternateContent xmlns:mc="http://schemas.openxmlformats.org/markup-compatibility/2006">
+        <mc:Choice xmlns:a14="http://schemas.microsoft.com/office/drawing/2010/main" Requires="a14">
+          <p:sp>
+            <p:nvSpPr>
+              <p:cNvPr id="4" name="Title 1"/>
+              <p:cNvSpPr txBox="1">
+                <a:spLocks/>
+              </p:cNvSpPr>
+              <p:nvPr/>
+            </p:nvSpPr>
+            <p:spPr>
+              <a:xfrm>
+                <a:off x="0" y="3581400"/>
+                <a:ext cx="9144000" cy="1905000"/>
+              </a:xfrm>
+              <a:prstGeom prst="rect">
+                <a:avLst/>
+              </a:prstGeom>
+            </p:spPr>
+            <p:txBody>
+              <a:bodyPr vert="horz" lIns="91440" tIns="45720" rIns="91440" bIns="45720" rtlCol="0" anchor="b">
+                <a:noAutofit/>
+              </a:bodyPr>
+              <a:lstStyle>
+                <a:lvl1pPr algn="ctr" defTabSz="914400" rtl="0" eaLnBrk="1" latinLnBrk="0" hangingPunct="1">
+                  <a:lnSpc>
+                    <a:spcPts val="5800"/>
+                  </a:lnSpc>
+                  <a:spcBef>
+                    <a:spcPct val="0"/>
+                  </a:spcBef>
+                  <a:buNone/>
+                  <a:defRPr sz="5400" kern="1200">
+                    <a:solidFill>
+                      <a:schemeClr val="tx2"/>
+                    </a:solidFill>
+                    <a:effectLst>
+                      <a:outerShdw blurRad="63500" dist="38100" dir="5400000" algn="t" rotWithShape="0">
+                        <a:prstClr val="black">
+                          <a:alpha val="25000"/>
+                        </a:prstClr>
+                      </a:outerShdw>
+                    </a:effectLst>
+                    <a:latin typeface="+mn-lt"/>
+                    <a:ea typeface="+mj-ea"/>
+                    <a:cs typeface="+mj-cs"/>
+                  </a:defRPr>
+                </a:lvl1pPr>
+              </a:lstStyle>
+              <a:p>
+                <a:pPr marL="274320">
+                  <a:lnSpc>
+                    <a:spcPct val="100000"/>
+                  </a:lnSpc>
+                </a:pPr>
+                <a14:m>
+                  <m:oMathPara xmlns:m="http://schemas.openxmlformats.org/officeDocument/2006/math">
+                    <m:oMathParaPr>
+                      <m:jc m:val="centerGroup"/>
+                    </m:oMathParaPr>
+                    <m:oMath xmlns:m="http://schemas.openxmlformats.org/officeDocument/2006/math">
+                      <m:sSub>
+                        <m:sSubPr>
+                          <m:ctrlPr>
+                            <a:rPr lang="en-US" sz="2400" i="1" smtClean="0">
+                              <a:effectLst/>
+                            </a:rPr>
+                          </m:ctrlPr>
+                        </m:sSubPr>
+                        <m:e>
+                          <m:d>
+                            <m:dPr>
+                              <m:ctrlPr>
+                                <a:rPr lang="en-US" sz="2400" i="1">
+                                  <a:effectLst/>
+                                </a:rPr>
+                              </m:ctrlPr>
+                            </m:dPr>
+                            <m:e>
+                              <m:sSub>
+                                <m:sSubPr>
+                                  <m:ctrlPr>
+                                    <a:rPr lang="en-US" sz="2400" i="1">
+                                      <a:effectLst/>
+                                    </a:rPr>
+                                  </m:ctrlPr>
+                                </m:sSubPr>
+                                <m:e>
+                                  <m:r>
+                                    <a:rPr lang="uk-UA" sz="2400" i="1">
+                                      <a:effectLst/>
+                                    </a:rPr>
+                                    <m:t>𝑥</m:t>
+                                  </m:r>
+                                </m:e>
+                                <m:sub>
+                                  <m:r>
+                                    <a:rPr lang="en-US" sz="2400" i="1">
+                                      <a:effectLst/>
+                                    </a:rPr>
+                                    <m:t>𝑚</m:t>
+                                  </m:r>
+                                </m:sub>
+                              </m:sSub>
+                              <m:r>
+                                <a:rPr lang="uk-UA" sz="2400" i="1">
+                                  <a:effectLst/>
+                                </a:rPr>
+                                <m:t> · · · </m:t>
+                              </m:r>
+                              <m:sSub>
+                                <m:sSubPr>
+                                  <m:ctrlPr>
+                                    <a:rPr lang="en-US" sz="2400" i="1">
+                                      <a:effectLst/>
+                                    </a:rPr>
+                                  </m:ctrlPr>
+                                </m:sSubPr>
+                                <m:e>
+                                  <m:r>
+                                    <a:rPr lang="uk-UA" sz="2400" i="1">
+                                      <a:effectLst/>
+                                    </a:rPr>
+                                    <m:t>𝑥</m:t>
+                                  </m:r>
+                                </m:e>
+                                <m:sub>
+                                  <m:r>
+                                    <a:rPr lang="uk-UA" sz="2400" i="1">
+                                      <a:effectLst/>
+                                    </a:rPr>
+                                    <m:t>0</m:t>
+                                  </m:r>
+                                </m:sub>
+                              </m:sSub>
+                            </m:e>
+                          </m:d>
+                        </m:e>
+                        <m:sub>
+                          <m:r>
+                            <a:rPr lang="uk-UA" sz="2400" i="1">
+                              <a:effectLst/>
+                            </a:rPr>
+                            <m:t>2</m:t>
+                          </m:r>
+                        </m:sub>
+                      </m:sSub>
+                      <m:r>
+                        <a:rPr lang="uk-UA" sz="2400">
+                          <a:effectLst/>
+                        </a:rPr>
+                        <m:t> </m:t>
+                      </m:r>
+                      <m:r>
+                        <a:rPr lang="uk-UA" sz="2400" i="1">
+                          <a:effectLst/>
+                        </a:rPr>
+                        <m:t>⊕</m:t>
+                      </m:r>
+                      <m:r>
+                        <a:rPr lang="uk-UA" sz="2400">
+                          <a:effectLst/>
+                        </a:rPr>
+                        <m:t> </m:t>
+                      </m:r>
+                      <m:sSub>
+                        <m:sSubPr>
+                          <m:ctrlPr>
+                            <a:rPr lang="en-US" sz="2400" i="1">
+                              <a:effectLst/>
+                            </a:rPr>
+                          </m:ctrlPr>
+                        </m:sSubPr>
+                        <m:e>
+                          <m:d>
+                            <m:dPr>
+                              <m:ctrlPr>
+                                <a:rPr lang="en-US" sz="2400" i="1">
+                                  <a:effectLst/>
+                                </a:rPr>
+                              </m:ctrlPr>
+                            </m:dPr>
+                            <m:e>
+                              <m:sSub>
+                                <m:sSubPr>
+                                  <m:ctrlPr>
+                                    <a:rPr lang="en-US" sz="2400" i="1">
+                                      <a:effectLst/>
+                                    </a:rPr>
+                                  </m:ctrlPr>
+                                </m:sSubPr>
+                                <m:e>
+                                  <m:r>
+                                    <a:rPr lang="en-US" sz="2400" i="1">
+                                      <a:effectLst/>
+                                    </a:rPr>
+                                    <m:t>𝑦</m:t>
+                                  </m:r>
+                                </m:e>
+                                <m:sub>
+                                  <m:r>
+                                    <a:rPr lang="en-US" sz="2400" i="1">
+                                      <a:effectLst/>
+                                    </a:rPr>
+                                    <m:t>𝑚</m:t>
+                                  </m:r>
+                                </m:sub>
+                              </m:sSub>
+                              <m:r>
+                                <a:rPr lang="uk-UA" sz="2400" i="1">
+                                  <a:effectLst/>
+                                </a:rPr>
+                                <m:t> · · · </m:t>
+                              </m:r>
+                              <m:sSub>
+                                <m:sSubPr>
+                                  <m:ctrlPr>
+                                    <a:rPr lang="en-US" sz="2400" i="1">
+                                      <a:effectLst/>
+                                    </a:rPr>
+                                  </m:ctrlPr>
+                                </m:sSubPr>
+                                <m:e>
+                                  <m:r>
+                                    <a:rPr lang="uk-UA" sz="2400" i="1">
+                                      <a:effectLst/>
+                                    </a:rPr>
+                                    <m:t>𝑦</m:t>
+                                  </m:r>
+                                </m:e>
+                                <m:sub>
+                                  <m:r>
+                                    <a:rPr lang="uk-UA" sz="2400" i="1">
+                                      <a:effectLst/>
+                                    </a:rPr>
+                                    <m:t>0</m:t>
+                                  </m:r>
+                                </m:sub>
+                              </m:sSub>
+                            </m:e>
+                          </m:d>
+                        </m:e>
+                        <m:sub>
+                          <m:r>
+                            <a:rPr lang="uk-UA" sz="2400" i="1">
+                              <a:effectLst/>
+                            </a:rPr>
+                            <m:t>2</m:t>
+                          </m:r>
+                        </m:sub>
+                      </m:sSub>
+                      <m:r>
+                        <a:rPr lang="uk-UA" sz="2400" i="1">
+                          <a:effectLst/>
+                        </a:rPr>
+                        <m:t>=</m:t>
+                      </m:r>
+                      <m:sSub>
+                        <m:sSubPr>
+                          <m:ctrlPr>
+                            <a:rPr lang="en-US" sz="2400" i="1">
+                              <a:effectLst/>
+                            </a:rPr>
+                          </m:ctrlPr>
+                        </m:sSubPr>
+                        <m:e>
+                          <m:d>
+                            <m:dPr>
+                              <m:ctrlPr>
+                                <a:rPr lang="en-US" sz="2400" i="1">
+                                  <a:effectLst/>
+                                </a:rPr>
+                              </m:ctrlPr>
+                            </m:dPr>
+                            <m:e>
+                              <m:sSub>
+                                <m:sSubPr>
+                                  <m:ctrlPr>
+                                    <a:rPr lang="en-US" sz="2400" i="1">
+                                      <a:effectLst/>
+                                    </a:rPr>
+                                  </m:ctrlPr>
+                                </m:sSubPr>
+                                <m:e>
+                                  <m:r>
+                                    <a:rPr lang="uk-UA" sz="2400" i="1">
+                                      <a:effectLst/>
+                                    </a:rPr>
+                                    <m:t>𝑧</m:t>
+                                  </m:r>
+                                </m:e>
+                                <m:sub>
+                                  <m:r>
+                                    <a:rPr lang="en-US" sz="2400" i="1">
+                                      <a:effectLst/>
+                                    </a:rPr>
+                                    <m:t>𝑚</m:t>
+                                  </m:r>
+                                </m:sub>
+                              </m:sSub>
+                              <m:r>
+                                <a:rPr lang="uk-UA" sz="2400" i="1">
+                                  <a:effectLst/>
+                                </a:rPr>
+                                <m:t> · · · </m:t>
+                              </m:r>
+                              <m:sSub>
+                                <m:sSubPr>
+                                  <m:ctrlPr>
+                                    <a:rPr lang="en-US" sz="2400" i="1">
+                                      <a:effectLst/>
+                                    </a:rPr>
+                                  </m:ctrlPr>
+                                </m:sSubPr>
+                                <m:e>
+                                  <m:r>
+                                    <a:rPr lang="uk-UA" sz="2400" i="1">
+                                      <a:effectLst/>
+                                    </a:rPr>
+                                    <m:t>𝑧</m:t>
+                                  </m:r>
+                                </m:e>
+                                <m:sub>
+                                  <m:r>
+                                    <a:rPr lang="uk-UA" sz="2400" i="1">
+                                      <a:effectLst/>
+                                    </a:rPr>
+                                    <m:t>0</m:t>
+                                  </m:r>
+                                </m:sub>
+                              </m:sSub>
+                            </m:e>
+                          </m:d>
+                        </m:e>
+                        <m:sub>
+                          <m:r>
+                            <a:rPr lang="uk-UA" sz="2400" i="1">
+                              <a:effectLst/>
+                            </a:rPr>
+                            <m:t>2</m:t>
+                          </m:r>
+                        </m:sub>
+                      </m:sSub>
+                    </m:oMath>
+                  </m:oMathPara>
+                </a14:m>
+                <a:endParaRPr lang="uk-UA" sz="2400" dirty="0" smtClean="0">
+                  <a:effectLst/>
+                </a:endParaRPr>
+              </a:p>
+              <a:p>
+                <a:pPr marL="274320">
+                  <a:lnSpc>
+                    <a:spcPct val="100000"/>
+                  </a:lnSpc>
+                </a:pPr>
+                <a:r>
+                  <a:rPr lang="uk-UA" sz="2400" dirty="0">
+                    <a:effectLst/>
+                  </a:rPr>
+                  <a:t>де </a:t>
+                </a:r>
+                <a14:m>
+                  <m:oMath xmlns:m="http://schemas.openxmlformats.org/officeDocument/2006/math">
+                    <m:r>
+                      <a:rPr lang="uk-UA" sz="2400" i="1" smtClean="0">
+                        <a:effectLst/>
+                        <a:ea typeface="Cambria Math"/>
+                      </a:rPr>
+                      <m:t>∀</m:t>
+                    </m:r>
+                    <m:r>
+                      <a:rPr lang="uk-UA" sz="2400" i="1">
+                        <a:effectLst/>
+                      </a:rPr>
+                      <m:t>𝑘</m:t>
+                    </m:r>
+                    <m:r>
+                      <a:rPr lang="uk-UA" sz="2400" i="1">
+                        <a:effectLst/>
+                      </a:rPr>
+                      <m:t>, </m:t>
+                    </m:r>
+                    <m:sSub>
+                      <m:sSubPr>
+                        <m:ctrlPr>
+                          <a:rPr lang="en-US" sz="2400" i="1">
+                            <a:effectLst/>
+                          </a:rPr>
+                        </m:ctrlPr>
+                      </m:sSubPr>
+                      <m:e>
+                        <m:r>
+                          <a:rPr lang="uk-UA" sz="2400" i="1">
+                            <a:effectLst/>
+                          </a:rPr>
+                          <m:t>𝑧</m:t>
+                        </m:r>
+                      </m:e>
+                      <m:sub>
+                        <m:r>
+                          <a:rPr lang="uk-UA" sz="2400" i="1">
+                            <a:effectLst/>
+                          </a:rPr>
+                          <m:t>𝑘</m:t>
+                        </m:r>
+                      </m:sub>
+                    </m:sSub>
+                    <m:r>
+                      <a:rPr lang="uk-UA" sz="2400" i="1">
+                        <a:effectLst/>
+                      </a:rPr>
+                      <m:t>=</m:t>
+                    </m:r>
+                    <m:sSub>
+                      <m:sSubPr>
+                        <m:ctrlPr>
+                          <a:rPr lang="en-US" sz="2400" i="1">
+                            <a:effectLst/>
+                          </a:rPr>
+                        </m:ctrlPr>
+                      </m:sSubPr>
+                      <m:e>
+                        <m:r>
+                          <a:rPr lang="uk-UA" sz="2400" i="1">
+                            <a:effectLst/>
+                          </a:rPr>
+                          <m:t>𝑥</m:t>
+                        </m:r>
+                      </m:e>
+                      <m:sub>
+                        <m:r>
+                          <a:rPr lang="uk-UA" sz="2400" i="1">
+                            <a:effectLst/>
+                          </a:rPr>
+                          <m:t>𝑘</m:t>
+                        </m:r>
+                      </m:sub>
+                    </m:sSub>
+                    <m:r>
+                      <a:rPr lang="uk-UA" sz="2400" i="1">
+                        <a:effectLst/>
+                      </a:rPr>
+                      <m:t>⊕</m:t>
+                    </m:r>
+                    <m:sSub>
+                      <m:sSubPr>
+                        <m:ctrlPr>
+                          <a:rPr lang="en-US" sz="2400" i="1">
+                            <a:effectLst/>
+                          </a:rPr>
+                        </m:ctrlPr>
+                      </m:sSubPr>
+                      <m:e>
+                        <m:r>
+                          <a:rPr lang="uk-UA" sz="2400" i="1">
+                            <a:effectLst/>
+                          </a:rPr>
+                          <m:t> </m:t>
+                        </m:r>
+                        <m:r>
+                          <a:rPr lang="uk-UA" sz="2400" i="1">
+                            <a:effectLst/>
+                          </a:rPr>
+                          <m:t>𝑦</m:t>
+                        </m:r>
+                      </m:e>
+                      <m:sub>
+                        <m:r>
+                          <a:rPr lang="uk-UA" sz="2400" i="1">
+                            <a:effectLst/>
+                          </a:rPr>
+                          <m:t>𝑘</m:t>
+                        </m:r>
+                      </m:sub>
+                    </m:sSub>
+                  </m:oMath>
+                </a14:m>
+                <a:endParaRPr lang="uk-UA" sz="2400" dirty="0" smtClean="0">
+                  <a:effectLst/>
+                </a:endParaRPr>
+              </a:p>
+              <a:p>
+                <a:pPr marL="274320">
+                  <a:lnSpc>
+                    <a:spcPct val="100000"/>
+                  </a:lnSpc>
+                </a:pPr>
+                <a:r>
+                  <a:rPr lang="uk-UA" sz="2400" dirty="0" smtClean="0">
+                    <a:effectLst/>
+                  </a:rPr>
+                  <a:t>тобто </a:t>
+                </a:r>
+                <a14:m>
+                  <m:oMath xmlns:m="http://schemas.openxmlformats.org/officeDocument/2006/math">
+                    <m:sSub>
+                      <m:sSubPr>
+                        <m:ctrlPr>
+                          <a:rPr lang="en-US" sz="2400" i="1">
+                            <a:effectLst/>
+                          </a:rPr>
+                        </m:ctrlPr>
+                      </m:sSubPr>
+                      <m:e>
+                        <m:r>
+                          <a:rPr lang="en-US" sz="2400" i="1">
+                            <a:effectLst/>
+                          </a:rPr>
+                          <m:t>𝑧</m:t>
+                        </m:r>
+                      </m:e>
+                      <m:sub>
+                        <m:r>
+                          <a:rPr lang="uk-UA" sz="2400" i="1">
+                            <a:effectLst/>
+                          </a:rPr>
+                          <m:t>𝑘</m:t>
+                        </m:r>
+                      </m:sub>
+                    </m:sSub>
+                    <m:r>
+                      <a:rPr lang="uk-UA" sz="2400" i="1">
+                        <a:effectLst/>
+                      </a:rPr>
+                      <m:t>=</m:t>
+                    </m:r>
+                    <m:d>
+                      <m:dPr>
+                        <m:begChr m:val="{"/>
+                        <m:endChr m:val=""/>
+                        <m:ctrlPr>
+                          <a:rPr lang="uk-UA" sz="2400" i="1" smtClean="0">
+                            <a:effectLst/>
+                          </a:rPr>
+                        </m:ctrlPr>
+                      </m:dPr>
+                      <m:e>
+                        <m:eqArr>
+                          <m:eqArrPr>
+                            <m:ctrlPr>
+                              <a:rPr lang="uk-UA" sz="2400" i="1" smtClean="0">
+                                <a:effectLst/>
+                              </a:rPr>
+                            </m:ctrlPr>
+                          </m:eqArrPr>
+                          <m:e>
+                            <m:r>
+                              <a:rPr lang="uk-UA" sz="2400" i="1">
+                                <a:effectLst/>
+                              </a:rPr>
+                              <m:t>1</m:t>
+                            </m:r>
+                            <m:r>
+                              <m:rPr>
+                                <m:nor/>
+                              </m:rPr>
+                              <a:rPr lang="en-US" sz="2400" dirty="0">
+                                <a:effectLst/>
+                              </a:rPr>
+                              <m:t>, </m:t>
+                            </m:r>
+                            <m:sSub>
+                              <m:sSubPr>
+                                <m:ctrlPr>
+                                  <a:rPr lang="en-US" sz="2400" i="1">
+                                    <a:effectLst/>
+                                  </a:rPr>
+                                </m:ctrlPr>
+                              </m:sSubPr>
+                              <m:e>
+                                <m:r>
+                                  <a:rPr lang="uk-UA" sz="2400" i="1">
+                                    <a:effectLst/>
+                                  </a:rPr>
+                                  <m:t>𝑥</m:t>
+                                </m:r>
+                              </m:e>
+                              <m:sub>
+                                <m:r>
+                                  <a:rPr lang="uk-UA" sz="2400" i="1">
+                                    <a:effectLst/>
+                                  </a:rPr>
+                                  <m:t>𝑘</m:t>
+                                </m:r>
+                              </m:sub>
+                            </m:sSub>
+                            <m:r>
+                              <a:rPr lang="uk-UA" sz="2400" b="0" i="1" smtClean="0">
+                                <a:effectLst/>
+                              </a:rPr>
+                              <m:t>+</m:t>
+                            </m:r>
+                            <m:sSub>
+                              <m:sSubPr>
+                                <m:ctrlPr>
+                                  <a:rPr lang="en-US" sz="2400" i="1">
+                                    <a:effectLst/>
+                                  </a:rPr>
+                                </m:ctrlPr>
+                              </m:sSubPr>
+                              <m:e>
+                                <m:r>
+                                  <a:rPr lang="en-US" sz="2400" i="1">
+                                    <a:effectLst/>
+                                  </a:rPr>
+                                  <m:t>𝑦</m:t>
+                                </m:r>
+                              </m:e>
+                              <m:sub>
+                                <m:r>
+                                  <a:rPr lang="uk-UA" sz="2400" i="1">
+                                    <a:effectLst/>
+                                  </a:rPr>
+                                  <m:t>𝑘</m:t>
+                                </m:r>
+                              </m:sub>
+                            </m:sSub>
+                            <m:r>
+                              <a:rPr lang="uk-UA" sz="2400" b="0" i="1" smtClean="0">
+                                <a:effectLst/>
+                              </a:rPr>
+                              <m:t>=1</m:t>
+                            </m:r>
+                          </m:e>
+                          <m:e>
+                            <m:r>
+                              <a:rPr lang="uk-UA" sz="2400" b="0" i="1" smtClean="0">
+                                <a:effectLst/>
+                              </a:rPr>
+                              <m:t>0</m:t>
+                            </m:r>
+                            <m:r>
+                              <a:rPr lang="en-US" sz="2400" b="0" i="1" smtClean="0">
+                                <a:effectLst/>
+                              </a:rPr>
+                              <m:t>, </m:t>
+                            </m:r>
+                            <m:r>
+                              <a:rPr lang="uk-UA" sz="2400" b="0" i="1" smtClean="0">
+                                <a:effectLst/>
+                              </a:rPr>
+                              <m:t>в інших випадках</m:t>
+                            </m:r>
+                          </m:e>
+                        </m:eqArr>
+                      </m:e>
+                    </m:d>
+                  </m:oMath>
+                </a14:m>
+                <a:endParaRPr lang="en-US" sz="2400" dirty="0"/>
+              </a:p>
+            </p:txBody>
+          </p:sp>
+        </mc:Choice>
+        <mc:Fallback>
+          <p:sp>
+            <p:nvSpPr>
+              <p:cNvPr id="4" name="Title 1"/>
+              <p:cNvSpPr txBox="1">
+                <a:spLocks noRot="1" noChangeAspect="1" noMove="1" noResize="1" noEditPoints="1" noAdjustHandles="1" noChangeArrowheads="1" noChangeShapeType="1" noTextEdit="1"/>
+              </p:cNvSpPr>
+              <p:nvPr/>
+            </p:nvSpPr>
+            <p:spPr>
+              <a:xfrm>
+                <a:off x="0" y="3581400"/>
+                <a:ext cx="9144000" cy="1905000"/>
+              </a:xfrm>
+              <a:prstGeom prst="rect">
+                <a:avLst/>
+              </a:prstGeom>
+              <a:blipFill rotWithShape="1">
+                <a:blip r:embed="rId2"/>
+                <a:stretch>
+                  <a:fillRect/>
+                </a:stretch>
+              </a:blipFill>
+            </p:spPr>
+            <p:txBody>
+              <a:bodyPr/>
+              <a:lstStyle/>
+              <a:p>
+                <a:r>
+                  <a:rPr lang="en-US">
+                    <a:noFill/>
+                  </a:rPr>
+                  <a:t> </a:t>
+                </a:r>
+              </a:p>
+            </p:txBody>
+          </p:sp>
+        </mc:Fallback>
+      </mc:AlternateContent>
+      <p:pic>
+        <p:nvPicPr>
+          <p:cNvPr id="6146" name="Picture 2" descr="D:\apps\edu\MasterThesis\PaperWork\pics\nim-sum.png"/>
+          <p:cNvPicPr>
+            <a:picLocks noChangeAspect="1" noChangeArrowheads="1"/>
+          </p:cNvPicPr>
           <p:nvPr/>
-        </p:nvSpPr>
-        <p:spPr>
+        </p:nvPicPr>
+        <p:blipFill>
+          <a:blip r:embed="rId3">
+            <a:extLst>
+              <a:ext uri="{28A0092B-C50C-407E-A947-70E740481C1C}">
+                <a14:useLocalDpi xmlns:a14="http://schemas.microsoft.com/office/drawing/2010/main" val="0"/>
+              </a:ext>
+            </a:extLst>
+          </a:blip>
+          <a:srcRect/>
+          <a:stretch>
+            <a:fillRect/>
+          </a:stretch>
+        </p:blipFill>
+        <p:spPr bwMode="auto">
           <a:xfrm>
-            <a:off x="0" y="2362200"/>
-            <a:ext cx="8610600" cy="3505200"/>
+            <a:off x="3793329" y="1828800"/>
+            <a:ext cx="1557339" cy="1572458"/>
           </a:xfrm>
           <a:prstGeom prst="rect">
             <a:avLst/>
           </a:prstGeom>
+          <a:noFill/>
+          <a:extLst>
+            <a:ext uri="{909E8E84-426E-40DD-AFC4-6F175D3DCCD1}">
+              <a14:hiddenFill xmlns:a14="http://schemas.microsoft.com/office/drawing/2010/main">
+                <a:solidFill>
+                  <a:srgbClr val="FFFFFF"/>
+                </a:solidFill>
+              </a14:hiddenFill>
+            </a:ext>
+          </a:extLst>
         </p:spPr>
-        <p:txBody>
-          <a:bodyPr vert="horz" lIns="91440" tIns="45720" rIns="91440" bIns="45720" rtlCol="0" anchor="b">
-            <a:noAutofit/>
-          </a:bodyPr>
-          <a:lstStyle>
-            <a:lvl1pPr algn="ctr" defTabSz="914400" rtl="0" eaLnBrk="1" latinLnBrk="0" hangingPunct="1">
-              <a:lnSpc>
-                <a:spcPts val="5800"/>
-              </a:lnSpc>
-              <a:spcBef>
-                <a:spcPct val="0"/>
-              </a:spcBef>
-              <a:buNone/>
-              <a:defRPr sz="5400" kern="1200">
-                <a:solidFill>
-                  <a:schemeClr val="tx2"/>
-                </a:solidFill>
-                <a:effectLst>
-                  <a:outerShdw blurRad="63500" dist="38100" dir="5400000" algn="t" rotWithShape="0">
-                    <a:prstClr val="black">
-                      <a:alpha val="25000"/>
-                    </a:prstClr>
-                  </a:outerShdw>
-                </a:effectLst>
-                <a:latin typeface="+mn-lt"/>
-                <a:ea typeface="+mj-ea"/>
-                <a:cs typeface="+mj-cs"/>
-              </a:defRPr>
-            </a:lvl1pPr>
-          </a:lstStyle>
-          <a:p>
-            <a:pPr lvl="1" algn="ctr"/>
-            <a:r>
-              <a:rPr lang="uk-UA" sz="5400" dirty="0" smtClean="0">
-                <a:solidFill>
-                  <a:schemeClr val="tx2"/>
-                </a:solidFill>
-                <a:effectLst>
-                  <a:outerShdw blurRad="63500" dist="38100" dir="5400000" algn="t" rotWithShape="0">
-                    <a:prstClr val="black">
-                      <a:alpha val="25000"/>
-                    </a:prstClr>
-                  </a:outerShdw>
-                </a:effectLst>
-                <a:ea typeface="+mj-ea"/>
-                <a:cs typeface="+mj-cs"/>
-              </a:rPr>
-              <a:t>2</a:t>
-            </a:r>
-            <a:r>
-              <a:rPr lang="uk-UA" sz="4000" dirty="0" smtClean="0">
-                <a:solidFill>
-                  <a:schemeClr val="tx2"/>
-                </a:solidFill>
-                <a:effectLst>
-                  <a:outerShdw blurRad="63500" dist="38100" dir="5400000" algn="t" rotWithShape="0">
-                    <a:prstClr val="black">
-                      <a:alpha val="25000"/>
-                    </a:prstClr>
-                  </a:outerShdw>
-                </a:effectLst>
-                <a:ea typeface="+mj-ea"/>
-                <a:cs typeface="+mj-cs"/>
-              </a:rPr>
-              <a:t>.</a:t>
-            </a:r>
-          </a:p>
-          <a:p>
-            <a:pPr lvl="1" algn="ctr"/>
-            <a:r>
-              <a:rPr lang="uk-UA" sz="3200" b="1" dirty="0" smtClean="0">
-                <a:solidFill>
-                  <a:schemeClr val="tx2"/>
-                </a:solidFill>
-                <a:effectLst>
-                  <a:outerShdw blurRad="63500" dist="38100" dir="5400000" algn="t" rotWithShape="0">
-                    <a:prstClr val="black">
-                      <a:alpha val="25000"/>
-                    </a:prstClr>
-                  </a:outerShdw>
-                </a:effectLst>
-                <a:ea typeface="+mj-ea"/>
-                <a:cs typeface="+mj-cs"/>
-              </a:rPr>
-              <a:t>А) </a:t>
-            </a:r>
-            <a:r>
-              <a:rPr lang="uk-UA" sz="3200" dirty="0" smtClean="0">
-                <a:solidFill>
-                  <a:schemeClr val="tx2"/>
-                </a:solidFill>
-                <a:effectLst>
-                  <a:outerShdw blurRad="63500" dist="38100" dir="5400000" algn="t" rotWithShape="0">
-                    <a:prstClr val="black">
-                      <a:alpha val="25000"/>
-                    </a:prstClr>
-                  </a:outerShdw>
-                </a:effectLst>
-                <a:ea typeface="+mj-ea"/>
-                <a:cs typeface="+mj-cs"/>
-              </a:rPr>
-              <a:t>Якщо </a:t>
-            </a:r>
-            <a:r>
-              <a:rPr lang="uk-UA" sz="3200" dirty="0">
-                <a:solidFill>
-                  <a:schemeClr val="tx2"/>
-                </a:solidFill>
-                <a:effectLst>
-                  <a:outerShdw blurRad="63500" dist="38100" dir="5400000" algn="t" rotWithShape="0">
-                    <a:prstClr val="black">
-                      <a:alpha val="25000"/>
-                    </a:prstClr>
-                  </a:outerShdw>
-                </a:effectLst>
-                <a:ea typeface="+mj-ea"/>
-                <a:cs typeface="+mj-cs"/>
-              </a:rPr>
-              <a:t>перехід веде в одну гру – </a:t>
-            </a:r>
-            <a:r>
-              <a:rPr lang="uk-UA" sz="3200" dirty="0" smtClean="0">
-                <a:solidFill>
-                  <a:schemeClr val="tx2"/>
-                </a:solidFill>
-                <a:effectLst>
-                  <a:outerShdw blurRad="63500" dist="38100" dir="5400000" algn="t" rotWithShape="0">
-                    <a:prstClr val="black">
-                      <a:alpha val="25000"/>
-                    </a:prstClr>
-                  </a:outerShdw>
-                </a:effectLst>
-                <a:ea typeface="+mj-ea"/>
-                <a:cs typeface="+mj-cs"/>
-              </a:rPr>
-              <a:t>виконати кроки 1, 2а для нової гри</a:t>
-            </a:r>
-            <a:endParaRPr lang="en-US" sz="3200" dirty="0">
-              <a:solidFill>
-                <a:schemeClr val="tx2"/>
-              </a:solidFill>
-              <a:effectLst>
-                <a:outerShdw blurRad="63500" dist="38100" dir="5400000" algn="t" rotWithShape="0">
-                  <a:prstClr val="black">
-                    <a:alpha val="25000"/>
-                  </a:prstClr>
-                </a:outerShdw>
-              </a:effectLst>
-              <a:ea typeface="+mj-ea"/>
-              <a:cs typeface="+mj-cs"/>
-            </a:endParaRPr>
-          </a:p>
-          <a:p>
-            <a:pPr lvl="1" algn="ctr"/>
-            <a:r>
-              <a:rPr lang="uk-UA" sz="3200" b="1" dirty="0" smtClean="0">
-                <a:solidFill>
-                  <a:schemeClr val="tx2"/>
-                </a:solidFill>
-                <a:effectLst>
-                  <a:outerShdw blurRad="63500" dist="38100" dir="5400000" algn="t" rotWithShape="0">
-                    <a:prstClr val="black">
-                      <a:alpha val="25000"/>
-                    </a:prstClr>
-                  </a:outerShdw>
-                </a:effectLst>
-                <a:ea typeface="+mj-ea"/>
-                <a:cs typeface="+mj-cs"/>
-              </a:rPr>
-              <a:t>Б) </a:t>
-            </a:r>
-            <a:r>
-              <a:rPr lang="uk-UA" sz="3200" dirty="0" smtClean="0">
-                <a:solidFill>
-                  <a:schemeClr val="tx2"/>
-                </a:solidFill>
-                <a:effectLst>
-                  <a:outerShdw blurRad="63500" dist="38100" dir="5400000" algn="t" rotWithShape="0">
-                    <a:prstClr val="black">
-                      <a:alpha val="25000"/>
-                    </a:prstClr>
-                  </a:outerShdw>
-                </a:effectLst>
-                <a:ea typeface="+mj-ea"/>
-                <a:cs typeface="+mj-cs"/>
-              </a:rPr>
-              <a:t>Якщо </a:t>
-            </a:r>
-            <a:r>
-              <a:rPr lang="uk-UA" sz="3200" dirty="0">
-                <a:solidFill>
-                  <a:schemeClr val="tx2"/>
-                </a:solidFill>
-                <a:effectLst>
-                  <a:outerShdw blurRad="63500" dist="38100" dir="5400000" algn="t" rotWithShape="0">
-                    <a:prstClr val="black">
-                      <a:alpha val="25000"/>
-                    </a:prstClr>
-                  </a:outerShdw>
-                </a:effectLst>
-                <a:ea typeface="+mj-ea"/>
-                <a:cs typeface="+mj-cs"/>
-              </a:rPr>
-              <a:t>перехід веде в в суму ігор – порахувати значення Шпрага-Гранді як нім-суму значень Шпрага-Гранді цих ігор</a:t>
-            </a:r>
-            <a:endParaRPr lang="en-US" sz="3200" dirty="0">
-              <a:solidFill>
-                <a:schemeClr val="tx2"/>
-              </a:solidFill>
-              <a:effectLst>
-                <a:outerShdw blurRad="63500" dist="38100" dir="5400000" algn="t" rotWithShape="0">
-                  <a:prstClr val="black">
-                    <a:alpha val="25000"/>
-                  </a:prstClr>
-                </a:outerShdw>
-              </a:effectLst>
-              <a:ea typeface="+mj-ea"/>
-              <a:cs typeface="+mj-cs"/>
-            </a:endParaRPr>
-          </a:p>
-        </p:txBody>
-      </p:sp>
+      </p:pic>
     </p:spTree>
     <p:extLst>
       <p:ext uri="{BB962C8B-B14F-4D97-AF65-F5344CB8AC3E}">
-        <p14:creationId xmlns:p14="http://schemas.microsoft.com/office/powerpoint/2010/main" val="476966385"/>
+        <p14:creationId xmlns:p14="http://schemas.microsoft.com/office/powerpoint/2010/main" val="3691455350"/>
       </p:ext>
     </p:extLst>
   </p:cSld>
@@ -6865,16 +9585,56 @@
             <p:ph type="title"/>
           </p:nvPr>
         </p:nvSpPr>
-        <p:spPr/>
+        <p:spPr>
+          <a:xfrm>
+            <a:off x="0" y="2819400"/>
+            <a:ext cx="9144000" cy="1981200"/>
+          </a:xfrm>
+        </p:spPr>
         <p:txBody>
           <a:bodyPr/>
           <a:lstStyle/>
           <a:p>
-            <a:r>
-              <a:rPr lang="uk-UA" b="1" dirty="0" smtClean="0"/>
-              <a:t>Алгоритм</a:t>
-            </a:r>
-            <a:endParaRPr lang="en-US" b="1" dirty="0"/>
+            <a:pPr>
+              <a:lnSpc>
+                <a:spcPct val="100000"/>
+              </a:lnSpc>
+            </a:pPr>
+            <a:r>
+              <a:rPr lang="uk-UA" dirty="0" smtClean="0">
+                <a:latin typeface="Calibri" pitchFamily="34" charset="0"/>
+                <a:cs typeface="Calibri" pitchFamily="34" charset="0"/>
+              </a:rPr>
+              <a:t/>
+            </a:r>
+            <a:br>
+              <a:rPr lang="uk-UA" dirty="0" smtClean="0">
+                <a:latin typeface="Calibri" pitchFamily="34" charset="0"/>
+                <a:cs typeface="Calibri" pitchFamily="34" charset="0"/>
+              </a:rPr>
+            </a:br>
+            <a:r>
+              <a:rPr lang="uk-UA" dirty="0">
+                <a:latin typeface="Calibri" pitchFamily="34" charset="0"/>
+                <a:cs typeface="Calibri" pitchFamily="34" charset="0"/>
+              </a:rPr>
+              <a:t>Б</a:t>
+            </a:r>
+            <a:r>
+              <a:rPr lang="uk-UA" dirty="0" smtClean="0">
+                <a:latin typeface="Calibri" pitchFamily="34" charset="0"/>
+                <a:cs typeface="Calibri" pitchFamily="34" charset="0"/>
+              </a:rPr>
+              <a:t>удь-яка </a:t>
+            </a:r>
+            <a:r>
+              <a:rPr lang="uk-UA" dirty="0" smtClean="0">
+                <a:latin typeface="Calibri" pitchFamily="34" charset="0"/>
+                <a:cs typeface="Calibri" pitchFamily="34" charset="0"/>
+              </a:rPr>
+              <a:t>рівноправна гра еквівалентна грі Нім</a:t>
+            </a:r>
+            <a:endParaRPr lang="en-US" dirty="0"/>
           </a:p>
         </p:txBody>
       </p:sp>
@@ -6888,8 +9648,8 @@
         </p:nvSpPr>
         <p:spPr>
           <a:xfrm>
-            <a:off x="443345" y="2362200"/>
-            <a:ext cx="8229600" cy="2514600"/>
+            <a:off x="0" y="152400"/>
+            <a:ext cx="9144000" cy="1600200"/>
           </a:xfrm>
           <a:prstGeom prst="rect">
             <a:avLst/>
@@ -6926,29 +9686,12 @@
             </a:lvl1pPr>
           </a:lstStyle>
           <a:p>
-            <a:pPr lvl="0"/>
-            <a:r>
-              <a:rPr lang="uk-UA" dirty="0" smtClean="0"/>
-              <a:t>3.</a:t>
-            </a:r>
-          </a:p>
-          <a:p>
-            <a:pPr lvl="0"/>
-            <a:r>
-              <a:rPr lang="uk-UA" dirty="0" smtClean="0"/>
-              <a:t>Порахувати </a:t>
-            </a:r>
-            <a:r>
-              <a:rPr lang="en-US" i="1" dirty="0" err="1" smtClean="0"/>
-              <a:t>mex</a:t>
-            </a:r>
-            <a:r>
-              <a:rPr lang="en-US" dirty="0" smtClean="0"/>
-              <a:t> </a:t>
-            </a:r>
-            <a:r>
-              <a:rPr lang="uk-UA" dirty="0"/>
-              <a:t>для цих значень</a:t>
+            <a:r>
+              <a:rPr lang="uk-UA" dirty="0">
+                <a:latin typeface="Calibri" pitchFamily="34" charset="0"/>
+                <a:cs typeface="Calibri" pitchFamily="34" charset="0"/>
+              </a:rPr>
+              <a:t>Теорема Шпрага-Гранді</a:t>
             </a:r>
             <a:endParaRPr lang="en-US" dirty="0"/>
           </a:p>
@@ -6957,7 +9700,7 @@
     </p:spTree>
     <p:extLst>
       <p:ext uri="{BB962C8B-B14F-4D97-AF65-F5344CB8AC3E}">
-        <p14:creationId xmlns:p14="http://schemas.microsoft.com/office/powerpoint/2010/main" val="476966385"/>
+        <p14:creationId xmlns:p14="http://schemas.microsoft.com/office/powerpoint/2010/main" val="1541107590"/>
       </p:ext>
     </p:extLst>
   </p:cSld>
